--- a/wiki/Stage.pptx
+++ b/wiki/Stage.pptx
@@ -10,6 +10,7 @@
     <p:sldId id="258" r:id="rId4"/>
     <p:sldId id="259" r:id="rId5"/>
     <p:sldId id="260" r:id="rId6"/>
+    <p:sldId id="261" r:id="rId7"/>
   </p:sldIdLst>
   <p:sldSz cx="12192000" cy="6858000"/>
   <p:notesSz cx="6858000" cy="9144000"/>
@@ -108,6 +109,11 @@
       </a:defRPr>
     </a:lvl9pPr>
   </p:defaultTextStyle>
+  <p:extLst>
+    <p:ext uri="{EFAFB233-063F-42B5-8137-9DF3F51BA10A}">
+      <p15:sldGuideLst xmlns:p15="http://schemas.microsoft.com/office/powerpoint/2012/main"/>
+    </p:ext>
+  </p:extLst>
 </p:presentation>
 </file>
 
@@ -4707,6 +4713,925 @@
 </file>
 
 <file path=ppt/diagrams/colors6.xml><?xml version="1.0" encoding="utf-8"?>
+<dgm:colorsDef xmlns:dgm="http://schemas.openxmlformats.org/drawingml/2006/diagram" xmlns:a="http://schemas.openxmlformats.org/drawingml/2006/main" uniqueId="urn:microsoft.com/office/officeart/2005/8/colors/colorful1">
+  <dgm:title val=""/>
+  <dgm:desc val=""/>
+  <dgm:catLst>
+    <dgm:cat type="colorful" pri="10100"/>
+  </dgm:catLst>
+  <dgm:styleLbl name="node0">
+    <dgm:fillClrLst meth="repeat">
+      <a:schemeClr val="accent1"/>
+    </dgm:fillClrLst>
+    <dgm:linClrLst meth="repeat">
+      <a:schemeClr val="lt1"/>
+    </dgm:linClrLst>
+    <dgm:effectClrLst/>
+    <dgm:txLinClrLst/>
+    <dgm:txFillClrLst/>
+    <dgm:txEffectClrLst/>
+  </dgm:styleLbl>
+  <dgm:styleLbl name="node1">
+    <dgm:fillClrLst meth="repeat">
+      <a:schemeClr val="accent2"/>
+      <a:schemeClr val="accent3"/>
+      <a:schemeClr val="accent4"/>
+      <a:schemeClr val="accent5"/>
+      <a:schemeClr val="accent6"/>
+    </dgm:fillClrLst>
+    <dgm:linClrLst meth="repeat">
+      <a:schemeClr val="lt1"/>
+    </dgm:linClrLst>
+    <dgm:effectClrLst/>
+    <dgm:txLinClrLst/>
+    <dgm:txFillClrLst/>
+    <dgm:txEffectClrLst/>
+  </dgm:styleLbl>
+  <dgm:styleLbl name="alignNode1">
+    <dgm:fillClrLst meth="repeat">
+      <a:schemeClr val="accent2"/>
+      <a:schemeClr val="accent3"/>
+      <a:schemeClr val="accent4"/>
+      <a:schemeClr val="accent5"/>
+      <a:schemeClr val="accent6"/>
+    </dgm:fillClrLst>
+    <dgm:linClrLst meth="repeat">
+      <a:schemeClr val="accent2"/>
+      <a:schemeClr val="accent3"/>
+      <a:schemeClr val="accent4"/>
+      <a:schemeClr val="accent5"/>
+      <a:schemeClr val="accent6"/>
+    </dgm:linClrLst>
+    <dgm:effectClrLst/>
+    <dgm:txLinClrLst/>
+    <dgm:txFillClrLst/>
+    <dgm:txEffectClrLst/>
+  </dgm:styleLbl>
+  <dgm:styleLbl name="lnNode1">
+    <dgm:fillClrLst meth="repeat">
+      <a:schemeClr val="accent2"/>
+      <a:schemeClr val="accent3"/>
+      <a:schemeClr val="accent4"/>
+      <a:schemeClr val="accent5"/>
+      <a:schemeClr val="accent6"/>
+    </dgm:fillClrLst>
+    <dgm:linClrLst meth="repeat">
+      <a:schemeClr val="lt1"/>
+    </dgm:linClrLst>
+    <dgm:effectClrLst/>
+    <dgm:txLinClrLst/>
+    <dgm:txFillClrLst/>
+    <dgm:txEffectClrLst/>
+  </dgm:styleLbl>
+  <dgm:styleLbl name="vennNode1">
+    <dgm:fillClrLst meth="repeat">
+      <a:schemeClr val="accent2">
+        <a:alpha val="50000"/>
+      </a:schemeClr>
+      <a:schemeClr val="accent3">
+        <a:alpha val="50000"/>
+      </a:schemeClr>
+      <a:schemeClr val="accent4">
+        <a:alpha val="50000"/>
+      </a:schemeClr>
+      <a:schemeClr val="accent5">
+        <a:alpha val="50000"/>
+      </a:schemeClr>
+      <a:schemeClr val="accent6">
+        <a:alpha val="50000"/>
+      </a:schemeClr>
+    </dgm:fillClrLst>
+    <dgm:linClrLst meth="repeat">
+      <a:schemeClr val="lt1"/>
+    </dgm:linClrLst>
+    <dgm:effectClrLst/>
+    <dgm:txLinClrLst/>
+    <dgm:txFillClrLst/>
+    <dgm:txEffectClrLst/>
+  </dgm:styleLbl>
+  <dgm:styleLbl name="node2">
+    <dgm:fillClrLst>
+      <a:schemeClr val="accent2"/>
+    </dgm:fillClrLst>
+    <dgm:linClrLst meth="repeat">
+      <a:schemeClr val="lt1"/>
+    </dgm:linClrLst>
+    <dgm:effectClrLst/>
+    <dgm:txLinClrLst/>
+    <dgm:txFillClrLst/>
+    <dgm:txEffectClrLst/>
+  </dgm:styleLbl>
+  <dgm:styleLbl name="node3">
+    <dgm:fillClrLst>
+      <a:schemeClr val="accent3"/>
+    </dgm:fillClrLst>
+    <dgm:linClrLst meth="repeat">
+      <a:schemeClr val="lt1"/>
+    </dgm:linClrLst>
+    <dgm:effectClrLst/>
+    <dgm:txLinClrLst/>
+    <dgm:txFillClrLst/>
+    <dgm:txEffectClrLst/>
+  </dgm:styleLbl>
+  <dgm:styleLbl name="node4">
+    <dgm:fillClrLst>
+      <a:schemeClr val="accent4"/>
+    </dgm:fillClrLst>
+    <dgm:linClrLst meth="repeat">
+      <a:schemeClr val="lt1"/>
+    </dgm:linClrLst>
+    <dgm:effectClrLst/>
+    <dgm:txLinClrLst/>
+    <dgm:txFillClrLst/>
+    <dgm:txEffectClrLst/>
+  </dgm:styleLbl>
+  <dgm:styleLbl name="fgImgPlace1">
+    <dgm:fillClrLst meth="repeat">
+      <a:schemeClr val="accent2">
+        <a:tint val="50000"/>
+      </a:schemeClr>
+      <a:schemeClr val="accent3">
+        <a:tint val="50000"/>
+      </a:schemeClr>
+      <a:schemeClr val="accent4">
+        <a:tint val="50000"/>
+      </a:schemeClr>
+      <a:schemeClr val="accent5">
+        <a:tint val="50000"/>
+      </a:schemeClr>
+      <a:schemeClr val="accent6">
+        <a:tint val="50000"/>
+      </a:schemeClr>
+    </dgm:fillClrLst>
+    <dgm:linClrLst meth="repeat">
+      <a:schemeClr val="lt1"/>
+    </dgm:linClrLst>
+    <dgm:effectClrLst/>
+    <dgm:txLinClrLst/>
+    <dgm:txFillClrLst meth="repeat">
+      <a:schemeClr val="lt1"/>
+    </dgm:txFillClrLst>
+    <dgm:txEffectClrLst/>
+  </dgm:styleLbl>
+  <dgm:styleLbl name="alignImgPlace1">
+    <dgm:fillClrLst>
+      <a:schemeClr val="accent1">
+        <a:tint val="50000"/>
+      </a:schemeClr>
+      <a:schemeClr val="accent2">
+        <a:tint val="20000"/>
+      </a:schemeClr>
+    </dgm:fillClrLst>
+    <dgm:linClrLst meth="repeat">
+      <a:schemeClr val="lt1"/>
+    </dgm:linClrLst>
+    <dgm:effectClrLst/>
+    <dgm:txLinClrLst/>
+    <dgm:txFillClrLst meth="repeat">
+      <a:schemeClr val="lt1"/>
+    </dgm:txFillClrLst>
+    <dgm:txEffectClrLst/>
+  </dgm:styleLbl>
+  <dgm:styleLbl name="bgImgPlace1">
+    <dgm:fillClrLst>
+      <a:schemeClr val="accent1">
+        <a:tint val="50000"/>
+      </a:schemeClr>
+      <a:schemeClr val="accent2">
+        <a:tint val="20000"/>
+      </a:schemeClr>
+    </dgm:fillClrLst>
+    <dgm:linClrLst meth="repeat">
+      <a:schemeClr val="lt1"/>
+    </dgm:linClrLst>
+    <dgm:effectClrLst/>
+    <dgm:txLinClrLst/>
+    <dgm:txFillClrLst meth="repeat">
+      <a:schemeClr val="lt1"/>
+    </dgm:txFillClrLst>
+    <dgm:txEffectClrLst/>
+  </dgm:styleLbl>
+  <dgm:styleLbl name="sibTrans2D1">
+    <dgm:fillClrLst meth="repeat">
+      <a:schemeClr val="accent2"/>
+      <a:schemeClr val="accent3"/>
+      <a:schemeClr val="accent4"/>
+      <a:schemeClr val="accent5"/>
+      <a:schemeClr val="accent6"/>
+    </dgm:fillClrLst>
+    <dgm:linClrLst meth="cycle">
+      <a:schemeClr val="lt1"/>
+    </dgm:linClrLst>
+    <dgm:effectClrLst/>
+    <dgm:txLinClrLst/>
+    <dgm:txFillClrLst/>
+    <dgm:txEffectClrLst/>
+  </dgm:styleLbl>
+  <dgm:styleLbl name="fgSibTrans2D1">
+    <dgm:fillClrLst meth="repeat">
+      <a:schemeClr val="accent2"/>
+      <a:schemeClr val="accent3"/>
+      <a:schemeClr val="accent4"/>
+      <a:schemeClr val="accent5"/>
+      <a:schemeClr val="accent6"/>
+    </dgm:fillClrLst>
+    <dgm:linClrLst meth="cycle">
+      <a:schemeClr val="lt1"/>
+    </dgm:linClrLst>
+    <dgm:effectClrLst/>
+    <dgm:txLinClrLst/>
+    <dgm:txFillClrLst meth="repeat">
+      <a:schemeClr val="lt1"/>
+    </dgm:txFillClrLst>
+    <dgm:txEffectClrLst/>
+  </dgm:styleLbl>
+  <dgm:styleLbl name="bgSibTrans2D1">
+    <dgm:fillClrLst meth="repeat">
+      <a:schemeClr val="accent2"/>
+      <a:schemeClr val="accent3"/>
+      <a:schemeClr val="accent4"/>
+      <a:schemeClr val="accent5"/>
+      <a:schemeClr val="accent6"/>
+    </dgm:fillClrLst>
+    <dgm:linClrLst meth="cycle">
+      <a:schemeClr val="lt1"/>
+    </dgm:linClrLst>
+    <dgm:effectClrLst/>
+    <dgm:txLinClrLst/>
+    <dgm:txFillClrLst meth="repeat">
+      <a:schemeClr val="lt1"/>
+    </dgm:txFillClrLst>
+    <dgm:txEffectClrLst/>
+  </dgm:styleLbl>
+  <dgm:styleLbl name="sibTrans1D1">
+    <dgm:fillClrLst meth="repeat">
+      <a:schemeClr val="accent2"/>
+      <a:schemeClr val="accent3"/>
+      <a:schemeClr val="accent4"/>
+      <a:schemeClr val="accent5"/>
+      <a:schemeClr val="accent6"/>
+    </dgm:fillClrLst>
+    <dgm:linClrLst meth="repeat">
+      <a:schemeClr val="accent2"/>
+      <a:schemeClr val="accent3"/>
+      <a:schemeClr val="accent4"/>
+      <a:schemeClr val="accent5"/>
+      <a:schemeClr val="accent6"/>
+    </dgm:linClrLst>
+    <dgm:effectClrLst/>
+    <dgm:txLinClrLst/>
+    <dgm:txFillClrLst meth="repeat">
+      <a:schemeClr val="tx1"/>
+    </dgm:txFillClrLst>
+    <dgm:txEffectClrLst/>
+  </dgm:styleLbl>
+  <dgm:styleLbl name="callout">
+    <dgm:fillClrLst meth="repeat">
+      <a:schemeClr val="accent2"/>
+    </dgm:fillClrLst>
+    <dgm:linClrLst meth="repeat">
+      <a:schemeClr val="accent2">
+        <a:tint val="50000"/>
+      </a:schemeClr>
+    </dgm:linClrLst>
+    <dgm:effectClrLst/>
+    <dgm:txLinClrLst/>
+    <dgm:txFillClrLst meth="repeat">
+      <a:schemeClr val="tx1"/>
+    </dgm:txFillClrLst>
+    <dgm:txEffectClrLst/>
+  </dgm:styleLbl>
+  <dgm:styleLbl name="asst0">
+    <dgm:fillClrLst meth="repeat">
+      <a:schemeClr val="accent1"/>
+    </dgm:fillClrLst>
+    <dgm:linClrLst meth="repeat">
+      <a:schemeClr val="lt1"/>
+    </dgm:linClrLst>
+    <dgm:effectClrLst/>
+    <dgm:txLinClrLst/>
+    <dgm:txFillClrLst/>
+    <dgm:txEffectClrLst/>
+  </dgm:styleLbl>
+  <dgm:styleLbl name="asst1">
+    <dgm:fillClrLst meth="repeat">
+      <a:schemeClr val="accent2"/>
+    </dgm:fillClrLst>
+    <dgm:linClrLst meth="repeat">
+      <a:schemeClr val="lt1"/>
+    </dgm:linClrLst>
+    <dgm:effectClrLst/>
+    <dgm:txLinClrLst/>
+    <dgm:txFillClrLst/>
+    <dgm:txEffectClrLst/>
+  </dgm:styleLbl>
+  <dgm:styleLbl name="asst2">
+    <dgm:fillClrLst>
+      <a:schemeClr val="accent3"/>
+    </dgm:fillClrLst>
+    <dgm:linClrLst meth="repeat">
+      <a:schemeClr val="lt1"/>
+    </dgm:linClrLst>
+    <dgm:effectClrLst/>
+    <dgm:txLinClrLst/>
+    <dgm:txFillClrLst/>
+    <dgm:txEffectClrLst/>
+  </dgm:styleLbl>
+  <dgm:styleLbl name="asst3">
+    <dgm:fillClrLst>
+      <a:schemeClr val="accent4"/>
+    </dgm:fillClrLst>
+    <dgm:linClrLst meth="repeat">
+      <a:schemeClr val="lt1"/>
+    </dgm:linClrLst>
+    <dgm:effectClrLst/>
+    <dgm:txLinClrLst/>
+    <dgm:txFillClrLst/>
+    <dgm:txEffectClrLst/>
+  </dgm:styleLbl>
+  <dgm:styleLbl name="asst4">
+    <dgm:fillClrLst>
+      <a:schemeClr val="accent5"/>
+    </dgm:fillClrLst>
+    <dgm:linClrLst meth="repeat">
+      <a:schemeClr val="lt1"/>
+    </dgm:linClrLst>
+    <dgm:effectClrLst/>
+    <dgm:txLinClrLst/>
+    <dgm:txFillClrLst/>
+    <dgm:txEffectClrLst/>
+  </dgm:styleLbl>
+  <dgm:styleLbl name="parChTrans2D1">
+    <dgm:fillClrLst meth="repeat">
+      <a:schemeClr val="accent2"/>
+    </dgm:fillClrLst>
+    <dgm:linClrLst meth="repeat">
+      <a:schemeClr val="lt1"/>
+    </dgm:linClrLst>
+    <dgm:effectClrLst/>
+    <dgm:txLinClrLst/>
+    <dgm:txFillClrLst meth="repeat">
+      <a:schemeClr val="lt1"/>
+    </dgm:txFillClrLst>
+    <dgm:txEffectClrLst/>
+  </dgm:styleLbl>
+  <dgm:styleLbl name="parChTrans2D2">
+    <dgm:fillClrLst meth="repeat">
+      <a:schemeClr val="accent3"/>
+    </dgm:fillClrLst>
+    <dgm:linClrLst meth="repeat">
+      <a:schemeClr val="lt1"/>
+    </dgm:linClrLst>
+    <dgm:effectClrLst/>
+    <dgm:txLinClrLst/>
+    <dgm:txFillClrLst/>
+    <dgm:txEffectClrLst/>
+  </dgm:styleLbl>
+  <dgm:styleLbl name="parChTrans2D3">
+    <dgm:fillClrLst meth="repeat">
+      <a:schemeClr val="accent4"/>
+    </dgm:fillClrLst>
+    <dgm:linClrLst meth="repeat">
+      <a:schemeClr val="lt1"/>
+    </dgm:linClrLst>
+    <dgm:effectClrLst/>
+    <dgm:txLinClrLst/>
+    <dgm:txFillClrLst/>
+    <dgm:txEffectClrLst/>
+  </dgm:styleLbl>
+  <dgm:styleLbl name="parChTrans2D4">
+    <dgm:fillClrLst meth="repeat">
+      <a:schemeClr val="accent5"/>
+    </dgm:fillClrLst>
+    <dgm:linClrLst meth="repeat">
+      <a:schemeClr val="lt1"/>
+    </dgm:linClrLst>
+    <dgm:effectClrLst/>
+    <dgm:txLinClrLst/>
+    <dgm:txFillClrLst meth="repeat">
+      <a:schemeClr val="lt1"/>
+    </dgm:txFillClrLst>
+    <dgm:txEffectClrLst/>
+  </dgm:styleLbl>
+  <dgm:styleLbl name="parChTrans1D1">
+    <dgm:fillClrLst meth="repeat">
+      <a:schemeClr val="accent2"/>
+    </dgm:fillClrLst>
+    <dgm:linClrLst meth="repeat">
+      <a:schemeClr val="accent1"/>
+    </dgm:linClrLst>
+    <dgm:effectClrLst/>
+    <dgm:txLinClrLst/>
+    <dgm:txFillClrLst meth="repeat">
+      <a:schemeClr val="tx1"/>
+    </dgm:txFillClrLst>
+    <dgm:txEffectClrLst/>
+  </dgm:styleLbl>
+  <dgm:styleLbl name="parChTrans1D2">
+    <dgm:fillClrLst meth="repeat">
+      <a:schemeClr val="accent3">
+        <a:tint val="90000"/>
+      </a:schemeClr>
+    </dgm:fillClrLst>
+    <dgm:linClrLst meth="repeat">
+      <a:schemeClr val="accent2"/>
+    </dgm:linClrLst>
+    <dgm:effectClrLst/>
+    <dgm:txLinClrLst/>
+    <dgm:txFillClrLst meth="repeat">
+      <a:schemeClr val="tx1"/>
+    </dgm:txFillClrLst>
+    <dgm:txEffectClrLst/>
+  </dgm:styleLbl>
+  <dgm:styleLbl name="parChTrans1D3">
+    <dgm:fillClrLst meth="repeat">
+      <a:schemeClr val="accent4">
+        <a:tint val="70000"/>
+      </a:schemeClr>
+    </dgm:fillClrLst>
+    <dgm:linClrLst meth="repeat">
+      <a:schemeClr val="accent3"/>
+    </dgm:linClrLst>
+    <dgm:effectClrLst/>
+    <dgm:txLinClrLst/>
+    <dgm:txFillClrLst meth="repeat">
+      <a:schemeClr val="tx1"/>
+    </dgm:txFillClrLst>
+    <dgm:txEffectClrLst/>
+  </dgm:styleLbl>
+  <dgm:styleLbl name="parChTrans1D4">
+    <dgm:fillClrLst meth="repeat">
+      <a:schemeClr val="accent5">
+        <a:tint val="50000"/>
+      </a:schemeClr>
+    </dgm:fillClrLst>
+    <dgm:linClrLst meth="repeat">
+      <a:schemeClr val="accent4"/>
+    </dgm:linClrLst>
+    <dgm:effectClrLst/>
+    <dgm:txLinClrLst/>
+    <dgm:txFillClrLst meth="repeat">
+      <a:schemeClr val="tx1"/>
+    </dgm:txFillClrLst>
+    <dgm:txEffectClrLst/>
+  </dgm:styleLbl>
+  <dgm:styleLbl name="fgAcc1">
+    <dgm:fillClrLst meth="repeat">
+      <a:schemeClr val="lt1">
+        <a:alpha val="90000"/>
+      </a:schemeClr>
+    </dgm:fillClrLst>
+    <dgm:linClrLst meth="repeat">
+      <a:schemeClr val="accent2"/>
+      <a:schemeClr val="accent3"/>
+      <a:schemeClr val="accent4"/>
+      <a:schemeClr val="accent5"/>
+      <a:schemeClr val="accent6"/>
+    </dgm:linClrLst>
+    <dgm:effectClrLst/>
+    <dgm:txLinClrLst/>
+    <dgm:txFillClrLst meth="repeat">
+      <a:schemeClr val="dk1"/>
+    </dgm:txFillClrLst>
+    <dgm:txEffectClrLst/>
+  </dgm:styleLbl>
+  <dgm:styleLbl name="conFgAcc1">
+    <dgm:fillClrLst meth="repeat">
+      <a:schemeClr val="lt1">
+        <a:alpha val="90000"/>
+      </a:schemeClr>
+    </dgm:fillClrLst>
+    <dgm:linClrLst meth="repeat">
+      <a:schemeClr val="accent2"/>
+      <a:schemeClr val="accent3"/>
+      <a:schemeClr val="accent4"/>
+      <a:schemeClr val="accent5"/>
+      <a:schemeClr val="accent6"/>
+    </dgm:linClrLst>
+    <dgm:effectClrLst/>
+    <dgm:txLinClrLst/>
+    <dgm:txFillClrLst meth="repeat">
+      <a:schemeClr val="dk1"/>
+    </dgm:txFillClrLst>
+    <dgm:txEffectClrLst/>
+  </dgm:styleLbl>
+  <dgm:styleLbl name="alignAcc1">
+    <dgm:fillClrLst meth="repeat">
+      <a:schemeClr val="lt1">
+        <a:alpha val="90000"/>
+      </a:schemeClr>
+    </dgm:fillClrLst>
+    <dgm:linClrLst meth="repeat">
+      <a:schemeClr val="accent2"/>
+      <a:schemeClr val="accent3"/>
+      <a:schemeClr val="accent4"/>
+      <a:schemeClr val="accent5"/>
+      <a:schemeClr val="accent6"/>
+    </dgm:linClrLst>
+    <dgm:effectClrLst/>
+    <dgm:txLinClrLst/>
+    <dgm:txFillClrLst meth="repeat">
+      <a:schemeClr val="dk1"/>
+    </dgm:txFillClrLst>
+    <dgm:txEffectClrLst/>
+  </dgm:styleLbl>
+  <dgm:styleLbl name="trAlignAcc1">
+    <dgm:fillClrLst meth="repeat">
+      <a:schemeClr val="lt1">
+        <a:alpha val="40000"/>
+      </a:schemeClr>
+    </dgm:fillClrLst>
+    <dgm:linClrLst meth="repeat">
+      <a:schemeClr val="accent1"/>
+    </dgm:linClrLst>
+    <dgm:effectClrLst/>
+    <dgm:txLinClrLst/>
+    <dgm:txFillClrLst meth="repeat">
+      <a:schemeClr val="dk1"/>
+    </dgm:txFillClrLst>
+    <dgm:txEffectClrLst/>
+  </dgm:styleLbl>
+  <dgm:styleLbl name="bgAcc1">
+    <dgm:fillClrLst meth="repeat">
+      <a:schemeClr val="lt1">
+        <a:alpha val="90000"/>
+      </a:schemeClr>
+    </dgm:fillClrLst>
+    <dgm:linClrLst meth="repeat">
+      <a:schemeClr val="accent2"/>
+      <a:schemeClr val="accent3"/>
+      <a:schemeClr val="accent4"/>
+      <a:schemeClr val="accent5"/>
+      <a:schemeClr val="accent6"/>
+    </dgm:linClrLst>
+    <dgm:effectClrLst/>
+    <dgm:txLinClrLst/>
+    <dgm:txFillClrLst meth="repeat">
+      <a:schemeClr val="dk1"/>
+    </dgm:txFillClrLst>
+    <dgm:txEffectClrLst/>
+  </dgm:styleLbl>
+  <dgm:styleLbl name="solidFgAcc1">
+    <dgm:fillClrLst meth="repeat">
+      <a:schemeClr val="lt1"/>
+    </dgm:fillClrLst>
+    <dgm:linClrLst meth="repeat">
+      <a:schemeClr val="accent2"/>
+      <a:schemeClr val="accent3"/>
+      <a:schemeClr val="accent4"/>
+      <a:schemeClr val="accent5"/>
+      <a:schemeClr val="accent6"/>
+    </dgm:linClrLst>
+    <dgm:effectClrLst/>
+    <dgm:txLinClrLst/>
+    <dgm:txFillClrLst meth="repeat">
+      <a:schemeClr val="dk1"/>
+    </dgm:txFillClrLst>
+    <dgm:txEffectClrLst/>
+  </dgm:styleLbl>
+  <dgm:styleLbl name="solidAlignAcc1">
+    <dgm:fillClrLst meth="repeat">
+      <a:schemeClr val="lt1"/>
+    </dgm:fillClrLst>
+    <dgm:linClrLst meth="repeat">
+      <a:schemeClr val="accent2"/>
+      <a:schemeClr val="accent3"/>
+      <a:schemeClr val="accent4"/>
+      <a:schemeClr val="accent5"/>
+      <a:schemeClr val="accent6"/>
+    </dgm:linClrLst>
+    <dgm:effectClrLst/>
+    <dgm:txLinClrLst/>
+    <dgm:txFillClrLst meth="repeat">
+      <a:schemeClr val="dk1"/>
+    </dgm:txFillClrLst>
+    <dgm:txEffectClrLst/>
+  </dgm:styleLbl>
+  <dgm:styleLbl name="solidBgAcc1">
+    <dgm:fillClrLst meth="repeat">
+      <a:schemeClr val="lt1"/>
+    </dgm:fillClrLst>
+    <dgm:linClrLst meth="repeat">
+      <a:schemeClr val="accent2"/>
+      <a:schemeClr val="accent3"/>
+      <a:schemeClr val="accent4"/>
+      <a:schemeClr val="accent5"/>
+      <a:schemeClr val="accent6"/>
+    </dgm:linClrLst>
+    <dgm:effectClrLst/>
+    <dgm:txLinClrLst/>
+    <dgm:txFillClrLst meth="repeat">
+      <a:schemeClr val="dk1"/>
+    </dgm:txFillClrLst>
+    <dgm:txEffectClrLst/>
+  </dgm:styleLbl>
+  <dgm:styleLbl name="fgAccFollowNode1">
+    <dgm:fillClrLst meth="repeat">
+      <a:schemeClr val="accent2">
+        <a:tint val="40000"/>
+        <a:alpha val="90000"/>
+      </a:schemeClr>
+      <a:schemeClr val="accent3">
+        <a:tint val="40000"/>
+        <a:alpha val="90000"/>
+      </a:schemeClr>
+      <a:schemeClr val="accent4">
+        <a:tint val="40000"/>
+        <a:alpha val="90000"/>
+      </a:schemeClr>
+      <a:schemeClr val="accent5">
+        <a:tint val="40000"/>
+        <a:alpha val="90000"/>
+      </a:schemeClr>
+      <a:schemeClr val="accent6">
+        <a:tint val="40000"/>
+        <a:alpha val="90000"/>
+      </a:schemeClr>
+    </dgm:fillClrLst>
+    <dgm:linClrLst meth="repeat">
+      <a:schemeClr val="accent2">
+        <a:tint val="40000"/>
+        <a:alpha val="90000"/>
+      </a:schemeClr>
+      <a:schemeClr val="accent3">
+        <a:tint val="40000"/>
+        <a:alpha val="90000"/>
+      </a:schemeClr>
+      <a:schemeClr val="accent4">
+        <a:tint val="40000"/>
+        <a:alpha val="90000"/>
+      </a:schemeClr>
+      <a:schemeClr val="accent5">
+        <a:tint val="40000"/>
+        <a:alpha val="90000"/>
+      </a:schemeClr>
+      <a:schemeClr val="accent6">
+        <a:tint val="40000"/>
+        <a:alpha val="90000"/>
+      </a:schemeClr>
+    </dgm:linClrLst>
+    <dgm:effectClrLst/>
+    <dgm:txLinClrLst/>
+    <dgm:txFillClrLst meth="repeat">
+      <a:schemeClr val="dk1"/>
+    </dgm:txFillClrLst>
+    <dgm:txEffectClrLst/>
+  </dgm:styleLbl>
+  <dgm:styleLbl name="alignAccFollowNode1">
+    <dgm:fillClrLst meth="repeat">
+      <a:schemeClr val="accent2">
+        <a:tint val="40000"/>
+        <a:alpha val="90000"/>
+      </a:schemeClr>
+      <a:schemeClr val="accent3">
+        <a:tint val="40000"/>
+        <a:alpha val="90000"/>
+      </a:schemeClr>
+      <a:schemeClr val="accent4">
+        <a:tint val="40000"/>
+        <a:alpha val="90000"/>
+      </a:schemeClr>
+      <a:schemeClr val="accent5">
+        <a:tint val="40000"/>
+        <a:alpha val="90000"/>
+      </a:schemeClr>
+      <a:schemeClr val="accent6">
+        <a:tint val="40000"/>
+        <a:alpha val="90000"/>
+      </a:schemeClr>
+    </dgm:fillClrLst>
+    <dgm:linClrLst meth="repeat">
+      <a:schemeClr val="accent2">
+        <a:tint val="40000"/>
+        <a:alpha val="90000"/>
+      </a:schemeClr>
+      <a:schemeClr val="accent3">
+        <a:tint val="40000"/>
+        <a:alpha val="90000"/>
+      </a:schemeClr>
+      <a:schemeClr val="accent4">
+        <a:tint val="40000"/>
+        <a:alpha val="90000"/>
+      </a:schemeClr>
+      <a:schemeClr val="accent5">
+        <a:tint val="40000"/>
+        <a:alpha val="90000"/>
+      </a:schemeClr>
+      <a:schemeClr val="accent6">
+        <a:tint val="40000"/>
+        <a:alpha val="90000"/>
+      </a:schemeClr>
+    </dgm:linClrLst>
+    <dgm:effectClrLst/>
+    <dgm:txLinClrLst/>
+    <dgm:txFillClrLst meth="repeat">
+      <a:schemeClr val="dk1"/>
+    </dgm:txFillClrLst>
+    <dgm:txEffectClrLst/>
+  </dgm:styleLbl>
+  <dgm:styleLbl name="bgAccFollowNode1">
+    <dgm:fillClrLst meth="repeat">
+      <a:schemeClr val="accent2">
+        <a:tint val="40000"/>
+        <a:alpha val="90000"/>
+      </a:schemeClr>
+      <a:schemeClr val="accent3">
+        <a:tint val="40000"/>
+        <a:alpha val="90000"/>
+      </a:schemeClr>
+      <a:schemeClr val="accent4">
+        <a:tint val="40000"/>
+        <a:alpha val="90000"/>
+      </a:schemeClr>
+      <a:schemeClr val="accent5">
+        <a:tint val="40000"/>
+        <a:alpha val="90000"/>
+      </a:schemeClr>
+      <a:schemeClr val="accent6">
+        <a:tint val="40000"/>
+        <a:alpha val="90000"/>
+      </a:schemeClr>
+    </dgm:fillClrLst>
+    <dgm:linClrLst meth="repeat">
+      <a:schemeClr val="accent2">
+        <a:tint val="40000"/>
+        <a:alpha val="90000"/>
+      </a:schemeClr>
+      <a:schemeClr val="accent3">
+        <a:tint val="40000"/>
+        <a:alpha val="90000"/>
+      </a:schemeClr>
+      <a:schemeClr val="accent4">
+        <a:tint val="40000"/>
+        <a:alpha val="90000"/>
+      </a:schemeClr>
+      <a:schemeClr val="accent5">
+        <a:tint val="40000"/>
+        <a:alpha val="90000"/>
+      </a:schemeClr>
+      <a:schemeClr val="accent6">
+        <a:tint val="40000"/>
+        <a:alpha val="90000"/>
+      </a:schemeClr>
+    </dgm:linClrLst>
+    <dgm:effectClrLst/>
+    <dgm:txLinClrLst/>
+    <dgm:txFillClrLst meth="repeat">
+      <a:schemeClr val="dk1"/>
+    </dgm:txFillClrLst>
+    <dgm:txEffectClrLst/>
+  </dgm:styleLbl>
+  <dgm:styleLbl name="fgAcc0">
+    <dgm:fillClrLst meth="repeat">
+      <a:schemeClr val="lt1">
+        <a:alpha val="90000"/>
+      </a:schemeClr>
+    </dgm:fillClrLst>
+    <dgm:linClrLst>
+      <a:schemeClr val="accent1"/>
+    </dgm:linClrLst>
+    <dgm:effectClrLst/>
+    <dgm:txLinClrLst/>
+    <dgm:txFillClrLst meth="repeat">
+      <a:schemeClr val="dk1"/>
+    </dgm:txFillClrLst>
+    <dgm:txEffectClrLst/>
+  </dgm:styleLbl>
+  <dgm:styleLbl name="fgAcc2">
+    <dgm:fillClrLst meth="repeat">
+      <a:schemeClr val="lt1">
+        <a:alpha val="90000"/>
+      </a:schemeClr>
+    </dgm:fillClrLst>
+    <dgm:linClrLst>
+      <a:schemeClr val="accent2"/>
+    </dgm:linClrLst>
+    <dgm:effectClrLst/>
+    <dgm:txLinClrLst/>
+    <dgm:txFillClrLst meth="repeat">
+      <a:schemeClr val="dk1"/>
+    </dgm:txFillClrLst>
+    <dgm:txEffectClrLst/>
+  </dgm:styleLbl>
+  <dgm:styleLbl name="fgAcc3">
+    <dgm:fillClrLst meth="repeat">
+      <a:schemeClr val="lt1">
+        <a:alpha val="90000"/>
+      </a:schemeClr>
+    </dgm:fillClrLst>
+    <dgm:linClrLst>
+      <a:schemeClr val="accent3"/>
+    </dgm:linClrLst>
+    <dgm:effectClrLst/>
+    <dgm:txLinClrLst/>
+    <dgm:txFillClrLst meth="repeat">
+      <a:schemeClr val="dk1"/>
+    </dgm:txFillClrLst>
+    <dgm:txEffectClrLst/>
+  </dgm:styleLbl>
+  <dgm:styleLbl name="fgAcc4">
+    <dgm:fillClrLst meth="repeat">
+      <a:schemeClr val="lt1">
+        <a:alpha val="90000"/>
+      </a:schemeClr>
+    </dgm:fillClrLst>
+    <dgm:linClrLst>
+      <a:schemeClr val="accent4"/>
+    </dgm:linClrLst>
+    <dgm:effectClrLst/>
+    <dgm:txLinClrLst/>
+    <dgm:txFillClrLst meth="repeat">
+      <a:schemeClr val="dk1"/>
+    </dgm:txFillClrLst>
+    <dgm:txEffectClrLst/>
+  </dgm:styleLbl>
+  <dgm:styleLbl name="bgShp">
+    <dgm:fillClrLst meth="repeat">
+      <a:schemeClr val="accent2">
+        <a:tint val="40000"/>
+      </a:schemeClr>
+    </dgm:fillClrLst>
+    <dgm:linClrLst meth="repeat">
+      <a:schemeClr val="dk1"/>
+    </dgm:linClrLst>
+    <dgm:effectClrLst/>
+    <dgm:txLinClrLst/>
+    <dgm:txFillClrLst meth="repeat">
+      <a:schemeClr val="dk1"/>
+    </dgm:txFillClrLst>
+    <dgm:txEffectClrLst/>
+  </dgm:styleLbl>
+  <dgm:styleLbl name="dkBgShp">
+    <dgm:fillClrLst meth="repeat">
+      <a:schemeClr val="accent2">
+        <a:shade val="90000"/>
+      </a:schemeClr>
+    </dgm:fillClrLst>
+    <dgm:linClrLst meth="repeat">
+      <a:schemeClr val="dk1"/>
+    </dgm:linClrLst>
+    <dgm:effectClrLst/>
+    <dgm:txLinClrLst/>
+    <dgm:txFillClrLst meth="repeat">
+      <a:schemeClr val="lt1"/>
+    </dgm:txFillClrLst>
+    <dgm:txEffectClrLst/>
+  </dgm:styleLbl>
+  <dgm:styleLbl name="trBgShp">
+    <dgm:fillClrLst meth="repeat">
+      <a:schemeClr val="accent1">
+        <a:tint val="50000"/>
+        <a:alpha val="40000"/>
+      </a:schemeClr>
+    </dgm:fillClrLst>
+    <dgm:linClrLst meth="repeat">
+      <a:schemeClr val="accent2"/>
+    </dgm:linClrLst>
+    <dgm:effectClrLst/>
+    <dgm:txLinClrLst/>
+    <dgm:txFillClrLst meth="repeat">
+      <a:schemeClr val="lt1"/>
+    </dgm:txFillClrLst>
+    <dgm:txEffectClrLst/>
+  </dgm:styleLbl>
+  <dgm:styleLbl name="fgShp">
+    <dgm:fillClrLst meth="repeat">
+      <a:schemeClr val="accent2">
+        <a:tint val="40000"/>
+      </a:schemeClr>
+    </dgm:fillClrLst>
+    <dgm:linClrLst meth="repeat">
+      <a:schemeClr val="lt1"/>
+    </dgm:linClrLst>
+    <dgm:effectClrLst/>
+    <dgm:txLinClrLst/>
+    <dgm:txFillClrLst meth="repeat">
+      <a:schemeClr val="dk1"/>
+    </dgm:txFillClrLst>
+    <dgm:txEffectClrLst/>
+  </dgm:styleLbl>
+  <dgm:styleLbl name="revTx">
+    <dgm:fillClrLst meth="repeat">
+      <a:schemeClr val="lt1">
+        <a:alpha val="0"/>
+      </a:schemeClr>
+    </dgm:fillClrLst>
+    <dgm:linClrLst meth="repeat">
+      <a:schemeClr val="dk1">
+        <a:alpha val="0"/>
+      </a:schemeClr>
+    </dgm:linClrLst>
+    <dgm:effectClrLst/>
+    <dgm:txLinClrLst/>
+    <dgm:txFillClrLst meth="repeat">
+      <a:schemeClr val="tx1"/>
+    </dgm:txFillClrLst>
+    <dgm:txEffectClrLst/>
+  </dgm:styleLbl>
+</dgm:colorsDef>
+</file>
+
+<file path=ppt/diagrams/colors7.xml><?xml version="1.0" encoding="utf-8"?>
 <dgm:colorsDef xmlns:dgm="http://schemas.openxmlformats.org/drawingml/2006/diagram" xmlns:a="http://schemas.openxmlformats.org/drawingml/2006/main" uniqueId="urn:microsoft.com/office/officeart/2005/8/colors/colorful1">
   <dgm:title val=""/>
   <dgm:desc val=""/>
@@ -6007,6 +6932,13 @@
         </dgm:presLayoutVars>
       </dgm:prSet>
       <dgm:spPr/>
+      <dgm:t>
+        <a:bodyPr/>
+        <a:lstStyle/>
+        <a:p>
+          <a:endParaRPr lang="zh-CN" altLang="en-US"/>
+        </a:p>
+      </dgm:t>
     </dgm:pt>
     <dgm:pt modelId="{E3B8E331-3E07-48B8-96AA-2CDCA2F9D4AE}" type="pres">
       <dgm:prSet presAssocID="{C9C7DDD8-CEFD-4CCF-8119-85CAC35E6BBD}" presName="vertOne" presStyleCnt="0"/>
@@ -6073,6 +7005,13 @@
         </dgm:presLayoutVars>
       </dgm:prSet>
       <dgm:spPr/>
+      <dgm:t>
+        <a:bodyPr/>
+        <a:lstStyle/>
+        <a:p>
+          <a:endParaRPr lang="zh-CN" altLang="en-US"/>
+        </a:p>
+      </dgm:t>
     </dgm:pt>
     <dgm:pt modelId="{80FA223C-B933-4616-B40A-8BC994035F4C}" type="pres">
       <dgm:prSet presAssocID="{3B336204-D8C8-4B4A-ADB3-F911A7B68953}" presName="parTransThree" presStyleCnt="0"/>
@@ -6097,6 +7036,13 @@
         </dgm:presLayoutVars>
       </dgm:prSet>
       <dgm:spPr/>
+      <dgm:t>
+        <a:bodyPr/>
+        <a:lstStyle/>
+        <a:p>
+          <a:endParaRPr lang="zh-CN" altLang="en-US"/>
+        </a:p>
+      </dgm:t>
     </dgm:pt>
     <dgm:pt modelId="{118493B2-8F05-44EB-AA0E-6EE98A612066}" type="pres">
       <dgm:prSet presAssocID="{4ED089D6-1FB6-4399-8E70-191005C753C5}" presName="horzFour" presStyleCnt="0"/>
@@ -6117,6 +7063,13 @@
         </dgm:presLayoutVars>
       </dgm:prSet>
       <dgm:spPr/>
+      <dgm:t>
+        <a:bodyPr/>
+        <a:lstStyle/>
+        <a:p>
+          <a:endParaRPr lang="zh-CN" altLang="en-US"/>
+        </a:p>
+      </dgm:t>
     </dgm:pt>
     <dgm:pt modelId="{48112A8B-A5FB-4B4D-98A0-963C034251D2}" type="pres">
       <dgm:prSet presAssocID="{65D76757-175E-46B9-B3B9-82E8E7C89807}" presName="parTransThree" presStyleCnt="0"/>
@@ -6226,6 +7179,13 @@
         </dgm:presLayoutVars>
       </dgm:prSet>
       <dgm:spPr/>
+      <dgm:t>
+        <a:bodyPr/>
+        <a:lstStyle/>
+        <a:p>
+          <a:endParaRPr lang="zh-CN" altLang="en-US"/>
+        </a:p>
+      </dgm:t>
     </dgm:pt>
     <dgm:pt modelId="{8AE748B3-0C91-428C-90DF-FD5C4CEEE777}" type="pres">
       <dgm:prSet presAssocID="{51FD27C0-8DA5-4522-963F-37A2CF1B381C}" presName="horzFour" presStyleCnt="0"/>
@@ -6233,9 +7193,9 @@
     </dgm:pt>
   </dgm:ptLst>
   <dgm:cxnLst>
-    <dgm:cxn modelId="{F473AE47-0EF6-45F6-8BF8-920D551D03CE}" srcId="{6CAEE863-A19D-4B44-B4F9-32D6E85A15BF}" destId="{65D76757-175E-46B9-B3B9-82E8E7C89807}" srcOrd="1" destOrd="0" parTransId="{10CEB9FF-6026-4C10-B36A-38AB2A120D19}" sibTransId="{BCC3CFFF-60E6-42FA-93CD-596AD7382327}"/>
     <dgm:cxn modelId="{2D0078F7-CCCE-4781-BD5C-6194C4B8E3E5}" srcId="{65D76757-175E-46B9-B3B9-82E8E7C89807}" destId="{340D9057-7F35-425D-9D3D-3A975F90AB41}" srcOrd="0" destOrd="0" parTransId="{430220F2-9AC3-462F-80F4-FC749189249B}" sibTransId="{AF922844-F2FE-48D2-BA7D-F7D9777AA726}"/>
     <dgm:cxn modelId="{2C2B0019-ABD4-42ED-947F-167E7033E664}" srcId="{6CAEE863-A19D-4B44-B4F9-32D6E85A15BF}" destId="{3B336204-D8C8-4B4A-ADB3-F911A7B68953}" srcOrd="0" destOrd="0" parTransId="{39CA6113-34F6-49B7-A7D0-D6A08B2A90BE}" sibTransId="{17C5EFCE-CE89-4F9E-9416-D6A5A01B09AD}"/>
+    <dgm:cxn modelId="{F473AE47-0EF6-45F6-8BF8-920D551D03CE}" srcId="{6CAEE863-A19D-4B44-B4F9-32D6E85A15BF}" destId="{65D76757-175E-46B9-B3B9-82E8E7C89807}" srcOrd="1" destOrd="0" parTransId="{10CEB9FF-6026-4C10-B36A-38AB2A120D19}" sibTransId="{BCC3CFFF-60E6-42FA-93CD-596AD7382327}"/>
     <dgm:cxn modelId="{EFA0133D-9052-4A2B-82FC-CAF5C59F29E3}" type="presOf" srcId="{4ED089D6-1FB6-4399-8E70-191005C753C5}" destId="{1CB6FE65-747C-4B9A-92B3-4C6D24277A39}" srcOrd="0" destOrd="0" presId="urn:microsoft.com/office/officeart/2005/8/layout/hierarchy4"/>
     <dgm:cxn modelId="{C23015A8-E433-40F3-9E61-154945E8F6A1}" srcId="{B8303BA4-C4AB-457A-A288-CD6C476B2526}" destId="{51FD27C0-8DA5-4522-963F-37A2CF1B381C}" srcOrd="0" destOrd="0" parTransId="{AFE0280E-6B6C-4571-B28D-4F3280B547CF}" sibTransId="{7A570BE6-5AA7-4511-9A56-A3F8B7BBA934}"/>
     <dgm:cxn modelId="{804F6FFC-83B6-400E-9005-134CAE85938A}" type="presOf" srcId="{3B336204-D8C8-4B4A-ADB3-F911A7B68953}" destId="{EB5DA0C3-77C4-42DF-8468-F02B853726A0}" srcOrd="0" destOrd="0" presId="urn:microsoft.com/office/officeart/2005/8/layout/hierarchy4"/>
@@ -6625,6 +7585,13 @@
         </dgm:presLayoutVars>
       </dgm:prSet>
       <dgm:spPr/>
+      <dgm:t>
+        <a:bodyPr/>
+        <a:lstStyle/>
+        <a:p>
+          <a:endParaRPr lang="zh-CN" altLang="en-US"/>
+        </a:p>
+      </dgm:t>
     </dgm:pt>
     <dgm:pt modelId="{D451CE72-9DAA-44BA-B633-256FCF07AE8F}" type="pres">
       <dgm:prSet presAssocID="{070DC227-31E7-419E-9F76-82FE0D7891FF}" presName="centerShape" presStyleLbl="node0" presStyleIdx="0" presStyleCnt="1"/>
@@ -6640,10 +7607,24 @@
     <dgm:pt modelId="{9E08B345-870D-41DA-A053-5201E3C04858}" type="pres">
       <dgm:prSet presAssocID="{96C661FF-0396-4D78-B1B6-C736D832AE73}" presName="parTrans" presStyleLbl="sibTrans2D1" presStyleIdx="0" presStyleCnt="7"/>
       <dgm:spPr/>
+      <dgm:t>
+        <a:bodyPr/>
+        <a:lstStyle/>
+        <a:p>
+          <a:endParaRPr lang="zh-CN" altLang="en-US"/>
+        </a:p>
+      </dgm:t>
     </dgm:pt>
     <dgm:pt modelId="{785BD2A8-8197-4B25-AE3B-B9840FF01515}" type="pres">
       <dgm:prSet presAssocID="{96C661FF-0396-4D78-B1B6-C736D832AE73}" presName="connectorText" presStyleLbl="sibTrans2D1" presStyleIdx="0" presStyleCnt="7"/>
       <dgm:spPr/>
+      <dgm:t>
+        <a:bodyPr/>
+        <a:lstStyle/>
+        <a:p>
+          <a:endParaRPr lang="zh-CN" altLang="en-US"/>
+        </a:p>
+      </dgm:t>
     </dgm:pt>
     <dgm:pt modelId="{709ED528-3867-4111-8F19-75827230813A}" type="pres">
       <dgm:prSet presAssocID="{CC7B7D67-494C-484B-A683-1B1DD987C8B6}" presName="node" presStyleLbl="node1" presStyleIdx="0" presStyleCnt="7">
@@ -6663,10 +7644,24 @@
     <dgm:pt modelId="{C9F3D20D-F93C-4271-89A6-61E49A8E5BEA}" type="pres">
       <dgm:prSet presAssocID="{21221629-8E08-4DC7-865A-245143BE304C}" presName="parTrans" presStyleLbl="sibTrans2D1" presStyleIdx="1" presStyleCnt="7"/>
       <dgm:spPr/>
+      <dgm:t>
+        <a:bodyPr/>
+        <a:lstStyle/>
+        <a:p>
+          <a:endParaRPr lang="zh-CN" altLang="en-US"/>
+        </a:p>
+      </dgm:t>
     </dgm:pt>
     <dgm:pt modelId="{7600B8BF-A02A-4734-8F72-D0CE372392AA}" type="pres">
       <dgm:prSet presAssocID="{21221629-8E08-4DC7-865A-245143BE304C}" presName="connectorText" presStyleLbl="sibTrans2D1" presStyleIdx="1" presStyleCnt="7"/>
       <dgm:spPr/>
+      <dgm:t>
+        <a:bodyPr/>
+        <a:lstStyle/>
+        <a:p>
+          <a:endParaRPr lang="zh-CN" altLang="en-US"/>
+        </a:p>
+      </dgm:t>
     </dgm:pt>
     <dgm:pt modelId="{1182AA8B-661A-4E79-BE34-698C7A218F9A}" type="pres">
       <dgm:prSet presAssocID="{AA2D6F33-C480-4469-8F91-7948BB6D88C7}" presName="node" presStyleLbl="node1" presStyleIdx="1" presStyleCnt="7">
@@ -6686,10 +7681,24 @@
     <dgm:pt modelId="{22C5C802-C9C4-46E9-88F4-912EE7B2AD29}" type="pres">
       <dgm:prSet presAssocID="{0160895C-8D33-4807-A126-0AD1AC48697F}" presName="parTrans" presStyleLbl="sibTrans2D1" presStyleIdx="2" presStyleCnt="7"/>
       <dgm:spPr/>
+      <dgm:t>
+        <a:bodyPr/>
+        <a:lstStyle/>
+        <a:p>
+          <a:endParaRPr lang="zh-CN" altLang="en-US"/>
+        </a:p>
+      </dgm:t>
     </dgm:pt>
     <dgm:pt modelId="{E38C6AD9-AC43-4F81-9E50-33F478AFD374}" type="pres">
       <dgm:prSet presAssocID="{0160895C-8D33-4807-A126-0AD1AC48697F}" presName="connectorText" presStyleLbl="sibTrans2D1" presStyleIdx="2" presStyleCnt="7"/>
       <dgm:spPr/>
+      <dgm:t>
+        <a:bodyPr/>
+        <a:lstStyle/>
+        <a:p>
+          <a:endParaRPr lang="zh-CN" altLang="en-US"/>
+        </a:p>
+      </dgm:t>
     </dgm:pt>
     <dgm:pt modelId="{C3E21279-7519-4186-BB5D-94DF270EF76F}" type="pres">
       <dgm:prSet presAssocID="{21357A7B-4D6A-479A-B3BB-2614E7E2F6FB}" presName="node" presStyleLbl="node1" presStyleIdx="2" presStyleCnt="7">
@@ -6698,14 +7707,35 @@
         </dgm:presLayoutVars>
       </dgm:prSet>
       <dgm:spPr/>
+      <dgm:t>
+        <a:bodyPr/>
+        <a:lstStyle/>
+        <a:p>
+          <a:endParaRPr lang="zh-CN" altLang="en-US"/>
+        </a:p>
+      </dgm:t>
     </dgm:pt>
     <dgm:pt modelId="{75D3C6F5-2D5F-4164-93A3-BDFB7F1480D7}" type="pres">
       <dgm:prSet presAssocID="{A13A0096-3A51-427E-B51C-78ADBEA4FB59}" presName="parTrans" presStyleLbl="sibTrans2D1" presStyleIdx="3" presStyleCnt="7"/>
       <dgm:spPr/>
+      <dgm:t>
+        <a:bodyPr/>
+        <a:lstStyle/>
+        <a:p>
+          <a:endParaRPr lang="zh-CN" altLang="en-US"/>
+        </a:p>
+      </dgm:t>
     </dgm:pt>
     <dgm:pt modelId="{501D86EB-89E0-451B-A971-996D2304C686}" type="pres">
       <dgm:prSet presAssocID="{A13A0096-3A51-427E-B51C-78ADBEA4FB59}" presName="connectorText" presStyleLbl="sibTrans2D1" presStyleIdx="3" presStyleCnt="7"/>
       <dgm:spPr/>
+      <dgm:t>
+        <a:bodyPr/>
+        <a:lstStyle/>
+        <a:p>
+          <a:endParaRPr lang="zh-CN" altLang="en-US"/>
+        </a:p>
+      </dgm:t>
     </dgm:pt>
     <dgm:pt modelId="{516D25C8-9C5B-4B49-8E4E-D3341FA606D4}" type="pres">
       <dgm:prSet presAssocID="{0C9FCEDE-4F73-4157-889B-1E89FE21FA6F}" presName="node" presStyleLbl="node1" presStyleIdx="3" presStyleCnt="7">
@@ -6725,10 +7755,24 @@
     <dgm:pt modelId="{96905F15-152E-4812-834E-0240FBE00A30}" type="pres">
       <dgm:prSet presAssocID="{279E15E2-6A83-498B-A417-525376053B18}" presName="parTrans" presStyleLbl="sibTrans2D1" presStyleIdx="4" presStyleCnt="7"/>
       <dgm:spPr/>
+      <dgm:t>
+        <a:bodyPr/>
+        <a:lstStyle/>
+        <a:p>
+          <a:endParaRPr lang="zh-CN" altLang="en-US"/>
+        </a:p>
+      </dgm:t>
     </dgm:pt>
     <dgm:pt modelId="{9417742E-0A55-4105-8B54-150C841B3FE9}" type="pres">
       <dgm:prSet presAssocID="{279E15E2-6A83-498B-A417-525376053B18}" presName="connectorText" presStyleLbl="sibTrans2D1" presStyleIdx="4" presStyleCnt="7"/>
       <dgm:spPr/>
+      <dgm:t>
+        <a:bodyPr/>
+        <a:lstStyle/>
+        <a:p>
+          <a:endParaRPr lang="zh-CN" altLang="en-US"/>
+        </a:p>
+      </dgm:t>
     </dgm:pt>
     <dgm:pt modelId="{D845FF54-1E23-4867-A781-57CCD7CD8B09}" type="pres">
       <dgm:prSet presAssocID="{E6FB857E-32AE-4F2E-8574-F6180EF01B88}" presName="node" presStyleLbl="node1" presStyleIdx="4" presStyleCnt="7">
@@ -6748,10 +7792,24 @@
     <dgm:pt modelId="{09899BB3-C0DC-40C6-8061-2E144BC5E849}" type="pres">
       <dgm:prSet presAssocID="{A98EA3A6-4547-48EA-BDCB-426FE113E0C4}" presName="parTrans" presStyleLbl="sibTrans2D1" presStyleIdx="5" presStyleCnt="7"/>
       <dgm:spPr/>
+      <dgm:t>
+        <a:bodyPr/>
+        <a:lstStyle/>
+        <a:p>
+          <a:endParaRPr lang="zh-CN" altLang="en-US"/>
+        </a:p>
+      </dgm:t>
     </dgm:pt>
     <dgm:pt modelId="{9C996CE6-556B-418C-BD5F-F94D0C82081C}" type="pres">
       <dgm:prSet presAssocID="{A98EA3A6-4547-48EA-BDCB-426FE113E0C4}" presName="connectorText" presStyleLbl="sibTrans2D1" presStyleIdx="5" presStyleCnt="7"/>
       <dgm:spPr/>
+      <dgm:t>
+        <a:bodyPr/>
+        <a:lstStyle/>
+        <a:p>
+          <a:endParaRPr lang="zh-CN" altLang="en-US"/>
+        </a:p>
+      </dgm:t>
     </dgm:pt>
     <dgm:pt modelId="{9E3DABFC-6486-474B-9509-CE977257784B}" type="pres">
       <dgm:prSet presAssocID="{D6E770AF-91FD-4E7D-A992-3E22D542BFDB}" presName="node" presStyleLbl="node1" presStyleIdx="5" presStyleCnt="7">
@@ -6760,14 +7818,35 @@
         </dgm:presLayoutVars>
       </dgm:prSet>
       <dgm:spPr/>
+      <dgm:t>
+        <a:bodyPr/>
+        <a:lstStyle/>
+        <a:p>
+          <a:endParaRPr lang="zh-CN" altLang="en-US"/>
+        </a:p>
+      </dgm:t>
     </dgm:pt>
     <dgm:pt modelId="{753E9386-4941-453E-A405-F428522A4A6A}" type="pres">
       <dgm:prSet presAssocID="{BD4BF15C-E692-4B9E-A803-177BD8A644A7}" presName="parTrans" presStyleLbl="sibTrans2D1" presStyleIdx="6" presStyleCnt="7"/>
       <dgm:spPr/>
+      <dgm:t>
+        <a:bodyPr/>
+        <a:lstStyle/>
+        <a:p>
+          <a:endParaRPr lang="zh-CN" altLang="en-US"/>
+        </a:p>
+      </dgm:t>
     </dgm:pt>
     <dgm:pt modelId="{0DC026EF-BE12-4533-80E3-A985F8B77D7E}" type="pres">
       <dgm:prSet presAssocID="{BD4BF15C-E692-4B9E-A803-177BD8A644A7}" presName="connectorText" presStyleLbl="sibTrans2D1" presStyleIdx="6" presStyleCnt="7"/>
       <dgm:spPr/>
+      <dgm:t>
+        <a:bodyPr/>
+        <a:lstStyle/>
+        <a:p>
+          <a:endParaRPr lang="zh-CN" altLang="en-US"/>
+        </a:p>
+      </dgm:t>
     </dgm:pt>
     <dgm:pt modelId="{E0892585-3600-4C0A-ABF4-89825B7E2178}" type="pres">
       <dgm:prSet presAssocID="{5319A886-922F-4425-AC05-0F98E52F0691}" presName="node" presStyleLbl="node1" presStyleIdx="6" presStyleCnt="7">
@@ -6776,6 +7855,13 @@
         </dgm:presLayoutVars>
       </dgm:prSet>
       <dgm:spPr/>
+      <dgm:t>
+        <a:bodyPr/>
+        <a:lstStyle/>
+        <a:p>
+          <a:endParaRPr lang="zh-CN" altLang="en-US"/>
+        </a:p>
+      </dgm:t>
     </dgm:pt>
   </dgm:ptLst>
   <dgm:cxnLst>
@@ -6805,8 +7891,8 @@
     <dgm:cxn modelId="{682ED999-35B9-48DA-871A-C69BE6A6ABFB}" type="presOf" srcId="{0160895C-8D33-4807-A126-0AD1AC48697F}" destId="{22C5C802-C9C4-46E9-88F4-912EE7B2AD29}" srcOrd="0" destOrd="0" presId="urn:microsoft.com/office/officeart/2005/8/layout/radial5"/>
     <dgm:cxn modelId="{1B06B717-4D20-467C-81A2-020B22344A7C}" srcId="{CB4BB863-CB60-47CD-9090-7B6E270B5036}" destId="{070DC227-31E7-419E-9F76-82FE0D7891FF}" srcOrd="0" destOrd="0" parTransId="{BB876C97-C545-454A-BF02-13631D7BA888}" sibTransId="{9F434797-BA6D-4D14-AE47-117531EFB98D}"/>
     <dgm:cxn modelId="{BA2C026B-B858-4999-B2A8-179171A86388}" type="presOf" srcId="{21221629-8E08-4DC7-865A-245143BE304C}" destId="{7600B8BF-A02A-4734-8F72-D0CE372392AA}" srcOrd="1" destOrd="0" presId="urn:microsoft.com/office/officeart/2005/8/layout/radial5"/>
+    <dgm:cxn modelId="{FF73DBEA-F5FD-4736-BD30-243DE320EFF8}" type="presOf" srcId="{5319A886-922F-4425-AC05-0F98E52F0691}" destId="{E0892585-3600-4C0A-ABF4-89825B7E2178}" srcOrd="0" destOrd="0" presId="urn:microsoft.com/office/officeart/2005/8/layout/radial5"/>
     <dgm:cxn modelId="{F8FBA1FD-F92C-4242-A55B-3285E6A5AAF0}" type="presOf" srcId="{E6FB857E-32AE-4F2E-8574-F6180EF01B88}" destId="{D845FF54-1E23-4867-A781-57CCD7CD8B09}" srcOrd="0" destOrd="0" presId="urn:microsoft.com/office/officeart/2005/8/layout/radial5"/>
-    <dgm:cxn modelId="{FF73DBEA-F5FD-4736-BD30-243DE320EFF8}" type="presOf" srcId="{5319A886-922F-4425-AC05-0F98E52F0691}" destId="{E0892585-3600-4C0A-ABF4-89825B7E2178}" srcOrd="0" destOrd="0" presId="urn:microsoft.com/office/officeart/2005/8/layout/radial5"/>
     <dgm:cxn modelId="{283163B9-6002-485B-BC19-DA20A70010DA}" type="presOf" srcId="{21357A7B-4D6A-479A-B3BB-2614E7E2F6FB}" destId="{C3E21279-7519-4186-BB5D-94DF270EF76F}" srcOrd="0" destOrd="0" presId="urn:microsoft.com/office/officeart/2005/8/layout/radial5"/>
     <dgm:cxn modelId="{67D904D3-CDDF-4063-8A94-A6ED83A98566}" type="presOf" srcId="{279E15E2-6A83-498B-A417-525376053B18}" destId="{96905F15-152E-4812-834E-0240FBE00A30}" srcOrd="0" destOrd="0" presId="urn:microsoft.com/office/officeart/2005/8/layout/radial5"/>
     <dgm:cxn modelId="{C10980B4-2106-46ED-A339-304AEA65728F}" type="presOf" srcId="{D6E770AF-91FD-4E7D-A992-3E22D542BFDB}" destId="{9E3DABFC-6486-474B-9509-CE977257784B}" srcOrd="0" destOrd="0" presId="urn:microsoft.com/office/officeart/2005/8/layout/radial5"/>
@@ -7089,14 +8175,35 @@
         </dgm:presLayoutVars>
       </dgm:prSet>
       <dgm:spPr/>
+      <dgm:t>
+        <a:bodyPr/>
+        <a:lstStyle/>
+        <a:p>
+          <a:endParaRPr lang="zh-CN" altLang="en-US"/>
+        </a:p>
+      </dgm:t>
     </dgm:pt>
     <dgm:pt modelId="{EE7A7C48-864A-4F76-A7EE-233E46C29E0F}" type="pres">
       <dgm:prSet presAssocID="{F84B90C2-4417-477A-AF6D-D79386673B7D}" presName="centerShape" presStyleLbl="node0" presStyleIdx="0" presStyleCnt="1"/>
       <dgm:spPr/>
+      <dgm:t>
+        <a:bodyPr/>
+        <a:lstStyle/>
+        <a:p>
+          <a:endParaRPr lang="zh-CN" altLang="en-US"/>
+        </a:p>
+      </dgm:t>
     </dgm:pt>
     <dgm:pt modelId="{26547E06-1433-4ACF-92D4-F22053A8B4C9}" type="pres">
       <dgm:prSet presAssocID="{1BDDA79C-C1D7-403C-A279-D41BB7EA1B36}" presName="parTrans" presStyleLbl="bgSibTrans2D1" presStyleIdx="0" presStyleCnt="5"/>
       <dgm:spPr/>
+      <dgm:t>
+        <a:bodyPr/>
+        <a:lstStyle/>
+        <a:p>
+          <a:endParaRPr lang="zh-CN" altLang="en-US"/>
+        </a:p>
+      </dgm:t>
     </dgm:pt>
     <dgm:pt modelId="{91718421-206D-4044-BEF6-6BA622DE0409}" type="pres">
       <dgm:prSet presAssocID="{91F9D3D5-4040-4480-85AB-11B161A84B31}" presName="node" presStyleLbl="node1" presStyleIdx="0" presStyleCnt="5">
@@ -7105,10 +8212,24 @@
         </dgm:presLayoutVars>
       </dgm:prSet>
       <dgm:spPr/>
+      <dgm:t>
+        <a:bodyPr/>
+        <a:lstStyle/>
+        <a:p>
+          <a:endParaRPr lang="zh-CN" altLang="en-US"/>
+        </a:p>
+      </dgm:t>
     </dgm:pt>
     <dgm:pt modelId="{2578D5D1-25B0-4786-BE84-1A211C532797}" type="pres">
       <dgm:prSet presAssocID="{4F1E3649-48DD-4B5D-9643-16BE7AA5EC87}" presName="parTrans" presStyleLbl="bgSibTrans2D1" presStyleIdx="1" presStyleCnt="5"/>
       <dgm:spPr/>
+      <dgm:t>
+        <a:bodyPr/>
+        <a:lstStyle/>
+        <a:p>
+          <a:endParaRPr lang="zh-CN" altLang="en-US"/>
+        </a:p>
+      </dgm:t>
     </dgm:pt>
     <dgm:pt modelId="{C63E1164-22A7-4B93-A946-3D503F27B23D}" type="pres">
       <dgm:prSet presAssocID="{8D75B0BE-F905-49E9-9C2F-0A03D4A05D33}" presName="node" presStyleLbl="node1" presStyleIdx="1" presStyleCnt="5">
@@ -7117,10 +8238,24 @@
         </dgm:presLayoutVars>
       </dgm:prSet>
       <dgm:spPr/>
+      <dgm:t>
+        <a:bodyPr/>
+        <a:lstStyle/>
+        <a:p>
+          <a:endParaRPr lang="zh-CN" altLang="en-US"/>
+        </a:p>
+      </dgm:t>
     </dgm:pt>
     <dgm:pt modelId="{A98FC698-7FAE-440A-BD5B-F940AFC82488}" type="pres">
       <dgm:prSet presAssocID="{C877D8A3-C1D1-41E6-BF63-2BC2530565DE}" presName="parTrans" presStyleLbl="bgSibTrans2D1" presStyleIdx="2" presStyleCnt="5"/>
       <dgm:spPr/>
+      <dgm:t>
+        <a:bodyPr/>
+        <a:lstStyle/>
+        <a:p>
+          <a:endParaRPr lang="zh-CN" altLang="en-US"/>
+        </a:p>
+      </dgm:t>
     </dgm:pt>
     <dgm:pt modelId="{35E3CEE8-2303-4A23-9F7D-5BE9EAD1A704}" type="pres">
       <dgm:prSet presAssocID="{D183B315-9A5A-4ED0-B808-6BAE34F93ADB}" presName="node" presStyleLbl="node1" presStyleIdx="2" presStyleCnt="5">
@@ -7129,10 +8264,24 @@
         </dgm:presLayoutVars>
       </dgm:prSet>
       <dgm:spPr/>
+      <dgm:t>
+        <a:bodyPr/>
+        <a:lstStyle/>
+        <a:p>
+          <a:endParaRPr lang="zh-CN" altLang="en-US"/>
+        </a:p>
+      </dgm:t>
     </dgm:pt>
     <dgm:pt modelId="{2EA45FEE-135D-465F-A52B-2EB77749529B}" type="pres">
       <dgm:prSet presAssocID="{355DBB9B-BF46-4678-99C8-B38092EEA327}" presName="parTrans" presStyleLbl="bgSibTrans2D1" presStyleIdx="3" presStyleCnt="5"/>
       <dgm:spPr/>
+      <dgm:t>
+        <a:bodyPr/>
+        <a:lstStyle/>
+        <a:p>
+          <a:endParaRPr lang="zh-CN" altLang="en-US"/>
+        </a:p>
+      </dgm:t>
     </dgm:pt>
     <dgm:pt modelId="{B1D98024-5214-4D13-8988-A1B0DB9FC5D5}" type="pres">
       <dgm:prSet presAssocID="{6B18FD8B-00F9-4C1D-BFE7-8961110B6A7D}" presName="node" presStyleLbl="node1" presStyleIdx="3" presStyleCnt="5">
@@ -7141,10 +8290,24 @@
         </dgm:presLayoutVars>
       </dgm:prSet>
       <dgm:spPr/>
+      <dgm:t>
+        <a:bodyPr/>
+        <a:lstStyle/>
+        <a:p>
+          <a:endParaRPr lang="zh-CN" altLang="en-US"/>
+        </a:p>
+      </dgm:t>
     </dgm:pt>
     <dgm:pt modelId="{DD6A3537-A76A-45D1-90B8-8905B3F05507}" type="pres">
       <dgm:prSet presAssocID="{015FE6D6-5AB7-4301-9D24-25480996B833}" presName="parTrans" presStyleLbl="bgSibTrans2D1" presStyleIdx="4" presStyleCnt="5"/>
       <dgm:spPr/>
+      <dgm:t>
+        <a:bodyPr/>
+        <a:lstStyle/>
+        <a:p>
+          <a:endParaRPr lang="zh-CN" altLang="en-US"/>
+        </a:p>
+      </dgm:t>
     </dgm:pt>
     <dgm:pt modelId="{92C635BC-1E9A-4F08-88F2-E61C4320E021}" type="pres">
       <dgm:prSet presAssocID="{A2E01FB3-DA51-4417-9692-1BCCA03CE90E}" presName="node" presStyleLbl="node1" presStyleIdx="4" presStyleCnt="5">
@@ -7447,6 +8610,13 @@
         </dgm:presLayoutVars>
       </dgm:prSet>
       <dgm:spPr/>
+      <dgm:t>
+        <a:bodyPr/>
+        <a:lstStyle/>
+        <a:p>
+          <a:endParaRPr lang="zh-CN" altLang="en-US"/>
+        </a:p>
+      </dgm:t>
     </dgm:pt>
     <dgm:pt modelId="{3BFF8374-0D0D-4230-8F54-6A87000D2955}" type="pres">
       <dgm:prSet presAssocID="{EA30EF4F-30ED-4385-8793-6EC75F8A5F35}" presName="cycle" presStyleCnt="0"/>
@@ -7459,10 +8629,24 @@
         </dgm:presLayoutVars>
       </dgm:prSet>
       <dgm:spPr/>
+      <dgm:t>
+        <a:bodyPr/>
+        <a:lstStyle/>
+        <a:p>
+          <a:endParaRPr lang="zh-CN" altLang="en-US"/>
+        </a:p>
+      </dgm:t>
     </dgm:pt>
     <dgm:pt modelId="{885F510C-DDC7-4CCF-8AFF-9397E8A2DEB2}" type="pres">
       <dgm:prSet presAssocID="{1CA21190-D548-44FB-881B-894792EE64CE}" presName="sibTransFirstNode" presStyleLbl="bgShp" presStyleIdx="0" presStyleCnt="1"/>
       <dgm:spPr/>
+      <dgm:t>
+        <a:bodyPr/>
+        <a:lstStyle/>
+        <a:p>
+          <a:endParaRPr lang="zh-CN" altLang="en-US"/>
+        </a:p>
+      </dgm:t>
     </dgm:pt>
     <dgm:pt modelId="{1FF04963-E509-4AF5-91C1-0BB6342BBDD2}" type="pres">
       <dgm:prSet presAssocID="{C8E55ED1-74D3-47DD-ACFE-55E13A797A73}" presName="nodeFollowingNodes" presStyleLbl="node1" presStyleIdx="1" presStyleCnt="6" custRadScaleRad="95753" custRadScaleInc="17884">
@@ -7471,6 +8655,13 @@
         </dgm:presLayoutVars>
       </dgm:prSet>
       <dgm:spPr/>
+      <dgm:t>
+        <a:bodyPr/>
+        <a:lstStyle/>
+        <a:p>
+          <a:endParaRPr lang="zh-CN" altLang="en-US"/>
+        </a:p>
+      </dgm:t>
     </dgm:pt>
     <dgm:pt modelId="{0DFFE03C-5444-4739-A693-00780A561B96}" type="pres">
       <dgm:prSet presAssocID="{4F1F2EE1-0685-439A-8037-D04CC136AD92}" presName="nodeFollowingNodes" presStyleLbl="node1" presStyleIdx="2" presStyleCnt="6">
@@ -7479,6 +8670,13 @@
         </dgm:presLayoutVars>
       </dgm:prSet>
       <dgm:spPr/>
+      <dgm:t>
+        <a:bodyPr/>
+        <a:lstStyle/>
+        <a:p>
+          <a:endParaRPr lang="zh-CN" altLang="en-US"/>
+        </a:p>
+      </dgm:t>
     </dgm:pt>
     <dgm:pt modelId="{DE950453-EFA5-4071-B5B2-0E5193F7AD29}" type="pres">
       <dgm:prSet presAssocID="{1A2A5EA6-CC45-45E1-A252-11CBA4009D76}" presName="nodeFollowingNodes" presStyleLbl="node1" presStyleIdx="3" presStyleCnt="6">
@@ -7487,6 +8685,13 @@
         </dgm:presLayoutVars>
       </dgm:prSet>
       <dgm:spPr/>
+      <dgm:t>
+        <a:bodyPr/>
+        <a:lstStyle/>
+        <a:p>
+          <a:endParaRPr lang="zh-CN" altLang="en-US"/>
+        </a:p>
+      </dgm:t>
     </dgm:pt>
     <dgm:pt modelId="{A336FCA5-FC35-4994-8D7B-8C961CB29E68}" type="pres">
       <dgm:prSet presAssocID="{77D1886F-6140-4179-8304-FC376935E2D7}" presName="nodeFollowingNodes" presStyleLbl="node1" presStyleIdx="4" presStyleCnt="6">
@@ -7495,6 +8700,13 @@
         </dgm:presLayoutVars>
       </dgm:prSet>
       <dgm:spPr/>
+      <dgm:t>
+        <a:bodyPr/>
+        <a:lstStyle/>
+        <a:p>
+          <a:endParaRPr lang="zh-CN" altLang="en-US"/>
+        </a:p>
+      </dgm:t>
     </dgm:pt>
     <dgm:pt modelId="{881D97D2-CD5F-4A10-83D2-4B7E4E8C2927}" type="pres">
       <dgm:prSet presAssocID="{445988F3-7393-4FA8-9B7E-A337EE1A2214}" presName="nodeFollowingNodes" presStyleLbl="node1" presStyleIdx="5" presStyleCnt="6" custRadScaleRad="97113" custRadScaleInc="-18476">
@@ -7503,6 +8715,13 @@
         </dgm:presLayoutVars>
       </dgm:prSet>
       <dgm:spPr/>
+      <dgm:t>
+        <a:bodyPr/>
+        <a:lstStyle/>
+        <a:p>
+          <a:endParaRPr lang="zh-CN" altLang="en-US"/>
+        </a:p>
+      </dgm:t>
     </dgm:pt>
   </dgm:ptLst>
   <dgm:cxnLst>
@@ -7510,8 +8729,8 @@
     <dgm:cxn modelId="{482A42CD-E629-4DA1-8613-CDF9889F707A}" type="presOf" srcId="{D773C3ED-6CB5-41FA-AEE3-BAE6A92C3F98}" destId="{CA5056A2-EEDF-4450-862B-F0C3799D3788}" srcOrd="0" destOrd="0" presId="urn:microsoft.com/office/officeart/2005/8/layout/cycle3"/>
     <dgm:cxn modelId="{21488902-9BD9-4552-AFEF-B24CF0BBC3E8}" type="presOf" srcId="{445988F3-7393-4FA8-9B7E-A337EE1A2214}" destId="{881D97D2-CD5F-4A10-83D2-4B7E4E8C2927}" srcOrd="0" destOrd="0" presId="urn:microsoft.com/office/officeart/2005/8/layout/cycle3"/>
     <dgm:cxn modelId="{35DD4EE3-65D8-4958-90DB-347F688A87AC}" type="presOf" srcId="{77D1886F-6140-4179-8304-FC376935E2D7}" destId="{A336FCA5-FC35-4994-8D7B-8C961CB29E68}" srcOrd="0" destOrd="0" presId="urn:microsoft.com/office/officeart/2005/8/layout/cycle3"/>
+    <dgm:cxn modelId="{049C2DCA-C4B5-4B8B-900A-43D34DDFFA5E}" srcId="{EA30EF4F-30ED-4385-8793-6EC75F8A5F35}" destId="{C8E55ED1-74D3-47DD-ACFE-55E13A797A73}" srcOrd="1" destOrd="0" parTransId="{A046E440-D4C0-49D5-A69F-C1CAC434ED3E}" sibTransId="{DC0C5507-DD0C-4C32-94E5-5D96F2CD9F71}"/>
     <dgm:cxn modelId="{87C171F9-C718-4510-AA05-35E6642BF21B}" type="presOf" srcId="{4F1F2EE1-0685-439A-8037-D04CC136AD92}" destId="{0DFFE03C-5444-4739-A693-00780A561B96}" srcOrd="0" destOrd="0" presId="urn:microsoft.com/office/officeart/2005/8/layout/cycle3"/>
-    <dgm:cxn modelId="{049C2DCA-C4B5-4B8B-900A-43D34DDFFA5E}" srcId="{EA30EF4F-30ED-4385-8793-6EC75F8A5F35}" destId="{C8E55ED1-74D3-47DD-ACFE-55E13A797A73}" srcOrd="1" destOrd="0" parTransId="{A046E440-D4C0-49D5-A69F-C1CAC434ED3E}" sibTransId="{DC0C5507-DD0C-4C32-94E5-5D96F2CD9F71}"/>
     <dgm:cxn modelId="{F09B263F-77D9-4786-AA50-8BAEDF2DB016}" srcId="{EA30EF4F-30ED-4385-8793-6EC75F8A5F35}" destId="{4F1F2EE1-0685-439A-8037-D04CC136AD92}" srcOrd="2" destOrd="0" parTransId="{4FA328FE-F5AA-46DF-A65E-136E7000F4BD}" sibTransId="{8AB728F8-CC6A-4980-A83B-3F3E3593CDF4}"/>
     <dgm:cxn modelId="{42C11781-F010-4394-AE42-3C2B5E5BF18A}" type="presOf" srcId="{1CA21190-D548-44FB-881B-894792EE64CE}" destId="{885F510C-DDC7-4CCF-8AFF-9397E8A2DEB2}" srcOrd="0" destOrd="0" presId="urn:microsoft.com/office/officeart/2005/8/layout/cycle3"/>
     <dgm:cxn modelId="{7B02F31B-D3F9-4BD3-82A2-7FE00BE14644}" srcId="{EA30EF4F-30ED-4385-8793-6EC75F8A5F35}" destId="{445988F3-7393-4FA8-9B7E-A337EE1A2214}" srcOrd="5" destOrd="0" parTransId="{0487FA05-BFDC-40BD-A76E-BD4BD39C799B}" sibTransId="{B64CC4E2-1EBB-47BF-B91E-E17F74AE511E}"/>
@@ -7684,14 +8903,35 @@
         </dgm:presLayoutVars>
       </dgm:prSet>
       <dgm:spPr/>
+      <dgm:t>
+        <a:bodyPr/>
+        <a:lstStyle/>
+        <a:p>
+          <a:endParaRPr lang="zh-CN" altLang="en-US"/>
+        </a:p>
+      </dgm:t>
     </dgm:pt>
     <dgm:pt modelId="{67680A7A-C3F5-4600-98AC-F9C0315F1D75}" type="pres">
       <dgm:prSet presAssocID="{D8F3F611-9507-40D1-9672-943E220C7878}" presName="sibTrans" presStyleLbl="sibTrans2D1" presStyleIdx="0" presStyleCnt="2"/>
       <dgm:spPr/>
+      <dgm:t>
+        <a:bodyPr/>
+        <a:lstStyle/>
+        <a:p>
+          <a:endParaRPr lang="zh-CN" altLang="en-US"/>
+        </a:p>
+      </dgm:t>
     </dgm:pt>
     <dgm:pt modelId="{334771A8-B406-49E0-881C-42F495AF45B7}" type="pres">
       <dgm:prSet presAssocID="{D8F3F611-9507-40D1-9672-943E220C7878}" presName="connectorText" presStyleLbl="sibTrans2D1" presStyleIdx="0" presStyleCnt="2"/>
       <dgm:spPr/>
+      <dgm:t>
+        <a:bodyPr/>
+        <a:lstStyle/>
+        <a:p>
+          <a:endParaRPr lang="zh-CN" altLang="en-US"/>
+        </a:p>
+      </dgm:t>
     </dgm:pt>
     <dgm:pt modelId="{6D4955AC-641E-40E7-9BF6-AC07AB406F63}" type="pres">
       <dgm:prSet presAssocID="{2CC667C2-B61B-4B72-AC06-5F3ABA09F44E}" presName="node" presStyleLbl="node1" presStyleIdx="1" presStyleCnt="3">
@@ -7700,14 +8940,35 @@
         </dgm:presLayoutVars>
       </dgm:prSet>
       <dgm:spPr/>
+      <dgm:t>
+        <a:bodyPr/>
+        <a:lstStyle/>
+        <a:p>
+          <a:endParaRPr lang="zh-CN" altLang="en-US"/>
+        </a:p>
+      </dgm:t>
     </dgm:pt>
     <dgm:pt modelId="{35B46BE1-2E0B-49CB-92CA-2CCA28D048DB}" type="pres">
       <dgm:prSet presAssocID="{A506AA8C-95E7-48E6-AB93-A648E8A75F6E}" presName="sibTrans" presStyleLbl="sibTrans2D1" presStyleIdx="1" presStyleCnt="2"/>
       <dgm:spPr/>
+      <dgm:t>
+        <a:bodyPr/>
+        <a:lstStyle/>
+        <a:p>
+          <a:endParaRPr lang="zh-CN" altLang="en-US"/>
+        </a:p>
+      </dgm:t>
     </dgm:pt>
     <dgm:pt modelId="{EC9FCF8D-7423-4DE9-A086-6AEAACEC28B0}" type="pres">
       <dgm:prSet presAssocID="{A506AA8C-95E7-48E6-AB93-A648E8A75F6E}" presName="connectorText" presStyleLbl="sibTrans2D1" presStyleIdx="1" presStyleCnt="2"/>
       <dgm:spPr/>
+      <dgm:t>
+        <a:bodyPr/>
+        <a:lstStyle/>
+        <a:p>
+          <a:endParaRPr lang="zh-CN" altLang="en-US"/>
+        </a:p>
+      </dgm:t>
     </dgm:pt>
     <dgm:pt modelId="{2D176FF6-105A-496E-8C65-0E474C0A149C}" type="pres">
       <dgm:prSet presAssocID="{0385D921-2822-421A-84C5-1F081309157C}" presName="node" presStyleLbl="node1" presStyleIdx="2" presStyleCnt="3">
@@ -7847,7 +9108,7 @@
         <a:lstStyle/>
         <a:p>
           <a:r>
-            <a:rPr lang="zh-CN" altLang="en-US" smtClean="0"/>
+            <a:rPr lang="zh-CN" altLang="en-US" dirty="0" smtClean="0"/>
             <a:t>阿里云短信推送</a:t>
           </a:r>
           <a:endParaRPr lang="zh-CN" altLang="en-US" dirty="0"/>
@@ -8012,6 +9273,13 @@
         </dgm:presLayoutVars>
       </dgm:prSet>
       <dgm:spPr/>
+      <dgm:t>
+        <a:bodyPr/>
+        <a:lstStyle/>
+        <a:p>
+          <a:endParaRPr lang="zh-CN" altLang="en-US"/>
+        </a:p>
+      </dgm:t>
     </dgm:pt>
     <dgm:pt modelId="{0F2C4D72-DD37-40A6-BD73-0CF91B9FF6DD}" type="pres">
       <dgm:prSet presAssocID="{62BD3AA8-CC5F-470E-B3C1-665954EF5D79}" presName="composite" presStyleCnt="0"/>
@@ -8025,6 +9293,13 @@
         </dgm:presLayoutVars>
       </dgm:prSet>
       <dgm:spPr/>
+      <dgm:t>
+        <a:bodyPr/>
+        <a:lstStyle/>
+        <a:p>
+          <a:endParaRPr lang="zh-CN" altLang="en-US"/>
+        </a:p>
+      </dgm:t>
     </dgm:pt>
     <dgm:pt modelId="{485FBFA4-87AA-4E33-B9CB-017461E78958}" type="pres">
       <dgm:prSet presAssocID="{62BD3AA8-CC5F-470E-B3C1-665954EF5D79}" presName="descendantText" presStyleLbl="alignAcc1" presStyleIdx="0" presStyleCnt="2">
@@ -8085,8 +9360,8 @@
     <dgm:cxn modelId="{2E22C3EE-B113-48E5-AC60-2777862959E2}" srcId="{17D10105-EF04-4880-A482-3EBEC64F48B9}" destId="{C0A27289-41E6-42AB-8918-4C311223D49E}" srcOrd="0" destOrd="0" parTransId="{90CE1A67-A389-48D1-BFE6-B0892CE6DBB9}" sibTransId="{A3C29BE2-1133-4355-B2D4-02DA6799D67B}"/>
     <dgm:cxn modelId="{C40926EC-9897-4D91-89A6-8076C025D175}" type="presOf" srcId="{2456C896-5769-4D58-BD13-CB488C4427C3}" destId="{485FBFA4-87AA-4E33-B9CB-017461E78958}" srcOrd="0" destOrd="1" presId="urn:microsoft.com/office/officeart/2005/8/layout/chevron2"/>
     <dgm:cxn modelId="{9A16C800-A5C2-4E1B-9562-068351C4F2B7}" type="presOf" srcId="{E0792EC7-FECA-4F14-92CF-9B41FB414D13}" destId="{6D2D9820-9B47-4306-A6F6-5A9086A7B31A}" srcOrd="0" destOrd="1" presId="urn:microsoft.com/office/officeart/2005/8/layout/chevron2"/>
+    <dgm:cxn modelId="{7207FE17-AE24-40EB-B822-B18DF0093E76}" type="presOf" srcId="{17D10105-EF04-4880-A482-3EBEC64F48B9}" destId="{E24BF37A-2B02-485D-BEE2-C116F387EA70}" srcOrd="0" destOrd="0" presId="urn:microsoft.com/office/officeart/2005/8/layout/chevron2"/>
     <dgm:cxn modelId="{C4DDBCFA-3840-4947-B416-8D6579F0CDCE}" srcId="{62BD3AA8-CC5F-470E-B3C1-665954EF5D79}" destId="{2456C896-5769-4D58-BD13-CB488C4427C3}" srcOrd="1" destOrd="0" parTransId="{E53A82FD-F4D2-47F0-860F-91A907DF6B9F}" sibTransId="{49987F71-A392-42A6-B42D-EC9E5F22E543}"/>
-    <dgm:cxn modelId="{7207FE17-AE24-40EB-B822-B18DF0093E76}" type="presOf" srcId="{17D10105-EF04-4880-A482-3EBEC64F48B9}" destId="{E24BF37A-2B02-485D-BEE2-C116F387EA70}" srcOrd="0" destOrd="0" presId="urn:microsoft.com/office/officeart/2005/8/layout/chevron2"/>
     <dgm:cxn modelId="{234E39DE-CBD0-4A98-8D92-3E4EC95FAFD0}" type="presOf" srcId="{C0A27289-41E6-42AB-8918-4C311223D49E}" destId="{6D2D9820-9B47-4306-A6F6-5A9086A7B31A}" srcOrd="0" destOrd="0" presId="urn:microsoft.com/office/officeart/2005/8/layout/chevron2"/>
     <dgm:cxn modelId="{E683A61A-0DAA-4F5C-82C3-73C232AAA628}" srcId="{D32B4F71-D753-4A2B-967A-B8EB8DD5A40C}" destId="{62BD3AA8-CC5F-470E-B3C1-665954EF5D79}" srcOrd="0" destOrd="0" parTransId="{533A6794-A605-4B11-979C-323CCC52B1A8}" sibTransId="{8450EB0F-FAD9-449F-A2D7-960403A1FE6F}"/>
     <dgm:cxn modelId="{70CDF1E8-6FA7-4FBD-8FBB-823E089241D2}" srcId="{17D10105-EF04-4880-A482-3EBEC64F48B9}" destId="{E0792EC7-FECA-4F14-92CF-9B41FB414D13}" srcOrd="1" destOrd="0" parTransId="{0EE63097-3C61-4A36-97B8-9A229F788D88}" sibTransId="{696B766A-3ECE-4558-A374-841B08D4C3E3}"/>
@@ -8102,6 +9377,451 @@
     <dgm:cxn modelId="{327D3FAC-3201-4B27-9955-290C9F671D21}" type="presParOf" srcId="{0A4FC6CC-064D-4419-B015-CE0752F8303C}" destId="{54B32A88-9F69-43F7-9A0C-6B0A4B5130CE}" srcOrd="2" destOrd="0" presId="urn:microsoft.com/office/officeart/2005/8/layout/chevron2"/>
     <dgm:cxn modelId="{F8F3F865-225A-4504-97E3-4D8FCC8A3C4B}" type="presParOf" srcId="{54B32A88-9F69-43F7-9A0C-6B0A4B5130CE}" destId="{E24BF37A-2B02-485D-BEE2-C116F387EA70}" srcOrd="0" destOrd="0" presId="urn:microsoft.com/office/officeart/2005/8/layout/chevron2"/>
     <dgm:cxn modelId="{917E6DE0-CE52-41DE-BB3E-754C5CE47FC4}" type="presParOf" srcId="{54B32A88-9F69-43F7-9A0C-6B0A4B5130CE}" destId="{6D2D9820-9B47-4306-A6F6-5A9086A7B31A}" srcOrd="1" destOrd="0" presId="urn:microsoft.com/office/officeart/2005/8/layout/chevron2"/>
+  </dgm:cxnLst>
+  <dgm:bg/>
+  <dgm:whole/>
+  <dgm:extLst>
+    <a:ext uri="http://schemas.microsoft.com/office/drawing/2008/diagram">
+      <dsp:dataModelExt xmlns:dsp="http://schemas.microsoft.com/office/drawing/2008/diagram" relId="rId6" minVer="http://schemas.openxmlformats.org/drawingml/2006/diagram"/>
+    </a:ext>
+  </dgm:extLst>
+</dgm:dataModel>
+</file>
+
+<file path=ppt/diagrams/data7.xml><?xml version="1.0" encoding="utf-8"?>
+<dgm:dataModel xmlns:dgm="http://schemas.openxmlformats.org/drawingml/2006/diagram" xmlns:a="http://schemas.openxmlformats.org/drawingml/2006/main">
+  <dgm:ptLst>
+    <dgm:pt modelId="{41DD2A39-D8EA-4765-A3C0-6EA2ED4F0115}" type="doc">
+      <dgm:prSet loTypeId="urn:microsoft.com/office/officeart/2008/layout/AlternatingHexagons" loCatId="list" qsTypeId="urn:microsoft.com/office/officeart/2005/8/quickstyle/simple1" qsCatId="simple" csTypeId="urn:microsoft.com/office/officeart/2005/8/colors/colorful1" csCatId="colorful" phldr="1"/>
+      <dgm:spPr/>
+      <dgm:t>
+        <a:bodyPr/>
+        <a:lstStyle/>
+        <a:p>
+          <a:endParaRPr lang="zh-CN" altLang="en-US"/>
+        </a:p>
+      </dgm:t>
+    </dgm:pt>
+    <dgm:pt modelId="{0097D238-89E7-4AC0-930E-23E26619A123}">
+      <dgm:prSet phldrT="[文本]"/>
+      <dgm:spPr/>
+      <dgm:t>
+        <a:bodyPr/>
+        <a:lstStyle/>
+        <a:p>
+          <a:r>
+            <a:rPr lang="zh-CN" altLang="en-US" dirty="0" smtClean="0"/>
+            <a:t>权限</a:t>
+          </a:r>
+          <a:endParaRPr lang="zh-CN" altLang="en-US" dirty="0"/>
+        </a:p>
+      </dgm:t>
+    </dgm:pt>
+    <dgm:pt modelId="{9A3BC113-8F18-47F4-B080-3A97C8189FD2}" type="parTrans" cxnId="{C0F9ABC2-7148-4278-9A12-9122FE288856}">
+      <dgm:prSet/>
+      <dgm:spPr/>
+      <dgm:t>
+        <a:bodyPr/>
+        <a:lstStyle/>
+        <a:p>
+          <a:endParaRPr lang="zh-CN" altLang="en-US"/>
+        </a:p>
+      </dgm:t>
+    </dgm:pt>
+    <dgm:pt modelId="{4196DFF3-C9A3-4FE4-91CD-D3ADB5CA348D}" type="sibTrans" cxnId="{C0F9ABC2-7148-4278-9A12-9122FE288856}">
+      <dgm:prSet/>
+      <dgm:spPr/>
+      <dgm:t>
+        <a:bodyPr/>
+        <a:lstStyle/>
+        <a:p>
+          <a:r>
+            <a:rPr lang="zh-CN" altLang="en-US" dirty="0" smtClean="0"/>
+            <a:t>数据库</a:t>
+          </a:r>
+          <a:endParaRPr lang="zh-CN" altLang="en-US" dirty="0"/>
+        </a:p>
+      </dgm:t>
+    </dgm:pt>
+    <dgm:pt modelId="{450E9264-9D97-4E40-9B1B-D13989E08B19}">
+      <dgm:prSet phldrT="[文本]"/>
+      <dgm:spPr/>
+      <dgm:t>
+        <a:bodyPr/>
+        <a:lstStyle/>
+        <a:p>
+          <a:r>
+            <a:rPr lang="zh-CN" altLang="en-US" dirty="0" smtClean="0"/>
+            <a:t>分只读和可写以及都有</a:t>
+          </a:r>
+          <a:endParaRPr lang="en-US" altLang="zh-CN" dirty="0" smtClean="0"/>
+        </a:p>
+      </dgm:t>
+    </dgm:pt>
+    <dgm:pt modelId="{F11D7FD5-FB46-406E-8341-BEBF5905AA00}" type="parTrans" cxnId="{872BFD65-4B29-4A45-8ADB-EA555875D01F}">
+      <dgm:prSet/>
+      <dgm:spPr/>
+      <dgm:t>
+        <a:bodyPr/>
+        <a:lstStyle/>
+        <a:p>
+          <a:endParaRPr lang="zh-CN" altLang="en-US"/>
+        </a:p>
+      </dgm:t>
+    </dgm:pt>
+    <dgm:pt modelId="{7F911940-B625-42B0-BA85-2F9DC4A6DA32}" type="sibTrans" cxnId="{872BFD65-4B29-4A45-8ADB-EA555875D01F}">
+      <dgm:prSet/>
+      <dgm:spPr/>
+      <dgm:t>
+        <a:bodyPr/>
+        <a:lstStyle/>
+        <a:p>
+          <a:endParaRPr lang="zh-CN" altLang="en-US"/>
+        </a:p>
+      </dgm:t>
+    </dgm:pt>
+    <dgm:pt modelId="{6E365CBA-46F6-4694-9234-041BA9C56904}">
+      <dgm:prSet phldrT="[文本]"/>
+      <dgm:spPr/>
+      <dgm:t>
+        <a:bodyPr/>
+        <a:lstStyle/>
+        <a:p>
+          <a:r>
+            <a:rPr lang="zh-CN" altLang="en-US" dirty="0" smtClean="0"/>
+            <a:t>图片</a:t>
+          </a:r>
+          <a:endParaRPr lang="zh-CN" altLang="en-US" dirty="0"/>
+        </a:p>
+      </dgm:t>
+    </dgm:pt>
+    <dgm:pt modelId="{A2BBB5CC-47FC-4108-9F54-A2E1900298C7}" type="parTrans" cxnId="{3566B3ED-9078-483E-80C9-282763AB5AD0}">
+      <dgm:prSet/>
+      <dgm:spPr/>
+      <dgm:t>
+        <a:bodyPr/>
+        <a:lstStyle/>
+        <a:p>
+          <a:endParaRPr lang="zh-CN" altLang="en-US"/>
+        </a:p>
+      </dgm:t>
+    </dgm:pt>
+    <dgm:pt modelId="{90E8B7A5-F1C8-48D6-A3B9-C05B91195879}" type="sibTrans" cxnId="{3566B3ED-9078-483E-80C9-282763AB5AD0}">
+      <dgm:prSet/>
+      <dgm:spPr/>
+      <dgm:t>
+        <a:bodyPr/>
+        <a:lstStyle/>
+        <a:p>
+          <a:r>
+            <a:rPr lang="zh-CN" altLang="en-US" dirty="0" smtClean="0"/>
+            <a:t>用户</a:t>
+          </a:r>
+          <a:endParaRPr lang="zh-CN" altLang="en-US" dirty="0"/>
+        </a:p>
+      </dgm:t>
+    </dgm:pt>
+    <dgm:pt modelId="{335A694C-F01A-4E9C-B502-63C9A8AD41AD}">
+      <dgm:prSet phldrT="[文本]"/>
+      <dgm:spPr/>
+      <dgm:t>
+        <a:bodyPr/>
+        <a:lstStyle/>
+        <a:p>
+          <a:r>
+            <a:rPr lang="zh-CN" altLang="en-US" dirty="0" smtClean="0"/>
+            <a:t>图片存在各个用户下可删除和更新包括目录</a:t>
+          </a:r>
+          <a:endParaRPr lang="zh-CN" altLang="en-US" dirty="0"/>
+        </a:p>
+      </dgm:t>
+    </dgm:pt>
+    <dgm:pt modelId="{A9BAC15F-8857-4844-B7B7-66BF6F761059}" type="parTrans" cxnId="{4093B42A-7C83-423C-B88C-F27583249231}">
+      <dgm:prSet/>
+      <dgm:spPr/>
+      <dgm:t>
+        <a:bodyPr/>
+        <a:lstStyle/>
+        <a:p>
+          <a:endParaRPr lang="zh-CN" altLang="en-US"/>
+        </a:p>
+      </dgm:t>
+    </dgm:pt>
+    <dgm:pt modelId="{2F6A67C9-255E-4081-BB70-B2849BB0839C}" type="sibTrans" cxnId="{4093B42A-7C83-423C-B88C-F27583249231}">
+      <dgm:prSet/>
+      <dgm:spPr/>
+      <dgm:t>
+        <a:bodyPr/>
+        <a:lstStyle/>
+        <a:p>
+          <a:endParaRPr lang="zh-CN" altLang="en-US"/>
+        </a:p>
+      </dgm:t>
+    </dgm:pt>
+    <dgm:pt modelId="{53D28E8E-DE63-49FB-8DF2-46AF2A81E509}">
+      <dgm:prSet phldrT="[文本]"/>
+      <dgm:spPr/>
+      <dgm:t>
+        <a:bodyPr/>
+        <a:lstStyle/>
+        <a:p>
+          <a:r>
+            <a:rPr lang="zh-CN" altLang="en-US" dirty="0" smtClean="0"/>
+            <a:t>压缩包</a:t>
+          </a:r>
+          <a:endParaRPr lang="zh-CN" altLang="en-US" dirty="0"/>
+        </a:p>
+      </dgm:t>
+    </dgm:pt>
+    <dgm:pt modelId="{8F6EEAE3-120D-43BC-9311-573493EA802F}" type="parTrans" cxnId="{9DEE92A0-7469-48AF-A769-CCB593D66E76}">
+      <dgm:prSet/>
+      <dgm:spPr/>
+      <dgm:t>
+        <a:bodyPr/>
+        <a:lstStyle/>
+        <a:p>
+          <a:endParaRPr lang="zh-CN" altLang="en-US"/>
+        </a:p>
+      </dgm:t>
+    </dgm:pt>
+    <dgm:pt modelId="{D7230102-A3F9-4E6F-A7A7-F1405FB1FE18}" type="sibTrans" cxnId="{9DEE92A0-7469-48AF-A769-CCB593D66E76}">
+      <dgm:prSet/>
+      <dgm:spPr/>
+      <dgm:t>
+        <a:bodyPr/>
+        <a:lstStyle/>
+        <a:p>
+          <a:r>
+            <a:rPr lang="zh-CN" altLang="en-US" dirty="0" smtClean="0"/>
+            <a:t>视频</a:t>
+          </a:r>
+          <a:endParaRPr lang="zh-CN" altLang="en-US" dirty="0"/>
+        </a:p>
+      </dgm:t>
+    </dgm:pt>
+    <dgm:pt modelId="{CCEB71E0-E419-4F12-976B-3ABA0C30358C}">
+      <dgm:prSet phldrT="[文本]"/>
+      <dgm:spPr/>
+      <dgm:t>
+        <a:bodyPr/>
+        <a:lstStyle/>
+        <a:p>
+          <a:r>
+            <a:rPr lang="zh-CN" altLang="en-US" dirty="0" smtClean="0"/>
+            <a:t>压缩包就直接上传无用户限制</a:t>
+          </a:r>
+          <a:endParaRPr lang="zh-CN" altLang="en-US" dirty="0"/>
+        </a:p>
+      </dgm:t>
+    </dgm:pt>
+    <dgm:pt modelId="{2E0DA156-CD4E-4FE1-9798-BE11F0A10E2F}" type="parTrans" cxnId="{C41EE8C8-1AD9-479B-9380-B60EEA521F8C}">
+      <dgm:prSet/>
+      <dgm:spPr/>
+      <dgm:t>
+        <a:bodyPr/>
+        <a:lstStyle/>
+        <a:p>
+          <a:endParaRPr lang="zh-CN" altLang="en-US"/>
+        </a:p>
+      </dgm:t>
+    </dgm:pt>
+    <dgm:pt modelId="{BC7027F3-0343-4D46-88C2-99FECA68BE3C}" type="sibTrans" cxnId="{C41EE8C8-1AD9-479B-9380-B60EEA521F8C}">
+      <dgm:prSet/>
+      <dgm:spPr/>
+      <dgm:t>
+        <a:bodyPr/>
+        <a:lstStyle/>
+        <a:p>
+          <a:endParaRPr lang="zh-CN" altLang="en-US"/>
+        </a:p>
+      </dgm:t>
+    </dgm:pt>
+    <dgm:pt modelId="{14C1206B-8B16-4CDD-91C1-C227AA0D2266}" type="pres">
+      <dgm:prSet presAssocID="{41DD2A39-D8EA-4765-A3C0-6EA2ED4F0115}" presName="Name0" presStyleCnt="0">
+        <dgm:presLayoutVars>
+          <dgm:chMax/>
+          <dgm:chPref/>
+          <dgm:dir/>
+          <dgm:animLvl val="lvl"/>
+        </dgm:presLayoutVars>
+      </dgm:prSet>
+      <dgm:spPr/>
+    </dgm:pt>
+    <dgm:pt modelId="{D68C5539-3781-4834-8DD7-CDC5E09764D8}" type="pres">
+      <dgm:prSet presAssocID="{0097D238-89E7-4AC0-930E-23E26619A123}" presName="composite" presStyleCnt="0"/>
+      <dgm:spPr/>
+    </dgm:pt>
+    <dgm:pt modelId="{ED1417D7-E560-41BE-B7E0-73558713B7CB}" type="pres">
+      <dgm:prSet presAssocID="{0097D238-89E7-4AC0-930E-23E26619A123}" presName="Parent1" presStyleLbl="node1" presStyleIdx="0" presStyleCnt="6">
+        <dgm:presLayoutVars>
+          <dgm:chMax val="1"/>
+          <dgm:chPref val="1"/>
+          <dgm:bulletEnabled val="1"/>
+        </dgm:presLayoutVars>
+      </dgm:prSet>
+      <dgm:spPr/>
+    </dgm:pt>
+    <dgm:pt modelId="{34FFE83C-6C7D-4774-B6AB-803D3743CE44}" type="pres">
+      <dgm:prSet presAssocID="{0097D238-89E7-4AC0-930E-23E26619A123}" presName="Childtext1" presStyleLbl="revTx" presStyleIdx="0" presStyleCnt="3">
+        <dgm:presLayoutVars>
+          <dgm:chMax val="0"/>
+          <dgm:chPref val="0"/>
+          <dgm:bulletEnabled val="1"/>
+        </dgm:presLayoutVars>
+      </dgm:prSet>
+      <dgm:spPr/>
+      <dgm:t>
+        <a:bodyPr/>
+        <a:lstStyle/>
+        <a:p>
+          <a:endParaRPr lang="zh-CN" altLang="en-US"/>
+        </a:p>
+      </dgm:t>
+    </dgm:pt>
+    <dgm:pt modelId="{CE82B21B-5172-40BA-B7E4-B21910E6453E}" type="pres">
+      <dgm:prSet presAssocID="{0097D238-89E7-4AC0-930E-23E26619A123}" presName="BalanceSpacing" presStyleCnt="0"/>
+      <dgm:spPr/>
+    </dgm:pt>
+    <dgm:pt modelId="{86B7DA09-D5B1-49CC-B721-5D879B707FC2}" type="pres">
+      <dgm:prSet presAssocID="{0097D238-89E7-4AC0-930E-23E26619A123}" presName="BalanceSpacing1" presStyleCnt="0"/>
+      <dgm:spPr/>
+    </dgm:pt>
+    <dgm:pt modelId="{0C45B404-1DA3-4AEE-B56E-F13FB9BD4899}" type="pres">
+      <dgm:prSet presAssocID="{4196DFF3-C9A3-4FE4-91CD-D3ADB5CA348D}" presName="Accent1Text" presStyleLbl="node1" presStyleIdx="1" presStyleCnt="6"/>
+      <dgm:spPr/>
+    </dgm:pt>
+    <dgm:pt modelId="{8AFE6DC7-ECFB-4C45-9F5E-DA3C6EB173B4}" type="pres">
+      <dgm:prSet presAssocID="{4196DFF3-C9A3-4FE4-91CD-D3ADB5CA348D}" presName="spaceBetweenRectangles" presStyleCnt="0"/>
+      <dgm:spPr/>
+    </dgm:pt>
+    <dgm:pt modelId="{E4A6FA92-2EE8-49E1-8CCB-D63DE192465F}" type="pres">
+      <dgm:prSet presAssocID="{6E365CBA-46F6-4694-9234-041BA9C56904}" presName="composite" presStyleCnt="0"/>
+      <dgm:spPr/>
+    </dgm:pt>
+    <dgm:pt modelId="{DB1E5E6C-BBFB-4545-A052-8C80929B2FA0}" type="pres">
+      <dgm:prSet presAssocID="{6E365CBA-46F6-4694-9234-041BA9C56904}" presName="Parent1" presStyleLbl="node1" presStyleIdx="2" presStyleCnt="6">
+        <dgm:presLayoutVars>
+          <dgm:chMax val="1"/>
+          <dgm:chPref val="1"/>
+          <dgm:bulletEnabled val="1"/>
+        </dgm:presLayoutVars>
+      </dgm:prSet>
+      <dgm:spPr/>
+    </dgm:pt>
+    <dgm:pt modelId="{6914EACB-B90B-479E-95A0-10D99BE4CA17}" type="pres">
+      <dgm:prSet presAssocID="{6E365CBA-46F6-4694-9234-041BA9C56904}" presName="Childtext1" presStyleLbl="revTx" presStyleIdx="1" presStyleCnt="3">
+        <dgm:presLayoutVars>
+          <dgm:chMax val="0"/>
+          <dgm:chPref val="0"/>
+          <dgm:bulletEnabled val="1"/>
+        </dgm:presLayoutVars>
+      </dgm:prSet>
+      <dgm:spPr/>
+      <dgm:t>
+        <a:bodyPr/>
+        <a:lstStyle/>
+        <a:p>
+          <a:endParaRPr lang="zh-CN" altLang="en-US"/>
+        </a:p>
+      </dgm:t>
+    </dgm:pt>
+    <dgm:pt modelId="{4177D4F7-97E3-44BE-95D1-C069CFD52A29}" type="pres">
+      <dgm:prSet presAssocID="{6E365CBA-46F6-4694-9234-041BA9C56904}" presName="BalanceSpacing" presStyleCnt="0"/>
+      <dgm:spPr/>
+    </dgm:pt>
+    <dgm:pt modelId="{36BC1D5E-2F59-446F-A562-8843852AA30D}" type="pres">
+      <dgm:prSet presAssocID="{6E365CBA-46F6-4694-9234-041BA9C56904}" presName="BalanceSpacing1" presStyleCnt="0"/>
+      <dgm:spPr/>
+    </dgm:pt>
+    <dgm:pt modelId="{EE08514D-19FB-4735-9842-81461E5C74D7}" type="pres">
+      <dgm:prSet presAssocID="{90E8B7A5-F1C8-48D6-A3B9-C05B91195879}" presName="Accent1Text" presStyleLbl="node1" presStyleIdx="3" presStyleCnt="6"/>
+      <dgm:spPr/>
+      <dgm:t>
+        <a:bodyPr/>
+        <a:lstStyle/>
+        <a:p>
+          <a:endParaRPr lang="zh-CN" altLang="en-US"/>
+        </a:p>
+      </dgm:t>
+    </dgm:pt>
+    <dgm:pt modelId="{43B848AB-82C1-4515-AC27-E104E3373AB1}" type="pres">
+      <dgm:prSet presAssocID="{90E8B7A5-F1C8-48D6-A3B9-C05B91195879}" presName="spaceBetweenRectangles" presStyleCnt="0"/>
+      <dgm:spPr/>
+    </dgm:pt>
+    <dgm:pt modelId="{E4D4E561-1B25-46AE-B605-DCF429247E8D}" type="pres">
+      <dgm:prSet presAssocID="{53D28E8E-DE63-49FB-8DF2-46AF2A81E509}" presName="composite" presStyleCnt="0"/>
+      <dgm:spPr/>
+    </dgm:pt>
+    <dgm:pt modelId="{E89657F4-F7F6-42BE-B5AB-E2D580F3CAD6}" type="pres">
+      <dgm:prSet presAssocID="{53D28E8E-DE63-49FB-8DF2-46AF2A81E509}" presName="Parent1" presStyleLbl="node1" presStyleIdx="4" presStyleCnt="6">
+        <dgm:presLayoutVars>
+          <dgm:chMax val="1"/>
+          <dgm:chPref val="1"/>
+          <dgm:bulletEnabled val="1"/>
+        </dgm:presLayoutVars>
+      </dgm:prSet>
+      <dgm:spPr/>
+    </dgm:pt>
+    <dgm:pt modelId="{9BE23E12-7F25-4A13-8EE5-27EF9331C449}" type="pres">
+      <dgm:prSet presAssocID="{53D28E8E-DE63-49FB-8DF2-46AF2A81E509}" presName="Childtext1" presStyleLbl="revTx" presStyleIdx="2" presStyleCnt="3">
+        <dgm:presLayoutVars>
+          <dgm:chMax val="0"/>
+          <dgm:chPref val="0"/>
+          <dgm:bulletEnabled val="1"/>
+        </dgm:presLayoutVars>
+      </dgm:prSet>
+      <dgm:spPr/>
+    </dgm:pt>
+    <dgm:pt modelId="{E93C1AC9-33C9-40BB-9687-D624C90A5F0B}" type="pres">
+      <dgm:prSet presAssocID="{53D28E8E-DE63-49FB-8DF2-46AF2A81E509}" presName="BalanceSpacing" presStyleCnt="0"/>
+      <dgm:spPr/>
+    </dgm:pt>
+    <dgm:pt modelId="{39E3C604-322F-4376-86E3-0F9DBDD54476}" type="pres">
+      <dgm:prSet presAssocID="{53D28E8E-DE63-49FB-8DF2-46AF2A81E509}" presName="BalanceSpacing1" presStyleCnt="0"/>
+      <dgm:spPr/>
+    </dgm:pt>
+    <dgm:pt modelId="{9F441220-2A43-49BD-A274-6293139F677C}" type="pres">
+      <dgm:prSet presAssocID="{D7230102-A3F9-4E6F-A7A7-F1405FB1FE18}" presName="Accent1Text" presStyleLbl="node1" presStyleIdx="5" presStyleCnt="6"/>
+      <dgm:spPr/>
+    </dgm:pt>
+  </dgm:ptLst>
+  <dgm:cxnLst>
+    <dgm:cxn modelId="{C0F9ABC2-7148-4278-9A12-9122FE288856}" srcId="{41DD2A39-D8EA-4765-A3C0-6EA2ED4F0115}" destId="{0097D238-89E7-4AC0-930E-23E26619A123}" srcOrd="0" destOrd="0" parTransId="{9A3BC113-8F18-47F4-B080-3A97C8189FD2}" sibTransId="{4196DFF3-C9A3-4FE4-91CD-D3ADB5CA348D}"/>
+    <dgm:cxn modelId="{3961A536-DFD4-42AB-B126-1A6C4FCFBEEA}" type="presOf" srcId="{0097D238-89E7-4AC0-930E-23E26619A123}" destId="{ED1417D7-E560-41BE-B7E0-73558713B7CB}" srcOrd="0" destOrd="0" presId="urn:microsoft.com/office/officeart/2008/layout/AlternatingHexagons"/>
+    <dgm:cxn modelId="{BF315A62-9813-4F82-8443-69AD80D2BD03}" type="presOf" srcId="{CCEB71E0-E419-4F12-976B-3ABA0C30358C}" destId="{9BE23E12-7F25-4A13-8EE5-27EF9331C449}" srcOrd="0" destOrd="0" presId="urn:microsoft.com/office/officeart/2008/layout/AlternatingHexagons"/>
+    <dgm:cxn modelId="{A4DB4137-C6AA-4083-B85F-51801C66914A}" type="presOf" srcId="{335A694C-F01A-4E9C-B502-63C9A8AD41AD}" destId="{6914EACB-B90B-479E-95A0-10D99BE4CA17}" srcOrd="0" destOrd="0" presId="urn:microsoft.com/office/officeart/2008/layout/AlternatingHexagons"/>
+    <dgm:cxn modelId="{C41EE8C8-1AD9-479B-9380-B60EEA521F8C}" srcId="{53D28E8E-DE63-49FB-8DF2-46AF2A81E509}" destId="{CCEB71E0-E419-4F12-976B-3ABA0C30358C}" srcOrd="0" destOrd="0" parTransId="{2E0DA156-CD4E-4FE1-9798-BE11F0A10E2F}" sibTransId="{BC7027F3-0343-4D46-88C2-99FECA68BE3C}"/>
+    <dgm:cxn modelId="{4093B42A-7C83-423C-B88C-F27583249231}" srcId="{6E365CBA-46F6-4694-9234-041BA9C56904}" destId="{335A694C-F01A-4E9C-B502-63C9A8AD41AD}" srcOrd="0" destOrd="0" parTransId="{A9BAC15F-8857-4844-B7B7-66BF6F761059}" sibTransId="{2F6A67C9-255E-4081-BB70-B2849BB0839C}"/>
+    <dgm:cxn modelId="{872BFD65-4B29-4A45-8ADB-EA555875D01F}" srcId="{0097D238-89E7-4AC0-930E-23E26619A123}" destId="{450E9264-9D97-4E40-9B1B-D13989E08B19}" srcOrd="0" destOrd="0" parTransId="{F11D7FD5-FB46-406E-8341-BEBF5905AA00}" sibTransId="{7F911940-B625-42B0-BA85-2F9DC4A6DA32}"/>
+    <dgm:cxn modelId="{BEEA4088-3887-47F9-8291-0A22F169699F}" type="presOf" srcId="{450E9264-9D97-4E40-9B1B-D13989E08B19}" destId="{34FFE83C-6C7D-4774-B6AB-803D3743CE44}" srcOrd="0" destOrd="0" presId="urn:microsoft.com/office/officeart/2008/layout/AlternatingHexagons"/>
+    <dgm:cxn modelId="{024E79E6-B776-426D-9800-6E8EDCDE7A5A}" type="presOf" srcId="{41DD2A39-D8EA-4765-A3C0-6EA2ED4F0115}" destId="{14C1206B-8B16-4CDD-91C1-C227AA0D2266}" srcOrd="0" destOrd="0" presId="urn:microsoft.com/office/officeart/2008/layout/AlternatingHexagons"/>
+    <dgm:cxn modelId="{CDDC0542-F908-4B1B-9BC8-69295483EAE4}" type="presOf" srcId="{4196DFF3-C9A3-4FE4-91CD-D3ADB5CA348D}" destId="{0C45B404-1DA3-4AEE-B56E-F13FB9BD4899}" srcOrd="0" destOrd="0" presId="urn:microsoft.com/office/officeart/2008/layout/AlternatingHexagons"/>
+    <dgm:cxn modelId="{CADAF2E2-7352-4197-8C42-844CBE8F37DE}" type="presOf" srcId="{D7230102-A3F9-4E6F-A7A7-F1405FB1FE18}" destId="{9F441220-2A43-49BD-A274-6293139F677C}" srcOrd="0" destOrd="0" presId="urn:microsoft.com/office/officeart/2008/layout/AlternatingHexagons"/>
+    <dgm:cxn modelId="{1952847F-A064-4387-AFA0-0504D6D99590}" type="presOf" srcId="{6E365CBA-46F6-4694-9234-041BA9C56904}" destId="{DB1E5E6C-BBFB-4545-A052-8C80929B2FA0}" srcOrd="0" destOrd="0" presId="urn:microsoft.com/office/officeart/2008/layout/AlternatingHexagons"/>
+    <dgm:cxn modelId="{1342E728-5F86-44FE-9BFD-C910AFE23DE0}" type="presOf" srcId="{90E8B7A5-F1C8-48D6-A3B9-C05B91195879}" destId="{EE08514D-19FB-4735-9842-81461E5C74D7}" srcOrd="0" destOrd="0" presId="urn:microsoft.com/office/officeart/2008/layout/AlternatingHexagons"/>
+    <dgm:cxn modelId="{3566B3ED-9078-483E-80C9-282763AB5AD0}" srcId="{41DD2A39-D8EA-4765-A3C0-6EA2ED4F0115}" destId="{6E365CBA-46F6-4694-9234-041BA9C56904}" srcOrd="1" destOrd="0" parTransId="{A2BBB5CC-47FC-4108-9F54-A2E1900298C7}" sibTransId="{90E8B7A5-F1C8-48D6-A3B9-C05B91195879}"/>
+    <dgm:cxn modelId="{73CE493F-AC46-4567-8E8A-8E569A10B7F6}" type="presOf" srcId="{53D28E8E-DE63-49FB-8DF2-46AF2A81E509}" destId="{E89657F4-F7F6-42BE-B5AB-E2D580F3CAD6}" srcOrd="0" destOrd="0" presId="urn:microsoft.com/office/officeart/2008/layout/AlternatingHexagons"/>
+    <dgm:cxn modelId="{9DEE92A0-7469-48AF-A769-CCB593D66E76}" srcId="{41DD2A39-D8EA-4765-A3C0-6EA2ED4F0115}" destId="{53D28E8E-DE63-49FB-8DF2-46AF2A81E509}" srcOrd="2" destOrd="0" parTransId="{8F6EEAE3-120D-43BC-9311-573493EA802F}" sibTransId="{D7230102-A3F9-4E6F-A7A7-F1405FB1FE18}"/>
+    <dgm:cxn modelId="{B97A9129-C847-4AAF-9CB5-977D70D8C849}" type="presParOf" srcId="{14C1206B-8B16-4CDD-91C1-C227AA0D2266}" destId="{D68C5539-3781-4834-8DD7-CDC5E09764D8}" srcOrd="0" destOrd="0" presId="urn:microsoft.com/office/officeart/2008/layout/AlternatingHexagons"/>
+    <dgm:cxn modelId="{72A043FA-CA48-4432-A6E5-09EAE84AB5E2}" type="presParOf" srcId="{D68C5539-3781-4834-8DD7-CDC5E09764D8}" destId="{ED1417D7-E560-41BE-B7E0-73558713B7CB}" srcOrd="0" destOrd="0" presId="urn:microsoft.com/office/officeart/2008/layout/AlternatingHexagons"/>
+    <dgm:cxn modelId="{54A03550-F963-481E-9271-499515C10226}" type="presParOf" srcId="{D68C5539-3781-4834-8DD7-CDC5E09764D8}" destId="{34FFE83C-6C7D-4774-B6AB-803D3743CE44}" srcOrd="1" destOrd="0" presId="urn:microsoft.com/office/officeart/2008/layout/AlternatingHexagons"/>
+    <dgm:cxn modelId="{A77EC7AC-EE20-4AE3-8AE4-C555882EE021}" type="presParOf" srcId="{D68C5539-3781-4834-8DD7-CDC5E09764D8}" destId="{CE82B21B-5172-40BA-B7E4-B21910E6453E}" srcOrd="2" destOrd="0" presId="urn:microsoft.com/office/officeart/2008/layout/AlternatingHexagons"/>
+    <dgm:cxn modelId="{F677001C-D7D0-4B50-AD36-B8588572E213}" type="presParOf" srcId="{D68C5539-3781-4834-8DD7-CDC5E09764D8}" destId="{86B7DA09-D5B1-49CC-B721-5D879B707FC2}" srcOrd="3" destOrd="0" presId="urn:microsoft.com/office/officeart/2008/layout/AlternatingHexagons"/>
+    <dgm:cxn modelId="{4E03A3E8-E470-4AB4-A12E-5A6976D4A6EA}" type="presParOf" srcId="{D68C5539-3781-4834-8DD7-CDC5E09764D8}" destId="{0C45B404-1DA3-4AEE-B56E-F13FB9BD4899}" srcOrd="4" destOrd="0" presId="urn:microsoft.com/office/officeart/2008/layout/AlternatingHexagons"/>
+    <dgm:cxn modelId="{F5DA7368-87FF-4F06-8119-E9C3AC9AF44D}" type="presParOf" srcId="{14C1206B-8B16-4CDD-91C1-C227AA0D2266}" destId="{8AFE6DC7-ECFB-4C45-9F5E-DA3C6EB173B4}" srcOrd="1" destOrd="0" presId="urn:microsoft.com/office/officeart/2008/layout/AlternatingHexagons"/>
+    <dgm:cxn modelId="{F220AAC4-E94E-48DE-BAB4-FC14E4EF74AA}" type="presParOf" srcId="{14C1206B-8B16-4CDD-91C1-C227AA0D2266}" destId="{E4A6FA92-2EE8-49E1-8CCB-D63DE192465F}" srcOrd="2" destOrd="0" presId="urn:microsoft.com/office/officeart/2008/layout/AlternatingHexagons"/>
+    <dgm:cxn modelId="{A5155CDD-C51B-4F24-8545-C8893DFAC047}" type="presParOf" srcId="{E4A6FA92-2EE8-49E1-8CCB-D63DE192465F}" destId="{DB1E5E6C-BBFB-4545-A052-8C80929B2FA0}" srcOrd="0" destOrd="0" presId="urn:microsoft.com/office/officeart/2008/layout/AlternatingHexagons"/>
+    <dgm:cxn modelId="{516F8D15-1D78-4410-B7CC-7368409CA831}" type="presParOf" srcId="{E4A6FA92-2EE8-49E1-8CCB-D63DE192465F}" destId="{6914EACB-B90B-479E-95A0-10D99BE4CA17}" srcOrd="1" destOrd="0" presId="urn:microsoft.com/office/officeart/2008/layout/AlternatingHexagons"/>
+    <dgm:cxn modelId="{EF48F050-8846-4A1B-A0FB-4477D3AC87B7}" type="presParOf" srcId="{E4A6FA92-2EE8-49E1-8CCB-D63DE192465F}" destId="{4177D4F7-97E3-44BE-95D1-C069CFD52A29}" srcOrd="2" destOrd="0" presId="urn:microsoft.com/office/officeart/2008/layout/AlternatingHexagons"/>
+    <dgm:cxn modelId="{A183C638-74C5-4DB8-A26C-653959C9CBFA}" type="presParOf" srcId="{E4A6FA92-2EE8-49E1-8CCB-D63DE192465F}" destId="{36BC1D5E-2F59-446F-A562-8843852AA30D}" srcOrd="3" destOrd="0" presId="urn:microsoft.com/office/officeart/2008/layout/AlternatingHexagons"/>
+    <dgm:cxn modelId="{EEEBEADE-ADFC-4A6B-9752-B44372EA3E45}" type="presParOf" srcId="{E4A6FA92-2EE8-49E1-8CCB-D63DE192465F}" destId="{EE08514D-19FB-4735-9842-81461E5C74D7}" srcOrd="4" destOrd="0" presId="urn:microsoft.com/office/officeart/2008/layout/AlternatingHexagons"/>
+    <dgm:cxn modelId="{95A50C1C-10F1-45D1-81A1-141616C715DD}" type="presParOf" srcId="{14C1206B-8B16-4CDD-91C1-C227AA0D2266}" destId="{43B848AB-82C1-4515-AC27-E104E3373AB1}" srcOrd="3" destOrd="0" presId="urn:microsoft.com/office/officeart/2008/layout/AlternatingHexagons"/>
+    <dgm:cxn modelId="{6591EFF5-B0BE-4B2C-A878-C547084FD2A6}" type="presParOf" srcId="{14C1206B-8B16-4CDD-91C1-C227AA0D2266}" destId="{E4D4E561-1B25-46AE-B605-DCF429247E8D}" srcOrd="4" destOrd="0" presId="urn:microsoft.com/office/officeart/2008/layout/AlternatingHexagons"/>
+    <dgm:cxn modelId="{5BCC900F-F9E5-43E7-9A11-38CB582581F5}" type="presParOf" srcId="{E4D4E561-1B25-46AE-B605-DCF429247E8D}" destId="{E89657F4-F7F6-42BE-B5AB-E2D580F3CAD6}" srcOrd="0" destOrd="0" presId="urn:microsoft.com/office/officeart/2008/layout/AlternatingHexagons"/>
+    <dgm:cxn modelId="{3926AE73-58A7-488D-A745-32152158FD04}" type="presParOf" srcId="{E4D4E561-1B25-46AE-B605-DCF429247E8D}" destId="{9BE23E12-7F25-4A13-8EE5-27EF9331C449}" srcOrd="1" destOrd="0" presId="urn:microsoft.com/office/officeart/2008/layout/AlternatingHexagons"/>
+    <dgm:cxn modelId="{911B6647-1B14-40B2-A571-D3F9D0B447D5}" type="presParOf" srcId="{E4D4E561-1B25-46AE-B605-DCF429247E8D}" destId="{E93C1AC9-33C9-40BB-9687-D624C90A5F0B}" srcOrd="2" destOrd="0" presId="urn:microsoft.com/office/officeart/2008/layout/AlternatingHexagons"/>
+    <dgm:cxn modelId="{E1AE0733-9D42-4F28-89AD-911462133F54}" type="presParOf" srcId="{E4D4E561-1B25-46AE-B605-DCF429247E8D}" destId="{39E3C604-322F-4376-86E3-0F9DBDD54476}" srcOrd="3" destOrd="0" presId="urn:microsoft.com/office/officeart/2008/layout/AlternatingHexagons"/>
+    <dgm:cxn modelId="{2089A89C-D3E1-4520-AED3-115EFDAFB3B0}" type="presParOf" srcId="{E4D4E561-1B25-46AE-B605-DCF429247E8D}" destId="{9F441220-2A43-49BD-A274-6293139F677C}" srcOrd="4" destOrd="0" presId="urn:microsoft.com/office/officeart/2008/layout/AlternatingHexagons"/>
   </dgm:cxnLst>
   <dgm:bg/>
   <dgm:whole/>
@@ -11792,7 +13512,7 @@
             <a:buChar char="••"/>
           </a:pPr>
           <a:r>
-            <a:rPr lang="zh-CN" altLang="en-US" sz="4100" kern="1200" smtClean="0"/>
+            <a:rPr lang="zh-CN" altLang="en-US" sz="4100" kern="1200" dirty="0" smtClean="0"/>
             <a:t>阿里云短信推送</a:t>
           </a:r>
           <a:endParaRPr lang="zh-CN" altLang="en-US" sz="4100" kern="1200" dirty="0"/>
@@ -11992,6 +13712,684 @@
       <dsp:txXfrm rot="-5400000">
         <a:off x="1641540" y="2134922"/>
         <a:ext cx="7083181" cy="1375467"/>
+      </dsp:txXfrm>
+    </dsp:sp>
+  </dsp:spTree>
+</dsp:drawing>
+</file>
+
+<file path=ppt/diagrams/drawing7.xml><?xml version="1.0" encoding="utf-8"?>
+<dsp:drawing xmlns:dgm="http://schemas.openxmlformats.org/drawingml/2006/diagram" xmlns:dsp="http://schemas.microsoft.com/office/drawing/2008/diagram" xmlns:a="http://schemas.openxmlformats.org/drawingml/2006/main">
+  <dsp:spTree>
+    <dsp:nvGrpSpPr>
+      <dsp:cNvPr id="0" name=""/>
+      <dsp:cNvGrpSpPr/>
+    </dsp:nvGrpSpPr>
+    <dsp:grpSpPr/>
+    <dsp:sp modelId="{ED1417D7-E560-41BE-B7E0-73558713B7CB}">
+      <dsp:nvSpPr>
+        <dsp:cNvPr id="0" name=""/>
+        <dsp:cNvSpPr/>
+      </dsp:nvSpPr>
+      <dsp:spPr>
+        <a:xfrm rot="5400000">
+          <a:off x="2620264" y="107618"/>
+          <a:ext cx="1632220" cy="1420031"/>
+        </a:xfrm>
+        <a:prstGeom prst="hexagon">
+          <a:avLst>
+            <a:gd name="adj" fmla="val 25000"/>
+            <a:gd name="vf" fmla="val 115470"/>
+          </a:avLst>
+        </a:prstGeom>
+        <a:solidFill>
+          <a:schemeClr val="accent2">
+            <a:hueOff val="0"/>
+            <a:satOff val="0"/>
+            <a:lumOff val="0"/>
+            <a:alphaOff val="0"/>
+          </a:schemeClr>
+        </a:solidFill>
+        <a:ln w="12700" cap="flat" cmpd="sng" algn="ctr">
+          <a:solidFill>
+            <a:schemeClr val="lt1">
+              <a:hueOff val="0"/>
+              <a:satOff val="0"/>
+              <a:lumOff val="0"/>
+              <a:alphaOff val="0"/>
+            </a:schemeClr>
+          </a:solidFill>
+          <a:prstDash val="solid"/>
+          <a:miter lim="800000"/>
+        </a:ln>
+        <a:effectLst/>
+      </dsp:spPr>
+      <dsp:style>
+        <a:lnRef idx="2">
+          <a:scrgbClr r="0" g="0" b="0"/>
+        </a:lnRef>
+        <a:fillRef idx="1">
+          <a:scrgbClr r="0" g="0" b="0"/>
+        </a:fillRef>
+        <a:effectRef idx="0">
+          <a:scrgbClr r="0" g="0" b="0"/>
+        </a:effectRef>
+        <a:fontRef idx="minor">
+          <a:schemeClr val="lt1"/>
+        </a:fontRef>
+      </dsp:style>
+      <dsp:txBody>
+        <a:bodyPr spcFirstLastPara="0" vert="horz" wrap="square" lIns="110490" tIns="110490" rIns="110490" bIns="110490" numCol="1" spcCol="1270" anchor="ctr" anchorCtr="0">
+          <a:noAutofit/>
+        </a:bodyPr>
+        <a:lstStyle/>
+        <a:p>
+          <a:pPr lvl="0" algn="ctr" defTabSz="1289050">
+            <a:lnSpc>
+              <a:spcPct val="90000"/>
+            </a:lnSpc>
+            <a:spcBef>
+              <a:spcPct val="0"/>
+            </a:spcBef>
+            <a:spcAft>
+              <a:spcPct val="35000"/>
+            </a:spcAft>
+          </a:pPr>
+          <a:r>
+            <a:rPr lang="zh-CN" altLang="en-US" sz="2900" kern="1200" dirty="0" smtClean="0"/>
+            <a:t>权限</a:t>
+          </a:r>
+          <a:endParaRPr lang="zh-CN" altLang="en-US" sz="2900" kern="1200" dirty="0"/>
+        </a:p>
+      </dsp:txBody>
+      <dsp:txXfrm rot="-5400000">
+        <a:off x="2947646" y="255878"/>
+        <a:ext cx="977455" cy="1123512"/>
+      </dsp:txXfrm>
+    </dsp:sp>
+    <dsp:sp modelId="{34FFE83C-6C7D-4774-B6AB-803D3743CE44}">
+      <dsp:nvSpPr>
+        <dsp:cNvPr id="0" name=""/>
+        <dsp:cNvSpPr/>
+      </dsp:nvSpPr>
+      <dsp:spPr>
+        <a:xfrm>
+          <a:off x="4189481" y="327968"/>
+          <a:ext cx="1821557" cy="979332"/>
+        </a:xfrm>
+        <a:prstGeom prst="rect">
+          <a:avLst/>
+        </a:prstGeom>
+        <a:noFill/>
+        <a:ln>
+          <a:noFill/>
+        </a:ln>
+        <a:effectLst/>
+      </dsp:spPr>
+      <dsp:style>
+        <a:lnRef idx="0">
+          <a:scrgbClr r="0" g="0" b="0"/>
+        </a:lnRef>
+        <a:fillRef idx="0">
+          <a:scrgbClr r="0" g="0" b="0"/>
+        </a:fillRef>
+        <a:effectRef idx="0">
+          <a:scrgbClr r="0" g="0" b="0"/>
+        </a:effectRef>
+        <a:fontRef idx="minor"/>
+      </dsp:style>
+      <dsp:txBody>
+        <a:bodyPr spcFirstLastPara="0" vert="horz" wrap="square" lIns="68580" tIns="68580" rIns="68580" bIns="68580" numCol="1" spcCol="1270" anchor="ctr" anchorCtr="0">
+          <a:noAutofit/>
+        </a:bodyPr>
+        <a:lstStyle/>
+        <a:p>
+          <a:pPr lvl="0" algn="l" defTabSz="800100">
+            <a:lnSpc>
+              <a:spcPct val="90000"/>
+            </a:lnSpc>
+            <a:spcBef>
+              <a:spcPct val="0"/>
+            </a:spcBef>
+            <a:spcAft>
+              <a:spcPct val="35000"/>
+            </a:spcAft>
+          </a:pPr>
+          <a:r>
+            <a:rPr lang="zh-CN" altLang="en-US" sz="1800" kern="1200" dirty="0" smtClean="0"/>
+            <a:t>分只读和可写以及都有</a:t>
+          </a:r>
+          <a:endParaRPr lang="en-US" altLang="zh-CN" sz="1800" kern="1200" dirty="0" smtClean="0"/>
+        </a:p>
+      </dsp:txBody>
+      <dsp:txXfrm>
+        <a:off x="4189481" y="327968"/>
+        <a:ext cx="1821557" cy="979332"/>
+      </dsp:txXfrm>
+    </dsp:sp>
+    <dsp:sp modelId="{0C45B404-1DA3-4AEE-B56E-F13FB9BD4899}">
+      <dsp:nvSpPr>
+        <dsp:cNvPr id="0" name=""/>
+        <dsp:cNvSpPr/>
+      </dsp:nvSpPr>
+      <dsp:spPr>
+        <a:xfrm rot="5400000">
+          <a:off x="1086630" y="107618"/>
+          <a:ext cx="1632220" cy="1420031"/>
+        </a:xfrm>
+        <a:prstGeom prst="hexagon">
+          <a:avLst>
+            <a:gd name="adj" fmla="val 25000"/>
+            <a:gd name="vf" fmla="val 115470"/>
+          </a:avLst>
+        </a:prstGeom>
+        <a:solidFill>
+          <a:schemeClr val="accent3">
+            <a:hueOff val="0"/>
+            <a:satOff val="0"/>
+            <a:lumOff val="0"/>
+            <a:alphaOff val="0"/>
+          </a:schemeClr>
+        </a:solidFill>
+        <a:ln w="12700" cap="flat" cmpd="sng" algn="ctr">
+          <a:solidFill>
+            <a:schemeClr val="lt1">
+              <a:hueOff val="0"/>
+              <a:satOff val="0"/>
+              <a:lumOff val="0"/>
+              <a:alphaOff val="0"/>
+            </a:schemeClr>
+          </a:solidFill>
+          <a:prstDash val="solid"/>
+          <a:miter lim="800000"/>
+        </a:ln>
+        <a:effectLst/>
+      </dsp:spPr>
+      <dsp:style>
+        <a:lnRef idx="2">
+          <a:scrgbClr r="0" g="0" b="0"/>
+        </a:lnRef>
+        <a:fillRef idx="1">
+          <a:scrgbClr r="0" g="0" b="0"/>
+        </a:fillRef>
+        <a:effectRef idx="0">
+          <a:scrgbClr r="0" g="0" b="0"/>
+        </a:effectRef>
+        <a:fontRef idx="minor">
+          <a:schemeClr val="lt1"/>
+        </a:fontRef>
+      </dsp:style>
+      <dsp:txBody>
+        <a:bodyPr spcFirstLastPara="0" vert="horz" wrap="square" lIns="0" tIns="0" rIns="0" bIns="0" numCol="1" spcCol="1270" anchor="ctr" anchorCtr="0">
+          <a:noAutofit/>
+        </a:bodyPr>
+        <a:lstStyle/>
+        <a:p>
+          <a:pPr lvl="0" algn="ctr" defTabSz="1600200">
+            <a:lnSpc>
+              <a:spcPct val="90000"/>
+            </a:lnSpc>
+            <a:spcBef>
+              <a:spcPct val="0"/>
+            </a:spcBef>
+            <a:spcAft>
+              <a:spcPct val="35000"/>
+            </a:spcAft>
+          </a:pPr>
+          <a:r>
+            <a:rPr lang="zh-CN" altLang="en-US" sz="3600" kern="1200" dirty="0" smtClean="0"/>
+            <a:t>数据库</a:t>
+          </a:r>
+          <a:endParaRPr lang="zh-CN" altLang="en-US" sz="3600" kern="1200" dirty="0"/>
+        </a:p>
+      </dsp:txBody>
+      <dsp:txXfrm rot="-5400000">
+        <a:off x="1414012" y="255878"/>
+        <a:ext cx="977455" cy="1123512"/>
+      </dsp:txXfrm>
+    </dsp:sp>
+    <dsp:sp modelId="{DB1E5E6C-BBFB-4545-A052-8C80929B2FA0}">
+      <dsp:nvSpPr>
+        <dsp:cNvPr id="0" name=""/>
+        <dsp:cNvSpPr/>
+      </dsp:nvSpPr>
+      <dsp:spPr>
+        <a:xfrm rot="5400000">
+          <a:off x="1850509" y="1493047"/>
+          <a:ext cx="1632220" cy="1420031"/>
+        </a:xfrm>
+        <a:prstGeom prst="hexagon">
+          <a:avLst>
+            <a:gd name="adj" fmla="val 25000"/>
+            <a:gd name="vf" fmla="val 115470"/>
+          </a:avLst>
+        </a:prstGeom>
+        <a:solidFill>
+          <a:schemeClr val="accent4">
+            <a:hueOff val="0"/>
+            <a:satOff val="0"/>
+            <a:lumOff val="0"/>
+            <a:alphaOff val="0"/>
+          </a:schemeClr>
+        </a:solidFill>
+        <a:ln w="12700" cap="flat" cmpd="sng" algn="ctr">
+          <a:solidFill>
+            <a:schemeClr val="lt1">
+              <a:hueOff val="0"/>
+              <a:satOff val="0"/>
+              <a:lumOff val="0"/>
+              <a:alphaOff val="0"/>
+            </a:schemeClr>
+          </a:solidFill>
+          <a:prstDash val="solid"/>
+          <a:miter lim="800000"/>
+        </a:ln>
+        <a:effectLst/>
+      </dsp:spPr>
+      <dsp:style>
+        <a:lnRef idx="2">
+          <a:scrgbClr r="0" g="0" b="0"/>
+        </a:lnRef>
+        <a:fillRef idx="1">
+          <a:scrgbClr r="0" g="0" b="0"/>
+        </a:fillRef>
+        <a:effectRef idx="0">
+          <a:scrgbClr r="0" g="0" b="0"/>
+        </a:effectRef>
+        <a:fontRef idx="minor">
+          <a:schemeClr val="lt1"/>
+        </a:fontRef>
+      </dsp:style>
+      <dsp:txBody>
+        <a:bodyPr spcFirstLastPara="0" vert="horz" wrap="square" lIns="110490" tIns="110490" rIns="110490" bIns="110490" numCol="1" spcCol="1270" anchor="ctr" anchorCtr="0">
+          <a:noAutofit/>
+        </a:bodyPr>
+        <a:lstStyle/>
+        <a:p>
+          <a:pPr lvl="0" algn="ctr" defTabSz="1289050">
+            <a:lnSpc>
+              <a:spcPct val="90000"/>
+            </a:lnSpc>
+            <a:spcBef>
+              <a:spcPct val="0"/>
+            </a:spcBef>
+            <a:spcAft>
+              <a:spcPct val="35000"/>
+            </a:spcAft>
+          </a:pPr>
+          <a:r>
+            <a:rPr lang="zh-CN" altLang="en-US" sz="2900" kern="1200" dirty="0" smtClean="0"/>
+            <a:t>图片</a:t>
+          </a:r>
+          <a:endParaRPr lang="zh-CN" altLang="en-US" sz="2900" kern="1200" dirty="0"/>
+        </a:p>
+      </dsp:txBody>
+      <dsp:txXfrm rot="-5400000">
+        <a:off x="2177891" y="1641307"/>
+        <a:ext cx="977455" cy="1123512"/>
+      </dsp:txXfrm>
+    </dsp:sp>
+    <dsp:sp modelId="{6914EACB-B90B-479E-95A0-10D99BE4CA17}">
+      <dsp:nvSpPr>
+        <dsp:cNvPr id="0" name=""/>
+        <dsp:cNvSpPr/>
+      </dsp:nvSpPr>
+      <dsp:spPr>
+        <a:xfrm>
+          <a:off x="135045" y="1713396"/>
+          <a:ext cx="1762798" cy="979332"/>
+        </a:xfrm>
+        <a:prstGeom prst="rect">
+          <a:avLst/>
+        </a:prstGeom>
+        <a:noFill/>
+        <a:ln>
+          <a:noFill/>
+        </a:ln>
+        <a:effectLst/>
+      </dsp:spPr>
+      <dsp:style>
+        <a:lnRef idx="0">
+          <a:scrgbClr r="0" g="0" b="0"/>
+        </a:lnRef>
+        <a:fillRef idx="0">
+          <a:scrgbClr r="0" g="0" b="0"/>
+        </a:fillRef>
+        <a:effectRef idx="0">
+          <a:scrgbClr r="0" g="0" b="0"/>
+        </a:effectRef>
+        <a:fontRef idx="minor"/>
+      </dsp:style>
+      <dsp:txBody>
+        <a:bodyPr spcFirstLastPara="0" vert="horz" wrap="square" lIns="68580" tIns="68580" rIns="68580" bIns="68580" numCol="1" spcCol="1270" anchor="ctr" anchorCtr="0">
+          <a:noAutofit/>
+        </a:bodyPr>
+        <a:lstStyle/>
+        <a:p>
+          <a:pPr lvl="0" algn="r" defTabSz="800100">
+            <a:lnSpc>
+              <a:spcPct val="90000"/>
+            </a:lnSpc>
+            <a:spcBef>
+              <a:spcPct val="0"/>
+            </a:spcBef>
+            <a:spcAft>
+              <a:spcPct val="35000"/>
+            </a:spcAft>
+          </a:pPr>
+          <a:r>
+            <a:rPr lang="zh-CN" altLang="en-US" sz="1800" kern="1200" dirty="0" smtClean="0"/>
+            <a:t>图片存在各个用户下可删除和更新包括目录</a:t>
+          </a:r>
+          <a:endParaRPr lang="zh-CN" altLang="en-US" sz="1800" kern="1200" dirty="0"/>
+        </a:p>
+      </dsp:txBody>
+      <dsp:txXfrm>
+        <a:off x="135045" y="1713396"/>
+        <a:ext cx="1762798" cy="979332"/>
+      </dsp:txXfrm>
+    </dsp:sp>
+    <dsp:sp modelId="{EE08514D-19FB-4735-9842-81461E5C74D7}">
+      <dsp:nvSpPr>
+        <dsp:cNvPr id="0" name=""/>
+        <dsp:cNvSpPr/>
+      </dsp:nvSpPr>
+      <dsp:spPr>
+        <a:xfrm rot="5400000">
+          <a:off x="3384143" y="1493047"/>
+          <a:ext cx="1632220" cy="1420031"/>
+        </a:xfrm>
+        <a:prstGeom prst="hexagon">
+          <a:avLst>
+            <a:gd name="adj" fmla="val 25000"/>
+            <a:gd name="vf" fmla="val 115470"/>
+          </a:avLst>
+        </a:prstGeom>
+        <a:solidFill>
+          <a:schemeClr val="accent5">
+            <a:hueOff val="0"/>
+            <a:satOff val="0"/>
+            <a:lumOff val="0"/>
+            <a:alphaOff val="0"/>
+          </a:schemeClr>
+        </a:solidFill>
+        <a:ln w="12700" cap="flat" cmpd="sng" algn="ctr">
+          <a:solidFill>
+            <a:schemeClr val="lt1">
+              <a:hueOff val="0"/>
+              <a:satOff val="0"/>
+              <a:lumOff val="0"/>
+              <a:alphaOff val="0"/>
+            </a:schemeClr>
+          </a:solidFill>
+          <a:prstDash val="solid"/>
+          <a:miter lim="800000"/>
+        </a:ln>
+        <a:effectLst/>
+      </dsp:spPr>
+      <dsp:style>
+        <a:lnRef idx="2">
+          <a:scrgbClr r="0" g="0" b="0"/>
+        </a:lnRef>
+        <a:fillRef idx="1">
+          <a:scrgbClr r="0" g="0" b="0"/>
+        </a:fillRef>
+        <a:effectRef idx="0">
+          <a:scrgbClr r="0" g="0" b="0"/>
+        </a:effectRef>
+        <a:fontRef idx="minor">
+          <a:schemeClr val="lt1"/>
+        </a:fontRef>
+      </dsp:style>
+      <dsp:txBody>
+        <a:bodyPr spcFirstLastPara="0" vert="horz" wrap="square" lIns="0" tIns="0" rIns="0" bIns="0" numCol="1" spcCol="1270" anchor="ctr" anchorCtr="0">
+          <a:noAutofit/>
+        </a:bodyPr>
+        <a:lstStyle/>
+        <a:p>
+          <a:pPr lvl="0" algn="ctr" defTabSz="1600200">
+            <a:lnSpc>
+              <a:spcPct val="90000"/>
+            </a:lnSpc>
+            <a:spcBef>
+              <a:spcPct val="0"/>
+            </a:spcBef>
+            <a:spcAft>
+              <a:spcPct val="35000"/>
+            </a:spcAft>
+          </a:pPr>
+          <a:r>
+            <a:rPr lang="zh-CN" altLang="en-US" sz="3600" kern="1200" dirty="0" smtClean="0"/>
+            <a:t>用户</a:t>
+          </a:r>
+          <a:endParaRPr lang="zh-CN" altLang="en-US" sz="3600" kern="1200" dirty="0"/>
+        </a:p>
+      </dsp:txBody>
+      <dsp:txXfrm rot="-5400000">
+        <a:off x="3711525" y="1641307"/>
+        <a:ext cx="977455" cy="1123512"/>
+      </dsp:txXfrm>
+    </dsp:sp>
+    <dsp:sp modelId="{E89657F4-F7F6-42BE-B5AB-E2D580F3CAD6}">
+      <dsp:nvSpPr>
+        <dsp:cNvPr id="0" name=""/>
+        <dsp:cNvSpPr/>
+      </dsp:nvSpPr>
+      <dsp:spPr>
+        <a:xfrm rot="5400000">
+          <a:off x="2620264" y="2878475"/>
+          <a:ext cx="1632220" cy="1420031"/>
+        </a:xfrm>
+        <a:prstGeom prst="hexagon">
+          <a:avLst>
+            <a:gd name="adj" fmla="val 25000"/>
+            <a:gd name="vf" fmla="val 115470"/>
+          </a:avLst>
+        </a:prstGeom>
+        <a:solidFill>
+          <a:schemeClr val="accent6">
+            <a:hueOff val="0"/>
+            <a:satOff val="0"/>
+            <a:lumOff val="0"/>
+            <a:alphaOff val="0"/>
+          </a:schemeClr>
+        </a:solidFill>
+        <a:ln w="12700" cap="flat" cmpd="sng" algn="ctr">
+          <a:solidFill>
+            <a:schemeClr val="lt1">
+              <a:hueOff val="0"/>
+              <a:satOff val="0"/>
+              <a:lumOff val="0"/>
+              <a:alphaOff val="0"/>
+            </a:schemeClr>
+          </a:solidFill>
+          <a:prstDash val="solid"/>
+          <a:miter lim="800000"/>
+        </a:ln>
+        <a:effectLst/>
+      </dsp:spPr>
+      <dsp:style>
+        <a:lnRef idx="2">
+          <a:scrgbClr r="0" g="0" b="0"/>
+        </a:lnRef>
+        <a:fillRef idx="1">
+          <a:scrgbClr r="0" g="0" b="0"/>
+        </a:fillRef>
+        <a:effectRef idx="0">
+          <a:scrgbClr r="0" g="0" b="0"/>
+        </a:effectRef>
+        <a:fontRef idx="minor">
+          <a:schemeClr val="lt1"/>
+        </a:fontRef>
+      </dsp:style>
+      <dsp:txBody>
+        <a:bodyPr spcFirstLastPara="0" vert="horz" wrap="square" lIns="110490" tIns="110490" rIns="110490" bIns="110490" numCol="1" spcCol="1270" anchor="ctr" anchorCtr="0">
+          <a:noAutofit/>
+        </a:bodyPr>
+        <a:lstStyle/>
+        <a:p>
+          <a:pPr lvl="0" algn="ctr" defTabSz="1289050">
+            <a:lnSpc>
+              <a:spcPct val="90000"/>
+            </a:lnSpc>
+            <a:spcBef>
+              <a:spcPct val="0"/>
+            </a:spcBef>
+            <a:spcAft>
+              <a:spcPct val="35000"/>
+            </a:spcAft>
+          </a:pPr>
+          <a:r>
+            <a:rPr lang="zh-CN" altLang="en-US" sz="2900" kern="1200" dirty="0" smtClean="0"/>
+            <a:t>压缩包</a:t>
+          </a:r>
+          <a:endParaRPr lang="zh-CN" altLang="en-US" sz="2900" kern="1200" dirty="0"/>
+        </a:p>
+      </dsp:txBody>
+      <dsp:txXfrm rot="-5400000">
+        <a:off x="2947646" y="3026735"/>
+        <a:ext cx="977455" cy="1123512"/>
+      </dsp:txXfrm>
+    </dsp:sp>
+    <dsp:sp modelId="{9BE23E12-7F25-4A13-8EE5-27EF9331C449}">
+      <dsp:nvSpPr>
+        <dsp:cNvPr id="0" name=""/>
+        <dsp:cNvSpPr/>
+      </dsp:nvSpPr>
+      <dsp:spPr>
+        <a:xfrm>
+          <a:off x="4189481" y="3098825"/>
+          <a:ext cx="1821557" cy="979332"/>
+        </a:xfrm>
+        <a:prstGeom prst="rect">
+          <a:avLst/>
+        </a:prstGeom>
+        <a:noFill/>
+        <a:ln>
+          <a:noFill/>
+        </a:ln>
+        <a:effectLst/>
+      </dsp:spPr>
+      <dsp:style>
+        <a:lnRef idx="0">
+          <a:scrgbClr r="0" g="0" b="0"/>
+        </a:lnRef>
+        <a:fillRef idx="0">
+          <a:scrgbClr r="0" g="0" b="0"/>
+        </a:fillRef>
+        <a:effectRef idx="0">
+          <a:scrgbClr r="0" g="0" b="0"/>
+        </a:effectRef>
+        <a:fontRef idx="minor"/>
+      </dsp:style>
+      <dsp:txBody>
+        <a:bodyPr spcFirstLastPara="0" vert="horz" wrap="square" lIns="68580" tIns="68580" rIns="68580" bIns="68580" numCol="1" spcCol="1270" anchor="ctr" anchorCtr="0">
+          <a:noAutofit/>
+        </a:bodyPr>
+        <a:lstStyle/>
+        <a:p>
+          <a:pPr lvl="0" algn="l" defTabSz="800100">
+            <a:lnSpc>
+              <a:spcPct val="90000"/>
+            </a:lnSpc>
+            <a:spcBef>
+              <a:spcPct val="0"/>
+            </a:spcBef>
+            <a:spcAft>
+              <a:spcPct val="35000"/>
+            </a:spcAft>
+          </a:pPr>
+          <a:r>
+            <a:rPr lang="zh-CN" altLang="en-US" sz="1800" kern="1200" dirty="0" smtClean="0"/>
+            <a:t>压缩包就直接上传无用户限制</a:t>
+          </a:r>
+          <a:endParaRPr lang="zh-CN" altLang="en-US" sz="1800" kern="1200" dirty="0"/>
+        </a:p>
+      </dsp:txBody>
+      <dsp:txXfrm>
+        <a:off x="4189481" y="3098825"/>
+        <a:ext cx="1821557" cy="979332"/>
+      </dsp:txXfrm>
+    </dsp:sp>
+    <dsp:sp modelId="{9F441220-2A43-49BD-A274-6293139F677C}">
+      <dsp:nvSpPr>
+        <dsp:cNvPr id="0" name=""/>
+        <dsp:cNvSpPr/>
+      </dsp:nvSpPr>
+      <dsp:spPr>
+        <a:xfrm rot="5400000">
+          <a:off x="1086630" y="2878475"/>
+          <a:ext cx="1632220" cy="1420031"/>
+        </a:xfrm>
+        <a:prstGeom prst="hexagon">
+          <a:avLst>
+            <a:gd name="adj" fmla="val 25000"/>
+            <a:gd name="vf" fmla="val 115470"/>
+          </a:avLst>
+        </a:prstGeom>
+        <a:solidFill>
+          <a:schemeClr val="accent2">
+            <a:hueOff val="0"/>
+            <a:satOff val="0"/>
+            <a:lumOff val="0"/>
+            <a:alphaOff val="0"/>
+          </a:schemeClr>
+        </a:solidFill>
+        <a:ln w="12700" cap="flat" cmpd="sng" algn="ctr">
+          <a:solidFill>
+            <a:schemeClr val="lt1">
+              <a:hueOff val="0"/>
+              <a:satOff val="0"/>
+              <a:lumOff val="0"/>
+              <a:alphaOff val="0"/>
+            </a:schemeClr>
+          </a:solidFill>
+          <a:prstDash val="solid"/>
+          <a:miter lim="800000"/>
+        </a:ln>
+        <a:effectLst/>
+      </dsp:spPr>
+      <dsp:style>
+        <a:lnRef idx="2">
+          <a:scrgbClr r="0" g="0" b="0"/>
+        </a:lnRef>
+        <a:fillRef idx="1">
+          <a:scrgbClr r="0" g="0" b="0"/>
+        </a:fillRef>
+        <a:effectRef idx="0">
+          <a:scrgbClr r="0" g="0" b="0"/>
+        </a:effectRef>
+        <a:fontRef idx="minor">
+          <a:schemeClr val="lt1"/>
+        </a:fontRef>
+      </dsp:style>
+      <dsp:txBody>
+        <a:bodyPr spcFirstLastPara="0" vert="horz" wrap="square" lIns="0" tIns="0" rIns="0" bIns="0" numCol="1" spcCol="1270" anchor="ctr" anchorCtr="0">
+          <a:noAutofit/>
+        </a:bodyPr>
+        <a:lstStyle/>
+        <a:p>
+          <a:pPr lvl="0" algn="ctr" defTabSz="1600200">
+            <a:lnSpc>
+              <a:spcPct val="90000"/>
+            </a:lnSpc>
+            <a:spcBef>
+              <a:spcPct val="0"/>
+            </a:spcBef>
+            <a:spcAft>
+              <a:spcPct val="35000"/>
+            </a:spcAft>
+          </a:pPr>
+          <a:r>
+            <a:rPr lang="zh-CN" altLang="en-US" sz="3600" kern="1200" dirty="0" smtClean="0"/>
+            <a:t>视频</a:t>
+          </a:r>
+          <a:endParaRPr lang="zh-CN" altLang="en-US" sz="3600" kern="1200" dirty="0"/>
+        </a:p>
+      </dsp:txBody>
+      <dsp:txXfrm rot="-5400000">
+        <a:off x="1414012" y="3026735"/>
+        <a:ext cx="977455" cy="1123512"/>
       </dsp:txXfrm>
     </dsp:sp>
   </dsp:spTree>
@@ -13827,6 +16225,361 @@
 </dgm:layoutDef>
 </file>
 
+<file path=ppt/diagrams/layout7.xml><?xml version="1.0" encoding="utf-8"?>
+<dgm:layoutDef xmlns:dgm="http://schemas.openxmlformats.org/drawingml/2006/diagram" xmlns:a="http://schemas.openxmlformats.org/drawingml/2006/main" uniqueId="urn:microsoft.com/office/officeart/2008/layout/AlternatingHexagons">
+  <dgm:title val=""/>
+  <dgm:desc val=""/>
+  <dgm:catLst>
+    <dgm:cat type="list" pri="1500"/>
+  </dgm:catLst>
+  <dgm:sampData>
+    <dgm:dataModel>
+      <dgm:ptLst>
+        <dgm:pt modelId="0" type="doc"/>
+        <dgm:pt modelId="10">
+          <dgm:prSet phldr="1"/>
+        </dgm:pt>
+        <dgm:pt modelId="11">
+          <dgm:prSet phldr="1"/>
+        </dgm:pt>
+        <dgm:pt modelId="20">
+          <dgm:prSet phldr="1"/>
+        </dgm:pt>
+        <dgm:pt modelId="21">
+          <dgm:prSet phldr="1"/>
+        </dgm:pt>
+        <dgm:pt modelId="30">
+          <dgm:prSet phldr="1"/>
+        </dgm:pt>
+        <dgm:pt modelId="31">
+          <dgm:prSet phldr="1"/>
+        </dgm:pt>
+      </dgm:ptLst>
+      <dgm:cxnLst>
+        <dgm:cxn modelId="40" srcId="0" destId="10" srcOrd="0" destOrd="0"/>
+        <dgm:cxn modelId="12" srcId="10" destId="11" srcOrd="0" destOrd="0"/>
+        <dgm:cxn modelId="50" srcId="0" destId="20" srcOrd="1" destOrd="0"/>
+        <dgm:cxn modelId="22" srcId="20" destId="21" srcOrd="0" destOrd="0"/>
+        <dgm:cxn modelId="60" srcId="0" destId="30" srcOrd="1" destOrd="0"/>
+        <dgm:cxn modelId="32" srcId="30" destId="31" srcOrd="0" destOrd="0"/>
+      </dgm:cxnLst>
+      <dgm:bg/>
+      <dgm:whole/>
+    </dgm:dataModel>
+  </dgm:sampData>
+  <dgm:styleData>
+    <dgm:dataModel>
+      <dgm:ptLst>
+        <dgm:pt modelId="0" type="doc"/>
+        <dgm:pt modelId="10">
+          <dgm:prSet phldr="1"/>
+        </dgm:pt>
+        <dgm:pt modelId="20">
+          <dgm:prSet phldr="1"/>
+        </dgm:pt>
+      </dgm:ptLst>
+      <dgm:cxnLst>
+        <dgm:cxn modelId="60" srcId="0" destId="10" srcOrd="0" destOrd="0"/>
+        <dgm:cxn modelId="70" srcId="0" destId="20" srcOrd="1" destOrd="0"/>
+      </dgm:cxnLst>
+      <dgm:bg/>
+      <dgm:whole/>
+    </dgm:dataModel>
+  </dgm:styleData>
+  <dgm:clrData>
+    <dgm:dataModel>
+      <dgm:ptLst>
+        <dgm:pt modelId="0" type="doc"/>
+        <dgm:pt modelId="10">
+          <dgm:prSet phldr="1"/>
+        </dgm:pt>
+        <dgm:pt modelId="20">
+          <dgm:prSet phldr="1"/>
+        </dgm:pt>
+        <dgm:pt modelId="30">
+          <dgm:prSet phldr="1"/>
+        </dgm:pt>
+        <dgm:pt modelId="40">
+          <dgm:prSet phldr="1"/>
+        </dgm:pt>
+      </dgm:ptLst>
+      <dgm:cxnLst>
+        <dgm:cxn modelId="60" srcId="0" destId="10" srcOrd="0" destOrd="0"/>
+        <dgm:cxn modelId="70" srcId="0" destId="20" srcOrd="1" destOrd="0"/>
+        <dgm:cxn modelId="80" srcId="0" destId="30" srcOrd="2" destOrd="0"/>
+        <dgm:cxn modelId="90" srcId="0" destId="40" srcOrd="3" destOrd="0"/>
+      </dgm:cxnLst>
+      <dgm:bg/>
+      <dgm:whole/>
+    </dgm:dataModel>
+  </dgm:clrData>
+  <dgm:layoutNode name="Name0">
+    <dgm:varLst>
+      <dgm:chMax/>
+      <dgm:chPref/>
+      <dgm:dir/>
+      <dgm:animLvl val="lvl"/>
+    </dgm:varLst>
+    <dgm:alg type="lin">
+      <dgm:param type="linDir" val="fromT"/>
+    </dgm:alg>
+    <dgm:shape xmlns:r="http://schemas.openxmlformats.org/officeDocument/2006/relationships" r:blip="">
+      <dgm:adjLst/>
+    </dgm:shape>
+    <dgm:constrLst>
+      <dgm:constr type="primFontSz" for="des" forName="Parent1" val="65"/>
+      <dgm:constr type="primFontSz" for="des" forName="Childtext1" refType="primFontSz" refFor="des" refForName="Parent1" op="lte"/>
+      <dgm:constr type="w" for="ch" forName="composite" refType="w"/>
+      <dgm:constr type="h" for="ch" forName="composite" refType="h"/>
+      <dgm:constr type="h" for="ch" forName="spaceBetweenRectangles" refType="w" refFor="ch" refForName="composite" fact="-0.042"/>
+      <dgm:constr type="sp" refType="h" refFor="ch" refForName="composite" op="equ" fact="0.1"/>
+    </dgm:constrLst>
+    <dgm:forEach name="nodesForEach" axis="ch" ptType="node">
+      <dgm:layoutNode name="composite">
+        <dgm:alg type="composite">
+          <dgm:param type="ar" val="3.6"/>
+        </dgm:alg>
+        <dgm:shape xmlns:r="http://schemas.openxmlformats.org/officeDocument/2006/relationships" r:blip="">
+          <dgm:adjLst/>
+        </dgm:shape>
+        <dgm:choose name="Name1">
+          <dgm:if name="Name2" func="var" arg="dir" op="equ" val="norm">
+            <dgm:choose name="Name3">
+              <dgm:if name="Name4" axis="self" ptType="node" func="posOdd" op="equ" val="1">
+                <dgm:constrLst>
+                  <dgm:constr type="l" for="ch" forName="Accent1" refType="w" fact="0.18"/>
+                  <dgm:constr type="t" for="ch" forName="Accent1" refType="h" fact="0"/>
+                  <dgm:constr type="h" for="ch" forName="Accent1" refType="h"/>
+                  <dgm:constr type="w" for="ch" forName="Accent1" refType="h" fact="0.87"/>
+                  <dgm:constr type="l" for="ch" forName="Accent1Text" refType="w" fact="0.18"/>
+                  <dgm:constr type="t" for="ch" forName="Accent1Text" refType="h" fact="0"/>
+                  <dgm:constr type="h" for="ch" forName="Accent1Text" refType="h"/>
+                  <dgm:constr type="w" for="ch" forName="Accent1Text" refType="h" fact="0.87"/>
+                  <dgm:constr type="l" for="ch" forName="Parent1" refType="w" fact="0.441"/>
+                  <dgm:constr type="t" for="ch" forName="Parent1" refType="h" fact="0"/>
+                  <dgm:constr type="h" for="ch" forName="Parent1" refType="h"/>
+                  <dgm:constr type="w" for="ch" forName="Parent1" refType="h" fact="0.87"/>
+                  <dgm:constr type="l" for="ch" forName="Childtext1" refType="w" fact="0.69"/>
+                  <dgm:constr type="t" for="ch" forName="Childtext1" refType="h" fact="0.2"/>
+                  <dgm:constr type="w" for="ch" forName="Childtext1" refType="w" fact="0.31"/>
+                  <dgm:constr type="h" for="ch" forName="Childtext1" refType="h" fact="0.6"/>
+                  <dgm:constr type="l" for="ch" forName="BalanceSpacing" refType="w" fact="0"/>
+                  <dgm:constr type="t" for="ch" forName="BalanceSpacing" refType="h" fact="0"/>
+                  <dgm:constr type="w" for="ch" forName="BalanceSpacing" refType="w"/>
+                  <dgm:constr type="h" for="ch" forName="BalanceSpacing" refType="h" fact="0.1"/>
+                  <dgm:constr type="l" for="ch" forName="BalanceSpacing1" refType="w" fact="0.69"/>
+                  <dgm:constr type="t" for="ch" forName="BalanceSpacing1" refType="h" fact="0.2"/>
+                  <dgm:constr type="w" for="ch" forName="BalanceSpacing1" refType="w" fact="0.31"/>
+                  <dgm:constr type="h" for="ch" forName="BalanceSpacing1" refType="h" fact="0.6"/>
+                </dgm:constrLst>
+              </dgm:if>
+              <dgm:else name="Name5">
+                <dgm:constrLst>
+                  <dgm:constr type="l" for="ch" forName="Accent1" refType="w" fact="0.571"/>
+                  <dgm:constr type="t" for="ch" forName="Accent1" refType="h" fact="0"/>
+                  <dgm:constr type="h" for="ch" forName="Accent1" refType="h"/>
+                  <dgm:constr type="w" for="ch" forName="Accent1" refType="h" fact="0.87"/>
+                  <dgm:constr type="l" for="ch" forName="Accent1Text" refType="w" fact="0.571"/>
+                  <dgm:constr type="t" for="ch" forName="Accent1Text" refType="h" fact="0"/>
+                  <dgm:constr type="h" for="ch" forName="Accent1Text" refType="h"/>
+                  <dgm:constr type="w" for="ch" forName="Accent1Text" refType="h" fact="0.87"/>
+                  <dgm:constr type="l" for="ch" forName="Parent1" refType="w" fact="0.31"/>
+                  <dgm:constr type="t" for="ch" forName="Parent1" refType="h" fact="0"/>
+                  <dgm:constr type="h" for="ch" forName="Parent1" refType="h"/>
+                  <dgm:constr type="w" for="ch" forName="Parent1" refType="h" fact="0.87"/>
+                  <dgm:constr type="l" for="ch" forName="Childtext1" refType="w" fact="0"/>
+                  <dgm:constr type="t" for="ch" forName="Childtext1" refType="h" fact="0.2"/>
+                  <dgm:constr type="w" for="ch" forName="Childtext1" refType="w" fact="0.3"/>
+                  <dgm:constr type="h" for="ch" forName="Childtext1" refType="h" fact="0.6"/>
+                  <dgm:constr type="l" for="ch" forName="BalanceSpacing" refType="w" fact="0.82"/>
+                  <dgm:constr type="t" for="ch" forName="BalanceSpacing" refType="h" fact="0"/>
+                  <dgm:constr type="w" for="ch" forName="BalanceSpacing" refType="w" fact="0.18"/>
+                  <dgm:constr type="h" for="ch" forName="BalanceSpacing" refType="h"/>
+                  <dgm:constr type="l" for="ch" forName="BalanceSpacing1" refType="w" fact="0"/>
+                  <dgm:constr type="t" for="ch" forName="BalanceSpacing1" refType="h" fact="0.2"/>
+                  <dgm:constr type="w" for="ch" forName="BalanceSpacing1" refType="w" fact="0.3"/>
+                  <dgm:constr type="h" for="ch" forName="BalanceSpacing1" refType="h" fact="0.6"/>
+                </dgm:constrLst>
+              </dgm:else>
+            </dgm:choose>
+          </dgm:if>
+          <dgm:else name="Name6">
+            <dgm:choose name="Name7">
+              <dgm:if name="Name8" axis="self" ptType="node" func="posOdd" op="equ" val="1">
+                <dgm:constrLst>
+                  <dgm:constr type="l" for="ch" forName="Accent1" refType="w" fact="0.571"/>
+                  <dgm:constr type="t" for="ch" forName="Accent1" refType="h" fact="0"/>
+                  <dgm:constr type="h" for="ch" forName="Accent1" refType="h"/>
+                  <dgm:constr type="w" for="ch" forName="Accent1" refType="h" fact="0.87"/>
+                  <dgm:constr type="l" for="ch" forName="Accent1Text" refType="w" fact="0.571"/>
+                  <dgm:constr type="t" for="ch" forName="Accent1Text" refType="h" fact="0"/>
+                  <dgm:constr type="h" for="ch" forName="Accent1Text" refType="h"/>
+                  <dgm:constr type="w" for="ch" forName="Accent1Text" refType="h" fact="0.87"/>
+                  <dgm:constr type="l" for="ch" forName="Parent1" refType="w" fact="0.31"/>
+                  <dgm:constr type="t" for="ch" forName="Parent1" refType="h" fact="0"/>
+                  <dgm:constr type="h" for="ch" forName="Parent1" refType="h"/>
+                  <dgm:constr type="w" for="ch" forName="Parent1" refType="h" fact="0.87"/>
+                  <dgm:constr type="l" for="ch" forName="Childtext1" refType="w" fact="0"/>
+                  <dgm:constr type="t" for="ch" forName="Childtext1" refType="h" fact="0.2"/>
+                  <dgm:constr type="w" for="ch" forName="Childtext1" refType="w" fact="0.3"/>
+                  <dgm:constr type="h" for="ch" forName="Childtext1" refType="h" fact="0.6"/>
+                  <dgm:constr type="l" for="ch" forName="BalanceSpacing" refType="w" fact="0.82"/>
+                  <dgm:constr type="t" for="ch" forName="BalanceSpacing" refType="h" fact="0"/>
+                  <dgm:constr type="w" for="ch" forName="BalanceSpacing" refType="w" fact="0.18"/>
+                  <dgm:constr type="h" for="ch" forName="BalanceSpacing" refType="h"/>
+                </dgm:constrLst>
+              </dgm:if>
+              <dgm:else name="Name9">
+                <dgm:constrLst>
+                  <dgm:constr type="l" for="ch" forName="Accent1" refType="w" fact="0.18"/>
+                  <dgm:constr type="t" for="ch" forName="Accent1" refType="h" fact="0"/>
+                  <dgm:constr type="h" for="ch" forName="Accent1" refType="h"/>
+                  <dgm:constr type="w" for="ch" forName="Accent1" refType="h" fact="0.87"/>
+                  <dgm:constr type="l" for="ch" forName="Accent1Text" refType="w" fact="0.18"/>
+                  <dgm:constr type="t" for="ch" forName="Accent1Text" refType="h" fact="0"/>
+                  <dgm:constr type="h" for="ch" forName="Accent1Text" refType="h"/>
+                  <dgm:constr type="w" for="ch" forName="Accent1Text" refType="h" fact="0.87"/>
+                  <dgm:constr type="l" for="ch" forName="Parent1" refType="w" fact="0.441"/>
+                  <dgm:constr type="t" for="ch" forName="Parent1" refType="h" fact="0"/>
+                  <dgm:constr type="h" for="ch" forName="Parent1" refType="h"/>
+                  <dgm:constr type="w" for="ch" forName="Parent1" refType="h" fact="0.87"/>
+                  <dgm:constr type="l" for="ch" forName="Childtext1" refType="w" fact="0.69"/>
+                  <dgm:constr type="t" for="ch" forName="Childtext1" refType="h" fact="0.2"/>
+                  <dgm:constr type="w" for="ch" forName="Childtext1" refType="w" fact="0.31"/>
+                  <dgm:constr type="h" for="ch" forName="Childtext1" refType="h" fact="0.6"/>
+                  <dgm:constr type="l" for="ch" forName="BalanceSpacing" refType="w" fact="0"/>
+                  <dgm:constr type="t" for="ch" forName="BalanceSpacing" refType="h" fact="0"/>
+                  <dgm:constr type="w" for="ch" forName="BalanceSpacing" refType="w" fact="0.18"/>
+                  <dgm:constr type="h" for="ch" forName="BalanceSpacing" refType="h"/>
+                </dgm:constrLst>
+              </dgm:else>
+            </dgm:choose>
+          </dgm:else>
+        </dgm:choose>
+        <dgm:layoutNode name="Parent1" styleLbl="node1">
+          <dgm:varLst>
+            <dgm:chMax val="1"/>
+            <dgm:chPref val="1"/>
+            <dgm:bulletEnabled val="1"/>
+          </dgm:varLst>
+          <dgm:alg type="tx"/>
+          <dgm:shape xmlns:r="http://schemas.openxmlformats.org/officeDocument/2006/relationships" rot="90" type="hexagon" r:blip="">
+            <dgm:adjLst>
+              <dgm:adj idx="1" val="0.25"/>
+              <dgm:adj idx="2" val="1.1547"/>
+            </dgm:adjLst>
+          </dgm:shape>
+          <dgm:presOf axis="self" ptType="node"/>
+          <dgm:constrLst>
+            <dgm:constr type="lMarg" refType="primFontSz" fact="0.3"/>
+            <dgm:constr type="rMarg" refType="primFontSz" fact="0.3"/>
+            <dgm:constr type="tMarg" refType="primFontSz" fact="0.3"/>
+            <dgm:constr type="bMarg" refType="primFontSz" fact="0.3"/>
+          </dgm:constrLst>
+          <dgm:ruleLst>
+            <dgm:rule type="primFontSz" val="5" fact="NaN" max="NaN"/>
+          </dgm:ruleLst>
+        </dgm:layoutNode>
+        <dgm:layoutNode name="Childtext1" styleLbl="revTx">
+          <dgm:varLst>
+            <dgm:chMax val="0"/>
+            <dgm:chPref val="0"/>
+            <dgm:bulletEnabled val="1"/>
+          </dgm:varLst>
+          <dgm:choose name="Name10">
+            <dgm:if name="Name11" func="var" arg="dir" op="equ" val="norm">
+              <dgm:choose name="Name12">
+                <dgm:if name="Name13" axis="self" ptType="node" func="posOdd" op="equ" val="1">
+                  <dgm:alg type="tx">
+                    <dgm:param type="parTxLTRAlign" val="l"/>
+                  </dgm:alg>
+                </dgm:if>
+                <dgm:else name="Name14">
+                  <dgm:alg type="tx">
+                    <dgm:param type="parTxLTRAlign" val="r"/>
+                  </dgm:alg>
+                </dgm:else>
+              </dgm:choose>
+            </dgm:if>
+            <dgm:else name="Name15">
+              <dgm:choose name="Name16">
+                <dgm:if name="Name17" axis="self" ptType="node" func="posOdd" op="equ" val="1">
+                  <dgm:alg type="tx">
+                    <dgm:param type="parTxLTRAlign" val="r"/>
+                  </dgm:alg>
+                </dgm:if>
+                <dgm:else name="Name18">
+                  <dgm:alg type="tx">
+                    <dgm:param type="parTxLTRAlign" val="l"/>
+                  </dgm:alg>
+                </dgm:else>
+              </dgm:choose>
+            </dgm:else>
+          </dgm:choose>
+          <dgm:shape xmlns:r="http://schemas.openxmlformats.org/officeDocument/2006/relationships" type="rect" r:blip="">
+            <dgm:adjLst/>
+          </dgm:shape>
+          <dgm:presOf axis="des" ptType="node"/>
+          <dgm:constrLst>
+            <dgm:constr type="lMarg" refType="primFontSz" fact="0.3"/>
+            <dgm:constr type="rMarg" refType="primFontSz" fact="0.3"/>
+            <dgm:constr type="tMarg" refType="primFontSz" fact="0.3"/>
+            <dgm:constr type="bMarg" refType="primFontSz" fact="0.3"/>
+          </dgm:constrLst>
+          <dgm:ruleLst>
+            <dgm:rule type="primFontSz" val="5" fact="NaN" max="NaN"/>
+          </dgm:ruleLst>
+        </dgm:layoutNode>
+        <dgm:layoutNode name="BalanceSpacing">
+          <dgm:alg type="sp"/>
+          <dgm:shape xmlns:r="http://schemas.openxmlformats.org/officeDocument/2006/relationships" r:blip="">
+            <dgm:adjLst/>
+          </dgm:shape>
+        </dgm:layoutNode>
+        <dgm:layoutNode name="BalanceSpacing1">
+          <dgm:alg type="sp"/>
+          <dgm:shape xmlns:r="http://schemas.openxmlformats.org/officeDocument/2006/relationships" r:blip="">
+            <dgm:adjLst/>
+          </dgm:shape>
+        </dgm:layoutNode>
+        <dgm:forEach name="Name19" axis="followSib" ptType="sibTrans" hideLastTrans="0" cnt="1">
+          <dgm:layoutNode name="Accent1Text" styleLbl="node1">
+            <dgm:alg type="tx"/>
+            <dgm:shape xmlns:r="http://schemas.openxmlformats.org/officeDocument/2006/relationships" rot="90" type="hexagon" r:blip="">
+              <dgm:adjLst>
+                <dgm:adj idx="1" val="0.25"/>
+                <dgm:adj idx="2" val="1.1547"/>
+              </dgm:adjLst>
+            </dgm:shape>
+            <dgm:presOf axis="self" ptType="sibTrans"/>
+            <dgm:constrLst>
+              <dgm:constr type="lMarg"/>
+              <dgm:constr type="rMarg"/>
+              <dgm:constr type="tMarg"/>
+              <dgm:constr type="bMarg"/>
+            </dgm:constrLst>
+            <dgm:ruleLst>
+              <dgm:rule type="primFontSz" val="5" fact="NaN" max="NaN"/>
+            </dgm:ruleLst>
+          </dgm:layoutNode>
+        </dgm:forEach>
+      </dgm:layoutNode>
+      <dgm:forEach name="Name20" axis="followSib" ptType="sibTrans" cnt="1">
+        <dgm:layoutNode name="spaceBetweenRectangles">
+          <dgm:alg type="sp"/>
+          <dgm:shape xmlns:r="http://schemas.openxmlformats.org/officeDocument/2006/relationships" r:blip="">
+            <dgm:adjLst/>
+          </dgm:shape>
+          <dgm:presOf/>
+          <dgm:constrLst/>
+          <dgm:ruleLst/>
+        </dgm:layoutNode>
+      </dgm:forEach>
+    </dgm:forEach>
+  </dgm:layoutNode>
+</dgm:layoutDef>
+</file>
+
 <file path=ppt/diagrams/quickStyle1.xml><?xml version="1.0" encoding="utf-8"?>
 <dgm:styleDef xmlns:dgm="http://schemas.openxmlformats.org/drawingml/2006/diagram" xmlns:a="http://schemas.openxmlformats.org/drawingml/2006/main" uniqueId="urn:microsoft.com/office/officeart/2005/8/quickstyle/simple1">
   <dgm:title val=""/>
@@ -18998,6 +21751,1040 @@
 </file>
 
 <file path=ppt/diagrams/quickStyle6.xml><?xml version="1.0" encoding="utf-8"?>
+<dgm:styleDef xmlns:dgm="http://schemas.openxmlformats.org/drawingml/2006/diagram" xmlns:a="http://schemas.openxmlformats.org/drawingml/2006/main" uniqueId="urn:microsoft.com/office/officeart/2005/8/quickstyle/simple1">
+  <dgm:title val=""/>
+  <dgm:desc val=""/>
+  <dgm:catLst>
+    <dgm:cat type="simple" pri="10100"/>
+  </dgm:catLst>
+  <dgm:scene3d>
+    <a:camera prst="orthographicFront"/>
+    <a:lightRig rig="threePt" dir="t"/>
+  </dgm:scene3d>
+  <dgm:styleLbl name="node0">
+    <dgm:scene3d>
+      <a:camera prst="orthographicFront"/>
+      <a:lightRig rig="threePt" dir="t"/>
+    </dgm:scene3d>
+    <dgm:sp3d/>
+    <dgm:txPr/>
+    <dgm:style>
+      <a:lnRef idx="2">
+        <a:scrgbClr r="0" g="0" b="0"/>
+      </a:lnRef>
+      <a:fillRef idx="1">
+        <a:scrgbClr r="0" g="0" b="0"/>
+      </a:fillRef>
+      <a:effectRef idx="0">
+        <a:scrgbClr r="0" g="0" b="0"/>
+      </a:effectRef>
+      <a:fontRef idx="minor">
+        <a:schemeClr val="lt1"/>
+      </a:fontRef>
+    </dgm:style>
+  </dgm:styleLbl>
+  <dgm:styleLbl name="lnNode1">
+    <dgm:scene3d>
+      <a:camera prst="orthographicFront"/>
+      <a:lightRig rig="threePt" dir="t"/>
+    </dgm:scene3d>
+    <dgm:sp3d/>
+    <dgm:txPr/>
+    <dgm:style>
+      <a:lnRef idx="2">
+        <a:scrgbClr r="0" g="0" b="0"/>
+      </a:lnRef>
+      <a:fillRef idx="1">
+        <a:scrgbClr r="0" g="0" b="0"/>
+      </a:fillRef>
+      <a:effectRef idx="0">
+        <a:scrgbClr r="0" g="0" b="0"/>
+      </a:effectRef>
+      <a:fontRef idx="minor">
+        <a:schemeClr val="lt1"/>
+      </a:fontRef>
+    </dgm:style>
+  </dgm:styleLbl>
+  <dgm:styleLbl name="vennNode1">
+    <dgm:scene3d>
+      <a:camera prst="orthographicFront"/>
+      <a:lightRig rig="threePt" dir="t"/>
+    </dgm:scene3d>
+    <dgm:sp3d/>
+    <dgm:txPr/>
+    <dgm:style>
+      <a:lnRef idx="2">
+        <a:scrgbClr r="0" g="0" b="0"/>
+      </a:lnRef>
+      <a:fillRef idx="1">
+        <a:scrgbClr r="0" g="0" b="0"/>
+      </a:fillRef>
+      <a:effectRef idx="0">
+        <a:scrgbClr r="0" g="0" b="0"/>
+      </a:effectRef>
+      <a:fontRef idx="minor">
+        <a:schemeClr val="tx1"/>
+      </a:fontRef>
+    </dgm:style>
+  </dgm:styleLbl>
+  <dgm:styleLbl name="alignNode1">
+    <dgm:scene3d>
+      <a:camera prst="orthographicFront"/>
+      <a:lightRig rig="threePt" dir="t"/>
+    </dgm:scene3d>
+    <dgm:sp3d/>
+    <dgm:txPr/>
+    <dgm:style>
+      <a:lnRef idx="2">
+        <a:scrgbClr r="0" g="0" b="0"/>
+      </a:lnRef>
+      <a:fillRef idx="1">
+        <a:scrgbClr r="0" g="0" b="0"/>
+      </a:fillRef>
+      <a:effectRef idx="0">
+        <a:scrgbClr r="0" g="0" b="0"/>
+      </a:effectRef>
+      <a:fontRef idx="minor">
+        <a:schemeClr val="lt1"/>
+      </a:fontRef>
+    </dgm:style>
+  </dgm:styleLbl>
+  <dgm:styleLbl name="node1">
+    <dgm:scene3d>
+      <a:camera prst="orthographicFront"/>
+      <a:lightRig rig="threePt" dir="t"/>
+    </dgm:scene3d>
+    <dgm:sp3d/>
+    <dgm:txPr/>
+    <dgm:style>
+      <a:lnRef idx="2">
+        <a:scrgbClr r="0" g="0" b="0"/>
+      </a:lnRef>
+      <a:fillRef idx="1">
+        <a:scrgbClr r="0" g="0" b="0"/>
+      </a:fillRef>
+      <a:effectRef idx="0">
+        <a:scrgbClr r="0" g="0" b="0"/>
+      </a:effectRef>
+      <a:fontRef idx="minor">
+        <a:schemeClr val="lt1"/>
+      </a:fontRef>
+    </dgm:style>
+  </dgm:styleLbl>
+  <dgm:styleLbl name="node2">
+    <dgm:scene3d>
+      <a:camera prst="orthographicFront"/>
+      <a:lightRig rig="threePt" dir="t"/>
+    </dgm:scene3d>
+    <dgm:sp3d/>
+    <dgm:txPr/>
+    <dgm:style>
+      <a:lnRef idx="2">
+        <a:scrgbClr r="0" g="0" b="0"/>
+      </a:lnRef>
+      <a:fillRef idx="1">
+        <a:scrgbClr r="0" g="0" b="0"/>
+      </a:fillRef>
+      <a:effectRef idx="0">
+        <a:scrgbClr r="0" g="0" b="0"/>
+      </a:effectRef>
+      <a:fontRef idx="minor">
+        <a:schemeClr val="lt1"/>
+      </a:fontRef>
+    </dgm:style>
+  </dgm:styleLbl>
+  <dgm:styleLbl name="node3">
+    <dgm:scene3d>
+      <a:camera prst="orthographicFront"/>
+      <a:lightRig rig="threePt" dir="t"/>
+    </dgm:scene3d>
+    <dgm:sp3d/>
+    <dgm:txPr/>
+    <dgm:style>
+      <a:lnRef idx="2">
+        <a:scrgbClr r="0" g="0" b="0"/>
+      </a:lnRef>
+      <a:fillRef idx="1">
+        <a:scrgbClr r="0" g="0" b="0"/>
+      </a:fillRef>
+      <a:effectRef idx="0">
+        <a:scrgbClr r="0" g="0" b="0"/>
+      </a:effectRef>
+      <a:fontRef idx="minor">
+        <a:schemeClr val="lt1"/>
+      </a:fontRef>
+    </dgm:style>
+  </dgm:styleLbl>
+  <dgm:styleLbl name="node4">
+    <dgm:scene3d>
+      <a:camera prst="orthographicFront"/>
+      <a:lightRig rig="threePt" dir="t"/>
+    </dgm:scene3d>
+    <dgm:sp3d/>
+    <dgm:txPr/>
+    <dgm:style>
+      <a:lnRef idx="2">
+        <a:scrgbClr r="0" g="0" b="0"/>
+      </a:lnRef>
+      <a:fillRef idx="1">
+        <a:scrgbClr r="0" g="0" b="0"/>
+      </a:fillRef>
+      <a:effectRef idx="0">
+        <a:scrgbClr r="0" g="0" b="0"/>
+      </a:effectRef>
+      <a:fontRef idx="minor">
+        <a:schemeClr val="lt1"/>
+      </a:fontRef>
+    </dgm:style>
+  </dgm:styleLbl>
+  <dgm:styleLbl name="fgImgPlace1">
+    <dgm:scene3d>
+      <a:camera prst="orthographicFront"/>
+      <a:lightRig rig="threePt" dir="t"/>
+    </dgm:scene3d>
+    <dgm:sp3d/>
+    <dgm:txPr/>
+    <dgm:style>
+      <a:lnRef idx="2">
+        <a:scrgbClr r="0" g="0" b="0"/>
+      </a:lnRef>
+      <a:fillRef idx="1">
+        <a:scrgbClr r="0" g="0" b="0"/>
+      </a:fillRef>
+      <a:effectRef idx="0">
+        <a:scrgbClr r="0" g="0" b="0"/>
+      </a:effectRef>
+      <a:fontRef idx="minor"/>
+    </dgm:style>
+  </dgm:styleLbl>
+  <dgm:styleLbl name="alignImgPlace1">
+    <dgm:scene3d>
+      <a:camera prst="orthographicFront"/>
+      <a:lightRig rig="threePt" dir="t"/>
+    </dgm:scene3d>
+    <dgm:sp3d/>
+    <dgm:txPr/>
+    <dgm:style>
+      <a:lnRef idx="2">
+        <a:scrgbClr r="0" g="0" b="0"/>
+      </a:lnRef>
+      <a:fillRef idx="1">
+        <a:scrgbClr r="0" g="0" b="0"/>
+      </a:fillRef>
+      <a:effectRef idx="0">
+        <a:scrgbClr r="0" g="0" b="0"/>
+      </a:effectRef>
+      <a:fontRef idx="minor"/>
+    </dgm:style>
+  </dgm:styleLbl>
+  <dgm:styleLbl name="bgImgPlace1">
+    <dgm:scene3d>
+      <a:camera prst="orthographicFront"/>
+      <a:lightRig rig="threePt" dir="t"/>
+    </dgm:scene3d>
+    <dgm:sp3d/>
+    <dgm:txPr/>
+    <dgm:style>
+      <a:lnRef idx="2">
+        <a:scrgbClr r="0" g="0" b="0"/>
+      </a:lnRef>
+      <a:fillRef idx="1">
+        <a:scrgbClr r="0" g="0" b="0"/>
+      </a:fillRef>
+      <a:effectRef idx="0">
+        <a:scrgbClr r="0" g="0" b="0"/>
+      </a:effectRef>
+      <a:fontRef idx="minor"/>
+    </dgm:style>
+  </dgm:styleLbl>
+  <dgm:styleLbl name="sibTrans2D1">
+    <dgm:scene3d>
+      <a:camera prst="orthographicFront"/>
+      <a:lightRig rig="threePt" dir="t"/>
+    </dgm:scene3d>
+    <dgm:sp3d/>
+    <dgm:txPr/>
+    <dgm:style>
+      <a:lnRef idx="0">
+        <a:scrgbClr r="0" g="0" b="0"/>
+      </a:lnRef>
+      <a:fillRef idx="1">
+        <a:scrgbClr r="0" g="0" b="0"/>
+      </a:fillRef>
+      <a:effectRef idx="0">
+        <a:scrgbClr r="0" g="0" b="0"/>
+      </a:effectRef>
+      <a:fontRef idx="minor">
+        <a:schemeClr val="lt1"/>
+      </a:fontRef>
+    </dgm:style>
+  </dgm:styleLbl>
+  <dgm:styleLbl name="fgSibTrans2D1">
+    <dgm:scene3d>
+      <a:camera prst="orthographicFront"/>
+      <a:lightRig rig="threePt" dir="t"/>
+    </dgm:scene3d>
+    <dgm:sp3d/>
+    <dgm:txPr/>
+    <dgm:style>
+      <a:lnRef idx="0">
+        <a:scrgbClr r="0" g="0" b="0"/>
+      </a:lnRef>
+      <a:fillRef idx="1">
+        <a:scrgbClr r="0" g="0" b="0"/>
+      </a:fillRef>
+      <a:effectRef idx="0">
+        <a:scrgbClr r="0" g="0" b="0"/>
+      </a:effectRef>
+      <a:fontRef idx="minor">
+        <a:schemeClr val="lt1"/>
+      </a:fontRef>
+    </dgm:style>
+  </dgm:styleLbl>
+  <dgm:styleLbl name="bgSibTrans2D1">
+    <dgm:scene3d>
+      <a:camera prst="orthographicFront"/>
+      <a:lightRig rig="threePt" dir="t"/>
+    </dgm:scene3d>
+    <dgm:sp3d/>
+    <dgm:txPr/>
+    <dgm:style>
+      <a:lnRef idx="0">
+        <a:scrgbClr r="0" g="0" b="0"/>
+      </a:lnRef>
+      <a:fillRef idx="1">
+        <a:scrgbClr r="0" g="0" b="0"/>
+      </a:fillRef>
+      <a:effectRef idx="0">
+        <a:scrgbClr r="0" g="0" b="0"/>
+      </a:effectRef>
+      <a:fontRef idx="minor">
+        <a:schemeClr val="lt1"/>
+      </a:fontRef>
+    </dgm:style>
+  </dgm:styleLbl>
+  <dgm:styleLbl name="sibTrans1D1">
+    <dgm:scene3d>
+      <a:camera prst="orthographicFront"/>
+      <a:lightRig rig="threePt" dir="t"/>
+    </dgm:scene3d>
+    <dgm:sp3d/>
+    <dgm:txPr/>
+    <dgm:style>
+      <a:lnRef idx="1">
+        <a:scrgbClr r="0" g="0" b="0"/>
+      </a:lnRef>
+      <a:fillRef idx="0">
+        <a:scrgbClr r="0" g="0" b="0"/>
+      </a:fillRef>
+      <a:effectRef idx="0">
+        <a:scrgbClr r="0" g="0" b="0"/>
+      </a:effectRef>
+      <a:fontRef idx="minor"/>
+    </dgm:style>
+  </dgm:styleLbl>
+  <dgm:styleLbl name="callout">
+    <dgm:scene3d>
+      <a:camera prst="orthographicFront"/>
+      <a:lightRig rig="threePt" dir="t"/>
+    </dgm:scene3d>
+    <dgm:sp3d/>
+    <dgm:txPr/>
+    <dgm:style>
+      <a:lnRef idx="2">
+        <a:scrgbClr r="0" g="0" b="0"/>
+      </a:lnRef>
+      <a:fillRef idx="1">
+        <a:scrgbClr r="0" g="0" b="0"/>
+      </a:fillRef>
+      <a:effectRef idx="0">
+        <a:scrgbClr r="0" g="0" b="0"/>
+      </a:effectRef>
+      <a:fontRef idx="minor"/>
+    </dgm:style>
+  </dgm:styleLbl>
+  <dgm:styleLbl name="asst0">
+    <dgm:scene3d>
+      <a:camera prst="orthographicFront"/>
+      <a:lightRig rig="threePt" dir="t"/>
+    </dgm:scene3d>
+    <dgm:sp3d/>
+    <dgm:txPr/>
+    <dgm:style>
+      <a:lnRef idx="2">
+        <a:scrgbClr r="0" g="0" b="0"/>
+      </a:lnRef>
+      <a:fillRef idx="1">
+        <a:scrgbClr r="0" g="0" b="0"/>
+      </a:fillRef>
+      <a:effectRef idx="0">
+        <a:scrgbClr r="0" g="0" b="0"/>
+      </a:effectRef>
+      <a:fontRef idx="minor">
+        <a:schemeClr val="lt1"/>
+      </a:fontRef>
+    </dgm:style>
+  </dgm:styleLbl>
+  <dgm:styleLbl name="asst1">
+    <dgm:scene3d>
+      <a:camera prst="orthographicFront"/>
+      <a:lightRig rig="threePt" dir="t"/>
+    </dgm:scene3d>
+    <dgm:sp3d/>
+    <dgm:txPr/>
+    <dgm:style>
+      <a:lnRef idx="2">
+        <a:scrgbClr r="0" g="0" b="0"/>
+      </a:lnRef>
+      <a:fillRef idx="1">
+        <a:scrgbClr r="0" g="0" b="0"/>
+      </a:fillRef>
+      <a:effectRef idx="0">
+        <a:scrgbClr r="0" g="0" b="0"/>
+      </a:effectRef>
+      <a:fontRef idx="minor">
+        <a:schemeClr val="lt1"/>
+      </a:fontRef>
+    </dgm:style>
+  </dgm:styleLbl>
+  <dgm:styleLbl name="asst2">
+    <dgm:scene3d>
+      <a:camera prst="orthographicFront"/>
+      <a:lightRig rig="threePt" dir="t"/>
+    </dgm:scene3d>
+    <dgm:sp3d/>
+    <dgm:txPr/>
+    <dgm:style>
+      <a:lnRef idx="2">
+        <a:scrgbClr r="0" g="0" b="0"/>
+      </a:lnRef>
+      <a:fillRef idx="1">
+        <a:scrgbClr r="0" g="0" b="0"/>
+      </a:fillRef>
+      <a:effectRef idx="0">
+        <a:scrgbClr r="0" g="0" b="0"/>
+      </a:effectRef>
+      <a:fontRef idx="minor">
+        <a:schemeClr val="lt1"/>
+      </a:fontRef>
+    </dgm:style>
+  </dgm:styleLbl>
+  <dgm:styleLbl name="asst3">
+    <dgm:scene3d>
+      <a:camera prst="orthographicFront"/>
+      <a:lightRig rig="threePt" dir="t"/>
+    </dgm:scene3d>
+    <dgm:sp3d/>
+    <dgm:txPr/>
+    <dgm:style>
+      <a:lnRef idx="2">
+        <a:scrgbClr r="0" g="0" b="0"/>
+      </a:lnRef>
+      <a:fillRef idx="1">
+        <a:scrgbClr r="0" g="0" b="0"/>
+      </a:fillRef>
+      <a:effectRef idx="0">
+        <a:scrgbClr r="0" g="0" b="0"/>
+      </a:effectRef>
+      <a:fontRef idx="minor">
+        <a:schemeClr val="lt1"/>
+      </a:fontRef>
+    </dgm:style>
+  </dgm:styleLbl>
+  <dgm:styleLbl name="asst4">
+    <dgm:scene3d>
+      <a:camera prst="orthographicFront"/>
+      <a:lightRig rig="threePt" dir="t"/>
+    </dgm:scene3d>
+    <dgm:sp3d/>
+    <dgm:txPr/>
+    <dgm:style>
+      <a:lnRef idx="2">
+        <a:scrgbClr r="0" g="0" b="0"/>
+      </a:lnRef>
+      <a:fillRef idx="1">
+        <a:scrgbClr r="0" g="0" b="0"/>
+      </a:fillRef>
+      <a:effectRef idx="0">
+        <a:scrgbClr r="0" g="0" b="0"/>
+      </a:effectRef>
+      <a:fontRef idx="minor">
+        <a:schemeClr val="lt1"/>
+      </a:fontRef>
+    </dgm:style>
+  </dgm:styleLbl>
+  <dgm:styleLbl name="parChTrans2D1">
+    <dgm:scene3d>
+      <a:camera prst="orthographicFront"/>
+      <a:lightRig rig="threePt" dir="t"/>
+    </dgm:scene3d>
+    <dgm:sp3d/>
+    <dgm:txPr/>
+    <dgm:style>
+      <a:lnRef idx="2">
+        <a:scrgbClr r="0" g="0" b="0"/>
+      </a:lnRef>
+      <a:fillRef idx="1">
+        <a:scrgbClr r="0" g="0" b="0"/>
+      </a:fillRef>
+      <a:effectRef idx="0">
+        <a:scrgbClr r="0" g="0" b="0"/>
+      </a:effectRef>
+      <a:fontRef idx="minor">
+        <a:schemeClr val="lt1"/>
+      </a:fontRef>
+    </dgm:style>
+  </dgm:styleLbl>
+  <dgm:styleLbl name="parChTrans2D2">
+    <dgm:scene3d>
+      <a:camera prst="orthographicFront"/>
+      <a:lightRig rig="threePt" dir="t"/>
+    </dgm:scene3d>
+    <dgm:sp3d/>
+    <dgm:txPr/>
+    <dgm:style>
+      <a:lnRef idx="2">
+        <a:scrgbClr r="0" g="0" b="0"/>
+      </a:lnRef>
+      <a:fillRef idx="1">
+        <a:scrgbClr r="0" g="0" b="0"/>
+      </a:fillRef>
+      <a:effectRef idx="0">
+        <a:scrgbClr r="0" g="0" b="0"/>
+      </a:effectRef>
+      <a:fontRef idx="minor">
+        <a:schemeClr val="lt1"/>
+      </a:fontRef>
+    </dgm:style>
+  </dgm:styleLbl>
+  <dgm:styleLbl name="parChTrans2D3">
+    <dgm:scene3d>
+      <a:camera prst="orthographicFront"/>
+      <a:lightRig rig="threePt" dir="t"/>
+    </dgm:scene3d>
+    <dgm:sp3d/>
+    <dgm:txPr/>
+    <dgm:style>
+      <a:lnRef idx="2">
+        <a:scrgbClr r="0" g="0" b="0"/>
+      </a:lnRef>
+      <a:fillRef idx="1">
+        <a:scrgbClr r="0" g="0" b="0"/>
+      </a:fillRef>
+      <a:effectRef idx="0">
+        <a:scrgbClr r="0" g="0" b="0"/>
+      </a:effectRef>
+      <a:fontRef idx="minor">
+        <a:schemeClr val="lt1"/>
+      </a:fontRef>
+    </dgm:style>
+  </dgm:styleLbl>
+  <dgm:styleLbl name="parChTrans2D4">
+    <dgm:scene3d>
+      <a:camera prst="orthographicFront"/>
+      <a:lightRig rig="threePt" dir="t"/>
+    </dgm:scene3d>
+    <dgm:sp3d/>
+    <dgm:txPr/>
+    <dgm:style>
+      <a:lnRef idx="2">
+        <a:scrgbClr r="0" g="0" b="0"/>
+      </a:lnRef>
+      <a:fillRef idx="1">
+        <a:scrgbClr r="0" g="0" b="0"/>
+      </a:fillRef>
+      <a:effectRef idx="0">
+        <a:scrgbClr r="0" g="0" b="0"/>
+      </a:effectRef>
+      <a:fontRef idx="minor">
+        <a:schemeClr val="lt1"/>
+      </a:fontRef>
+    </dgm:style>
+  </dgm:styleLbl>
+  <dgm:styleLbl name="parChTrans1D1">
+    <dgm:scene3d>
+      <a:camera prst="orthographicFront"/>
+      <a:lightRig rig="threePt" dir="t"/>
+    </dgm:scene3d>
+    <dgm:sp3d/>
+    <dgm:txPr/>
+    <dgm:style>
+      <a:lnRef idx="2">
+        <a:scrgbClr r="0" g="0" b="0"/>
+      </a:lnRef>
+      <a:fillRef idx="0">
+        <a:scrgbClr r="0" g="0" b="0"/>
+      </a:fillRef>
+      <a:effectRef idx="0">
+        <a:scrgbClr r="0" g="0" b="0"/>
+      </a:effectRef>
+      <a:fontRef idx="minor"/>
+    </dgm:style>
+  </dgm:styleLbl>
+  <dgm:styleLbl name="parChTrans1D2">
+    <dgm:scene3d>
+      <a:camera prst="orthographicFront"/>
+      <a:lightRig rig="threePt" dir="t"/>
+    </dgm:scene3d>
+    <dgm:sp3d/>
+    <dgm:txPr/>
+    <dgm:style>
+      <a:lnRef idx="2">
+        <a:scrgbClr r="0" g="0" b="0"/>
+      </a:lnRef>
+      <a:fillRef idx="0">
+        <a:scrgbClr r="0" g="0" b="0"/>
+      </a:fillRef>
+      <a:effectRef idx="0">
+        <a:scrgbClr r="0" g="0" b="0"/>
+      </a:effectRef>
+      <a:fontRef idx="minor"/>
+    </dgm:style>
+  </dgm:styleLbl>
+  <dgm:styleLbl name="parChTrans1D3">
+    <dgm:scene3d>
+      <a:camera prst="orthographicFront"/>
+      <a:lightRig rig="threePt" dir="t"/>
+    </dgm:scene3d>
+    <dgm:sp3d/>
+    <dgm:txPr/>
+    <dgm:style>
+      <a:lnRef idx="2">
+        <a:scrgbClr r="0" g="0" b="0"/>
+      </a:lnRef>
+      <a:fillRef idx="0">
+        <a:scrgbClr r="0" g="0" b="0"/>
+      </a:fillRef>
+      <a:effectRef idx="0">
+        <a:scrgbClr r="0" g="0" b="0"/>
+      </a:effectRef>
+      <a:fontRef idx="minor"/>
+    </dgm:style>
+  </dgm:styleLbl>
+  <dgm:styleLbl name="parChTrans1D4">
+    <dgm:scene3d>
+      <a:camera prst="orthographicFront"/>
+      <a:lightRig rig="threePt" dir="t"/>
+    </dgm:scene3d>
+    <dgm:sp3d/>
+    <dgm:txPr/>
+    <dgm:style>
+      <a:lnRef idx="2">
+        <a:scrgbClr r="0" g="0" b="0"/>
+      </a:lnRef>
+      <a:fillRef idx="0">
+        <a:scrgbClr r="0" g="0" b="0"/>
+      </a:fillRef>
+      <a:effectRef idx="0">
+        <a:scrgbClr r="0" g="0" b="0"/>
+      </a:effectRef>
+      <a:fontRef idx="minor"/>
+    </dgm:style>
+  </dgm:styleLbl>
+  <dgm:styleLbl name="fgAcc1">
+    <dgm:scene3d>
+      <a:camera prst="orthographicFront"/>
+      <a:lightRig rig="threePt" dir="t"/>
+    </dgm:scene3d>
+    <dgm:sp3d/>
+    <dgm:txPr/>
+    <dgm:style>
+      <a:lnRef idx="2">
+        <a:scrgbClr r="0" g="0" b="0"/>
+      </a:lnRef>
+      <a:fillRef idx="1">
+        <a:scrgbClr r="0" g="0" b="0"/>
+      </a:fillRef>
+      <a:effectRef idx="0">
+        <a:scrgbClr r="0" g="0" b="0"/>
+      </a:effectRef>
+      <a:fontRef idx="minor"/>
+    </dgm:style>
+  </dgm:styleLbl>
+  <dgm:styleLbl name="conFgAcc1">
+    <dgm:scene3d>
+      <a:camera prst="orthographicFront"/>
+      <a:lightRig rig="threePt" dir="t"/>
+    </dgm:scene3d>
+    <dgm:sp3d/>
+    <dgm:txPr/>
+    <dgm:style>
+      <a:lnRef idx="2">
+        <a:scrgbClr r="0" g="0" b="0"/>
+      </a:lnRef>
+      <a:fillRef idx="1">
+        <a:scrgbClr r="0" g="0" b="0"/>
+      </a:fillRef>
+      <a:effectRef idx="0">
+        <a:scrgbClr r="0" g="0" b="0"/>
+      </a:effectRef>
+      <a:fontRef idx="minor"/>
+    </dgm:style>
+  </dgm:styleLbl>
+  <dgm:styleLbl name="alignAcc1">
+    <dgm:scene3d>
+      <a:camera prst="orthographicFront"/>
+      <a:lightRig rig="threePt" dir="t"/>
+    </dgm:scene3d>
+    <dgm:sp3d/>
+    <dgm:txPr/>
+    <dgm:style>
+      <a:lnRef idx="2">
+        <a:scrgbClr r="0" g="0" b="0"/>
+      </a:lnRef>
+      <a:fillRef idx="1">
+        <a:scrgbClr r="0" g="0" b="0"/>
+      </a:fillRef>
+      <a:effectRef idx="0">
+        <a:scrgbClr r="0" g="0" b="0"/>
+      </a:effectRef>
+      <a:fontRef idx="minor"/>
+    </dgm:style>
+  </dgm:styleLbl>
+  <dgm:styleLbl name="trAlignAcc1">
+    <dgm:scene3d>
+      <a:camera prst="orthographicFront"/>
+      <a:lightRig rig="threePt" dir="t"/>
+    </dgm:scene3d>
+    <dgm:sp3d/>
+    <dgm:txPr/>
+    <dgm:style>
+      <a:lnRef idx="1">
+        <a:scrgbClr r="0" g="0" b="0"/>
+      </a:lnRef>
+      <a:fillRef idx="1">
+        <a:scrgbClr r="0" g="0" b="0"/>
+      </a:fillRef>
+      <a:effectRef idx="0">
+        <a:scrgbClr r="0" g="0" b="0"/>
+      </a:effectRef>
+      <a:fontRef idx="minor"/>
+    </dgm:style>
+  </dgm:styleLbl>
+  <dgm:styleLbl name="bgAcc1">
+    <dgm:scene3d>
+      <a:camera prst="orthographicFront"/>
+      <a:lightRig rig="threePt" dir="t"/>
+    </dgm:scene3d>
+    <dgm:sp3d/>
+    <dgm:txPr/>
+    <dgm:style>
+      <a:lnRef idx="2">
+        <a:scrgbClr r="0" g="0" b="0"/>
+      </a:lnRef>
+      <a:fillRef idx="1">
+        <a:scrgbClr r="0" g="0" b="0"/>
+      </a:fillRef>
+      <a:effectRef idx="0">
+        <a:scrgbClr r="0" g="0" b="0"/>
+      </a:effectRef>
+      <a:fontRef idx="minor"/>
+    </dgm:style>
+  </dgm:styleLbl>
+  <dgm:styleLbl name="solidFgAcc1">
+    <dgm:scene3d>
+      <a:camera prst="orthographicFront"/>
+      <a:lightRig rig="threePt" dir="t"/>
+    </dgm:scene3d>
+    <dgm:sp3d/>
+    <dgm:txPr/>
+    <dgm:style>
+      <a:lnRef idx="2">
+        <a:scrgbClr r="0" g="0" b="0"/>
+      </a:lnRef>
+      <a:fillRef idx="1">
+        <a:scrgbClr r="0" g="0" b="0"/>
+      </a:fillRef>
+      <a:effectRef idx="0">
+        <a:scrgbClr r="0" g="0" b="0"/>
+      </a:effectRef>
+      <a:fontRef idx="minor"/>
+    </dgm:style>
+  </dgm:styleLbl>
+  <dgm:styleLbl name="solidAlignAcc1">
+    <dgm:scene3d>
+      <a:camera prst="orthographicFront"/>
+      <a:lightRig rig="threePt" dir="t"/>
+    </dgm:scene3d>
+    <dgm:sp3d/>
+    <dgm:txPr/>
+    <dgm:style>
+      <a:lnRef idx="2">
+        <a:scrgbClr r="0" g="0" b="0"/>
+      </a:lnRef>
+      <a:fillRef idx="1">
+        <a:scrgbClr r="0" g="0" b="0"/>
+      </a:fillRef>
+      <a:effectRef idx="0">
+        <a:scrgbClr r="0" g="0" b="0"/>
+      </a:effectRef>
+      <a:fontRef idx="minor"/>
+    </dgm:style>
+  </dgm:styleLbl>
+  <dgm:styleLbl name="solidBgAcc1">
+    <dgm:scene3d>
+      <a:camera prst="orthographicFront"/>
+      <a:lightRig rig="threePt" dir="t"/>
+    </dgm:scene3d>
+    <dgm:sp3d/>
+    <dgm:txPr/>
+    <dgm:style>
+      <a:lnRef idx="2">
+        <a:scrgbClr r="0" g="0" b="0"/>
+      </a:lnRef>
+      <a:fillRef idx="1">
+        <a:scrgbClr r="0" g="0" b="0"/>
+      </a:fillRef>
+      <a:effectRef idx="0">
+        <a:scrgbClr r="0" g="0" b="0"/>
+      </a:effectRef>
+      <a:fontRef idx="minor"/>
+    </dgm:style>
+  </dgm:styleLbl>
+  <dgm:styleLbl name="fgAccFollowNode1">
+    <dgm:scene3d>
+      <a:camera prst="orthographicFront"/>
+      <a:lightRig rig="threePt" dir="t"/>
+    </dgm:scene3d>
+    <dgm:sp3d/>
+    <dgm:txPr/>
+    <dgm:style>
+      <a:lnRef idx="2">
+        <a:scrgbClr r="0" g="0" b="0"/>
+      </a:lnRef>
+      <a:fillRef idx="1">
+        <a:scrgbClr r="0" g="0" b="0"/>
+      </a:fillRef>
+      <a:effectRef idx="0">
+        <a:scrgbClr r="0" g="0" b="0"/>
+      </a:effectRef>
+      <a:fontRef idx="minor"/>
+    </dgm:style>
+  </dgm:styleLbl>
+  <dgm:styleLbl name="alignAccFollowNode1">
+    <dgm:scene3d>
+      <a:camera prst="orthographicFront"/>
+      <a:lightRig rig="threePt" dir="t"/>
+    </dgm:scene3d>
+    <dgm:sp3d/>
+    <dgm:txPr/>
+    <dgm:style>
+      <a:lnRef idx="2">
+        <a:scrgbClr r="0" g="0" b="0"/>
+      </a:lnRef>
+      <a:fillRef idx="1">
+        <a:scrgbClr r="0" g="0" b="0"/>
+      </a:fillRef>
+      <a:effectRef idx="0">
+        <a:scrgbClr r="0" g="0" b="0"/>
+      </a:effectRef>
+      <a:fontRef idx="minor"/>
+    </dgm:style>
+  </dgm:styleLbl>
+  <dgm:styleLbl name="bgAccFollowNode1">
+    <dgm:scene3d>
+      <a:camera prst="orthographicFront"/>
+      <a:lightRig rig="threePt" dir="t"/>
+    </dgm:scene3d>
+    <dgm:sp3d/>
+    <dgm:txPr/>
+    <dgm:style>
+      <a:lnRef idx="2">
+        <a:scrgbClr r="0" g="0" b="0"/>
+      </a:lnRef>
+      <a:fillRef idx="1">
+        <a:scrgbClr r="0" g="0" b="0"/>
+      </a:fillRef>
+      <a:effectRef idx="0">
+        <a:scrgbClr r="0" g="0" b="0"/>
+      </a:effectRef>
+      <a:fontRef idx="minor"/>
+    </dgm:style>
+  </dgm:styleLbl>
+  <dgm:styleLbl name="fgAcc0">
+    <dgm:scene3d>
+      <a:camera prst="orthographicFront"/>
+      <a:lightRig rig="threePt" dir="t"/>
+    </dgm:scene3d>
+    <dgm:sp3d/>
+    <dgm:txPr/>
+    <dgm:style>
+      <a:lnRef idx="2">
+        <a:scrgbClr r="0" g="0" b="0"/>
+      </a:lnRef>
+      <a:fillRef idx="1">
+        <a:scrgbClr r="0" g="0" b="0"/>
+      </a:fillRef>
+      <a:effectRef idx="0">
+        <a:scrgbClr r="0" g="0" b="0"/>
+      </a:effectRef>
+      <a:fontRef idx="minor"/>
+    </dgm:style>
+  </dgm:styleLbl>
+  <dgm:styleLbl name="fgAcc2">
+    <dgm:scene3d>
+      <a:camera prst="orthographicFront"/>
+      <a:lightRig rig="threePt" dir="t"/>
+    </dgm:scene3d>
+    <dgm:sp3d/>
+    <dgm:txPr/>
+    <dgm:style>
+      <a:lnRef idx="2">
+        <a:scrgbClr r="0" g="0" b="0"/>
+      </a:lnRef>
+      <a:fillRef idx="1">
+        <a:scrgbClr r="0" g="0" b="0"/>
+      </a:fillRef>
+      <a:effectRef idx="0">
+        <a:scrgbClr r="0" g="0" b="0"/>
+      </a:effectRef>
+      <a:fontRef idx="minor"/>
+    </dgm:style>
+  </dgm:styleLbl>
+  <dgm:styleLbl name="fgAcc3">
+    <dgm:scene3d>
+      <a:camera prst="orthographicFront"/>
+      <a:lightRig rig="threePt" dir="t"/>
+    </dgm:scene3d>
+    <dgm:sp3d/>
+    <dgm:txPr/>
+    <dgm:style>
+      <a:lnRef idx="2">
+        <a:scrgbClr r="0" g="0" b="0"/>
+      </a:lnRef>
+      <a:fillRef idx="1">
+        <a:scrgbClr r="0" g="0" b="0"/>
+      </a:fillRef>
+      <a:effectRef idx="0">
+        <a:scrgbClr r="0" g="0" b="0"/>
+      </a:effectRef>
+      <a:fontRef idx="minor"/>
+    </dgm:style>
+  </dgm:styleLbl>
+  <dgm:styleLbl name="fgAcc4">
+    <dgm:scene3d>
+      <a:camera prst="orthographicFront"/>
+      <a:lightRig rig="threePt" dir="t"/>
+    </dgm:scene3d>
+    <dgm:sp3d/>
+    <dgm:txPr/>
+    <dgm:style>
+      <a:lnRef idx="2">
+        <a:scrgbClr r="0" g="0" b="0"/>
+      </a:lnRef>
+      <a:fillRef idx="1">
+        <a:scrgbClr r="0" g="0" b="0"/>
+      </a:fillRef>
+      <a:effectRef idx="0">
+        <a:scrgbClr r="0" g="0" b="0"/>
+      </a:effectRef>
+      <a:fontRef idx="minor"/>
+    </dgm:style>
+  </dgm:styleLbl>
+  <dgm:styleLbl name="bgShp">
+    <dgm:scene3d>
+      <a:camera prst="orthographicFront"/>
+      <a:lightRig rig="threePt" dir="t"/>
+    </dgm:scene3d>
+    <dgm:sp3d/>
+    <dgm:txPr/>
+    <dgm:style>
+      <a:lnRef idx="0">
+        <a:scrgbClr r="0" g="0" b="0"/>
+      </a:lnRef>
+      <a:fillRef idx="1">
+        <a:scrgbClr r="0" g="0" b="0"/>
+      </a:fillRef>
+      <a:effectRef idx="0">
+        <a:scrgbClr r="0" g="0" b="0"/>
+      </a:effectRef>
+      <a:fontRef idx="minor"/>
+    </dgm:style>
+  </dgm:styleLbl>
+  <dgm:styleLbl name="dkBgShp">
+    <dgm:scene3d>
+      <a:camera prst="orthographicFront"/>
+      <a:lightRig rig="threePt" dir="t"/>
+    </dgm:scene3d>
+    <dgm:sp3d/>
+    <dgm:txPr/>
+    <dgm:style>
+      <a:lnRef idx="0">
+        <a:scrgbClr r="0" g="0" b="0"/>
+      </a:lnRef>
+      <a:fillRef idx="1">
+        <a:scrgbClr r="0" g="0" b="0"/>
+      </a:fillRef>
+      <a:effectRef idx="0">
+        <a:scrgbClr r="0" g="0" b="0"/>
+      </a:effectRef>
+      <a:fontRef idx="minor"/>
+    </dgm:style>
+  </dgm:styleLbl>
+  <dgm:styleLbl name="trBgShp">
+    <dgm:scene3d>
+      <a:camera prst="orthographicFront"/>
+      <a:lightRig rig="threePt" dir="t"/>
+    </dgm:scene3d>
+    <dgm:sp3d/>
+    <dgm:txPr/>
+    <dgm:style>
+      <a:lnRef idx="0">
+        <a:scrgbClr r="0" g="0" b="0"/>
+      </a:lnRef>
+      <a:fillRef idx="1">
+        <a:scrgbClr r="0" g="0" b="0"/>
+      </a:fillRef>
+      <a:effectRef idx="0">
+        <a:scrgbClr r="0" g="0" b="0"/>
+      </a:effectRef>
+      <a:fontRef idx="minor"/>
+    </dgm:style>
+  </dgm:styleLbl>
+  <dgm:styleLbl name="fgShp">
+    <dgm:scene3d>
+      <a:camera prst="orthographicFront"/>
+      <a:lightRig rig="threePt" dir="t"/>
+    </dgm:scene3d>
+    <dgm:sp3d/>
+    <dgm:txPr/>
+    <dgm:style>
+      <a:lnRef idx="2">
+        <a:scrgbClr r="0" g="0" b="0"/>
+      </a:lnRef>
+      <a:fillRef idx="1">
+        <a:scrgbClr r="0" g="0" b="0"/>
+      </a:fillRef>
+      <a:effectRef idx="0">
+        <a:scrgbClr r="0" g="0" b="0"/>
+      </a:effectRef>
+      <a:fontRef idx="minor"/>
+    </dgm:style>
+  </dgm:styleLbl>
+  <dgm:styleLbl name="revTx">
+    <dgm:scene3d>
+      <a:camera prst="orthographicFront"/>
+      <a:lightRig rig="threePt" dir="t"/>
+    </dgm:scene3d>
+    <dgm:sp3d/>
+    <dgm:txPr/>
+    <dgm:style>
+      <a:lnRef idx="0">
+        <a:scrgbClr r="0" g="0" b="0"/>
+      </a:lnRef>
+      <a:fillRef idx="0">
+        <a:scrgbClr r="0" g="0" b="0"/>
+      </a:fillRef>
+      <a:effectRef idx="0">
+        <a:scrgbClr r="0" g="0" b="0"/>
+      </a:effectRef>
+      <a:fontRef idx="minor"/>
+    </dgm:style>
+  </dgm:styleLbl>
+</dgm:styleDef>
+</file>
+
+<file path=ppt/diagrams/quickStyle7.xml><?xml version="1.0" encoding="utf-8"?>
 <dgm:styleDef xmlns:dgm="http://schemas.openxmlformats.org/drawingml/2006/diagram" xmlns:a="http://schemas.openxmlformats.org/drawingml/2006/main" uniqueId="urn:microsoft.com/office/officeart/2005/8/quickstyle/simple1">
   <dgm:title val=""/>
   <dgm:desc val=""/>
@@ -20162,7 +23949,7 @@
           <a:p>
             <a:fld id="{0E46CC0F-093A-4949-BE03-76CA38DB1411}" type="datetimeFigureOut">
               <a:rPr lang="zh-CN" altLang="en-US" smtClean="0"/>
-              <a:t>2020/7/29</a:t>
+              <a:t>2020/8/4</a:t>
             </a:fld>
             <a:endParaRPr lang="zh-CN" altLang="en-US"/>
           </a:p>
@@ -20332,7 +24119,7 @@
           <a:p>
             <a:fld id="{0E46CC0F-093A-4949-BE03-76CA38DB1411}" type="datetimeFigureOut">
               <a:rPr lang="zh-CN" altLang="en-US" smtClean="0"/>
-              <a:t>2020/7/29</a:t>
+              <a:t>2020/8/4</a:t>
             </a:fld>
             <a:endParaRPr lang="zh-CN" altLang="en-US"/>
           </a:p>
@@ -20512,7 +24299,7 @@
           <a:p>
             <a:fld id="{0E46CC0F-093A-4949-BE03-76CA38DB1411}" type="datetimeFigureOut">
               <a:rPr lang="zh-CN" altLang="en-US" smtClean="0"/>
-              <a:t>2020/7/29</a:t>
+              <a:t>2020/8/4</a:t>
             </a:fld>
             <a:endParaRPr lang="zh-CN" altLang="en-US"/>
           </a:p>
@@ -20682,7 +24469,7 @@
           <a:p>
             <a:fld id="{0E46CC0F-093A-4949-BE03-76CA38DB1411}" type="datetimeFigureOut">
               <a:rPr lang="zh-CN" altLang="en-US" smtClean="0"/>
-              <a:t>2020/7/29</a:t>
+              <a:t>2020/8/4</a:t>
             </a:fld>
             <a:endParaRPr lang="zh-CN" altLang="en-US"/>
           </a:p>
@@ -20928,7 +24715,7 @@
           <a:p>
             <a:fld id="{0E46CC0F-093A-4949-BE03-76CA38DB1411}" type="datetimeFigureOut">
               <a:rPr lang="zh-CN" altLang="en-US" smtClean="0"/>
-              <a:t>2020/7/29</a:t>
+              <a:t>2020/8/4</a:t>
             </a:fld>
             <a:endParaRPr lang="zh-CN" altLang="en-US"/>
           </a:p>
@@ -21160,7 +24947,7 @@
           <a:p>
             <a:fld id="{0E46CC0F-093A-4949-BE03-76CA38DB1411}" type="datetimeFigureOut">
               <a:rPr lang="zh-CN" altLang="en-US" smtClean="0"/>
-              <a:t>2020/7/29</a:t>
+              <a:t>2020/8/4</a:t>
             </a:fld>
             <a:endParaRPr lang="zh-CN" altLang="en-US"/>
           </a:p>
@@ -21527,7 +25314,7 @@
           <a:p>
             <a:fld id="{0E46CC0F-093A-4949-BE03-76CA38DB1411}" type="datetimeFigureOut">
               <a:rPr lang="zh-CN" altLang="en-US" smtClean="0"/>
-              <a:t>2020/7/29</a:t>
+              <a:t>2020/8/4</a:t>
             </a:fld>
             <a:endParaRPr lang="zh-CN" altLang="en-US"/>
           </a:p>
@@ -21645,7 +25432,7 @@
           <a:p>
             <a:fld id="{0E46CC0F-093A-4949-BE03-76CA38DB1411}" type="datetimeFigureOut">
               <a:rPr lang="zh-CN" altLang="en-US" smtClean="0"/>
-              <a:t>2020/7/29</a:t>
+              <a:t>2020/8/4</a:t>
             </a:fld>
             <a:endParaRPr lang="zh-CN" altLang="en-US"/>
           </a:p>
@@ -21740,7 +25527,7 @@
           <a:p>
             <a:fld id="{0E46CC0F-093A-4949-BE03-76CA38DB1411}" type="datetimeFigureOut">
               <a:rPr lang="zh-CN" altLang="en-US" smtClean="0"/>
-              <a:t>2020/7/29</a:t>
+              <a:t>2020/8/4</a:t>
             </a:fld>
             <a:endParaRPr lang="zh-CN" altLang="en-US"/>
           </a:p>
@@ -22017,7 +25804,7 @@
           <a:p>
             <a:fld id="{0E46CC0F-093A-4949-BE03-76CA38DB1411}" type="datetimeFigureOut">
               <a:rPr lang="zh-CN" altLang="en-US" smtClean="0"/>
-              <a:t>2020/7/29</a:t>
+              <a:t>2020/8/4</a:t>
             </a:fld>
             <a:endParaRPr lang="zh-CN" altLang="en-US"/>
           </a:p>
@@ -22270,7 +26057,7 @@
           <a:p>
             <a:fld id="{0E46CC0F-093A-4949-BE03-76CA38DB1411}" type="datetimeFigureOut">
               <a:rPr lang="zh-CN" altLang="en-US" smtClean="0"/>
-              <a:t>2020/7/29</a:t>
+              <a:t>2020/8/4</a:t>
             </a:fld>
             <a:endParaRPr lang="zh-CN" altLang="en-US"/>
           </a:p>
@@ -22483,7 +26270,7 @@
           <a:p>
             <a:fld id="{0E46CC0F-093A-4949-BE03-76CA38DB1411}" type="datetimeFigureOut">
               <a:rPr lang="zh-CN" altLang="en-US" smtClean="0"/>
-              <a:t>2020/7/29</a:t>
+              <a:t>2020/8/4</a:t>
             </a:fld>
             <a:endParaRPr lang="zh-CN" altLang="en-US"/>
           </a:p>
@@ -23903,6 +27690,314 @@
 </p:sld>
 </file>
 
+<file path=ppt/slides/slide6.xml><?xml version="1.0" encoding="utf-8"?>
+<p:sld xmlns:a="http://schemas.openxmlformats.org/drawingml/2006/main" xmlns:r="http://schemas.openxmlformats.org/officeDocument/2006/relationships" xmlns:p="http://schemas.openxmlformats.org/presentationml/2006/main">
+  <p:cSld>
+    <p:spTree>
+      <p:nvGrpSpPr>
+        <p:cNvPr id="1" name=""/>
+        <p:cNvGrpSpPr/>
+        <p:nvPr/>
+      </p:nvGrpSpPr>
+      <p:grpSpPr>
+        <a:xfrm>
+          <a:off x="0" y="0"/>
+          <a:ext cx="0" cy="0"/>
+          <a:chOff x="0" y="0"/>
+          <a:chExt cx="0" cy="0"/>
+        </a:xfrm>
+      </p:grpSpPr>
+      <p:graphicFrame>
+        <p:nvGraphicFramePr>
+          <p:cNvPr id="3" name="图示 2"/>
+          <p:cNvGraphicFramePr/>
+          <p:nvPr>
+            <p:extLst>
+              <p:ext uri="{D42A27DB-BD31-4B8C-83A1-F6EECF244321}">
+                <p14:modId xmlns:p14="http://schemas.microsoft.com/office/powerpoint/2010/main" val="482511554"/>
+              </p:ext>
+            </p:extLst>
+          </p:nvPr>
+        </p:nvGraphicFramePr>
+        <p:xfrm>
+          <a:off x="2534276" y="1157549"/>
+          <a:ext cx="6146085" cy="4406126"/>
+        </p:xfrm>
+        <a:graphic>
+          <a:graphicData uri="http://schemas.openxmlformats.org/drawingml/2006/diagram">
+            <dgm:relIds xmlns:dgm="http://schemas.openxmlformats.org/drawingml/2006/diagram" xmlns:r="http://schemas.openxmlformats.org/officeDocument/2006/relationships" r:dm="rId2" r:lo="rId3" r:qs="rId4" r:cs="rId5"/>
+          </a:graphicData>
+        </a:graphic>
+      </p:graphicFrame>
+      <p:sp>
+        <p:nvSpPr>
+          <p:cNvPr id="4" name="流程图: 过程 3"/>
+          <p:cNvSpPr/>
+          <p:nvPr/>
+        </p:nvSpPr>
+        <p:spPr>
+          <a:xfrm>
+            <a:off x="721217" y="811369"/>
+            <a:ext cx="1674253" cy="656822"/>
+          </a:xfrm>
+          <a:prstGeom prst="flowChartProcess">
+            <a:avLst/>
+          </a:prstGeom>
+        </p:spPr>
+        <p:style>
+          <a:lnRef idx="2">
+            <a:schemeClr val="accent1">
+              <a:shade val="50000"/>
+            </a:schemeClr>
+          </a:lnRef>
+          <a:fillRef idx="1">
+            <a:schemeClr val="accent1"/>
+          </a:fillRef>
+          <a:effectRef idx="0">
+            <a:schemeClr val="accent1"/>
+          </a:effectRef>
+          <a:fontRef idx="minor">
+            <a:schemeClr val="lt1"/>
+          </a:fontRef>
+        </p:style>
+        <p:txBody>
+          <a:bodyPr rtlCol="0" anchor="ctr"/>
+          <a:lstStyle/>
+          <a:p>
+            <a:pPr algn="ctr"/>
+            <a:r>
+              <a:rPr lang="en-US" altLang="zh-CN" dirty="0" smtClean="0"/>
+              <a:t>MINIO</a:t>
+            </a:r>
+            <a:r>
+              <a:rPr lang="zh-CN" altLang="en-US" dirty="0" smtClean="0"/>
+              <a:t>服务器</a:t>
+            </a:r>
+            <a:endParaRPr lang="zh-CN" altLang="en-US" dirty="0"/>
+          </a:p>
+        </p:txBody>
+      </p:sp>
+      <p:sp>
+        <p:nvSpPr>
+          <p:cNvPr id="5" name="流程图: 过程 4"/>
+          <p:cNvSpPr/>
+          <p:nvPr/>
+        </p:nvSpPr>
+        <p:spPr>
+          <a:xfrm>
+            <a:off x="721217" y="2148625"/>
+            <a:ext cx="1674253" cy="656822"/>
+          </a:xfrm>
+          <a:prstGeom prst="flowChartProcess">
+            <a:avLst/>
+          </a:prstGeom>
+        </p:spPr>
+        <p:style>
+          <a:lnRef idx="2">
+            <a:schemeClr val="accent1">
+              <a:shade val="50000"/>
+            </a:schemeClr>
+          </a:lnRef>
+          <a:fillRef idx="1">
+            <a:schemeClr val="accent1"/>
+          </a:fillRef>
+          <a:effectRef idx="0">
+            <a:schemeClr val="accent1"/>
+          </a:effectRef>
+          <a:fontRef idx="minor">
+            <a:schemeClr val="lt1"/>
+          </a:fontRef>
+        </p:style>
+        <p:txBody>
+          <a:bodyPr rtlCol="0" anchor="ctr"/>
+          <a:lstStyle/>
+          <a:p>
+            <a:pPr algn="ctr"/>
+            <a:r>
+              <a:rPr lang="zh-CN" altLang="en-US" dirty="0" smtClean="0"/>
+              <a:t>可视化界面</a:t>
+            </a:r>
+            <a:endParaRPr lang="zh-CN" altLang="en-US" dirty="0"/>
+          </a:p>
+        </p:txBody>
+      </p:sp>
+      <p:sp>
+        <p:nvSpPr>
+          <p:cNvPr id="6" name="流程图: 过程 5"/>
+          <p:cNvSpPr/>
+          <p:nvPr/>
+        </p:nvSpPr>
+        <p:spPr>
+          <a:xfrm>
+            <a:off x="721216" y="3485881"/>
+            <a:ext cx="1674253" cy="656822"/>
+          </a:xfrm>
+          <a:prstGeom prst="flowChartProcess">
+            <a:avLst/>
+          </a:prstGeom>
+        </p:spPr>
+        <p:style>
+          <a:lnRef idx="2">
+            <a:schemeClr val="accent1">
+              <a:shade val="50000"/>
+            </a:schemeClr>
+          </a:lnRef>
+          <a:fillRef idx="1">
+            <a:schemeClr val="accent1"/>
+          </a:fillRef>
+          <a:effectRef idx="0">
+            <a:schemeClr val="accent1"/>
+          </a:effectRef>
+          <a:fontRef idx="minor">
+            <a:schemeClr val="lt1"/>
+          </a:fontRef>
+        </p:style>
+        <p:txBody>
+          <a:bodyPr rtlCol="0" anchor="ctr"/>
+          <a:lstStyle/>
+          <a:p>
+            <a:pPr algn="ctr"/>
+            <a:r>
+              <a:rPr lang="en-US" altLang="zh-CN" dirty="0" smtClean="0"/>
+              <a:t>NGINX</a:t>
+            </a:r>
+            <a:r>
+              <a:rPr lang="zh-CN" altLang="en-US" dirty="0" smtClean="0"/>
+              <a:t>负载</a:t>
+            </a:r>
+            <a:endParaRPr lang="zh-CN" altLang="en-US" dirty="0"/>
+          </a:p>
+        </p:txBody>
+      </p:sp>
+      <p:cxnSp>
+        <p:nvCxnSpPr>
+          <p:cNvPr id="8" name="直接箭头连接符 7"/>
+          <p:cNvCxnSpPr>
+            <a:stCxn id="4" idx="2"/>
+            <a:endCxn id="5" idx="0"/>
+          </p:cNvCxnSpPr>
+          <p:nvPr/>
+        </p:nvCxnSpPr>
+        <p:spPr>
+          <a:xfrm>
+            <a:off x="1558344" y="1468191"/>
+            <a:ext cx="0" cy="680434"/>
+          </a:xfrm>
+          <a:prstGeom prst="straightConnector1">
+            <a:avLst/>
+          </a:prstGeom>
+          <a:ln>
+            <a:tailEnd type="triangle"/>
+          </a:ln>
+        </p:spPr>
+        <p:style>
+          <a:lnRef idx="1">
+            <a:schemeClr val="dk1"/>
+          </a:lnRef>
+          <a:fillRef idx="0">
+            <a:schemeClr val="dk1"/>
+          </a:fillRef>
+          <a:effectRef idx="0">
+            <a:schemeClr val="dk1"/>
+          </a:effectRef>
+          <a:fontRef idx="minor">
+            <a:schemeClr val="tx1"/>
+          </a:fontRef>
+        </p:style>
+      </p:cxnSp>
+      <p:cxnSp>
+        <p:nvCxnSpPr>
+          <p:cNvPr id="10" name="直接箭头连接符 9"/>
+          <p:cNvCxnSpPr>
+            <a:stCxn id="5" idx="2"/>
+            <a:endCxn id="6" idx="0"/>
+          </p:cNvCxnSpPr>
+          <p:nvPr/>
+        </p:nvCxnSpPr>
+        <p:spPr>
+          <a:xfrm flipH="1">
+            <a:off x="1558343" y="2805447"/>
+            <a:ext cx="1" cy="680434"/>
+          </a:xfrm>
+          <a:prstGeom prst="straightConnector1">
+            <a:avLst/>
+          </a:prstGeom>
+          <a:ln>
+            <a:tailEnd type="triangle"/>
+          </a:ln>
+        </p:spPr>
+        <p:style>
+          <a:lnRef idx="1">
+            <a:schemeClr val="dk1"/>
+          </a:lnRef>
+          <a:fillRef idx="0">
+            <a:schemeClr val="dk1"/>
+          </a:fillRef>
+          <a:effectRef idx="0">
+            <a:schemeClr val="dk1"/>
+          </a:effectRef>
+          <a:fontRef idx="minor">
+            <a:schemeClr val="tx1"/>
+          </a:fontRef>
+        </p:style>
+      </p:cxnSp>
+      <p:sp>
+        <p:nvSpPr>
+          <p:cNvPr id="11" name="圆角右箭头 10"/>
+          <p:cNvSpPr/>
+          <p:nvPr/>
+        </p:nvSpPr>
+        <p:spPr>
+          <a:xfrm rot="2334415">
+            <a:off x="2503449" y="750353"/>
+            <a:ext cx="1277112" cy="794936"/>
+          </a:xfrm>
+          <a:prstGeom prst="bentArrow">
+            <a:avLst/>
+          </a:prstGeom>
+        </p:spPr>
+        <p:style>
+          <a:lnRef idx="2">
+            <a:schemeClr val="accent1">
+              <a:shade val="50000"/>
+            </a:schemeClr>
+          </a:lnRef>
+          <a:fillRef idx="1">
+            <a:schemeClr val="accent1"/>
+          </a:fillRef>
+          <a:effectRef idx="0">
+            <a:schemeClr val="accent1"/>
+          </a:effectRef>
+          <a:fontRef idx="minor">
+            <a:schemeClr val="lt1"/>
+          </a:fontRef>
+        </p:style>
+        <p:txBody>
+          <a:bodyPr rtlCol="0" anchor="ctr"/>
+          <a:lstStyle/>
+          <a:p>
+            <a:pPr algn="ctr"/>
+            <a:endParaRPr lang="zh-CN" altLang="en-US">
+              <a:solidFill>
+                <a:schemeClr val="tx1"/>
+              </a:solidFill>
+            </a:endParaRPr>
+          </a:p>
+        </p:txBody>
+      </p:sp>
+    </p:spTree>
+    <p:extLst>
+      <p:ext uri="{BB962C8B-B14F-4D97-AF65-F5344CB8AC3E}">
+        <p14:creationId xmlns:p14="http://schemas.microsoft.com/office/powerpoint/2010/main" val="3126447398"/>
+      </p:ext>
+    </p:extLst>
+  </p:cSld>
+  <p:clrMapOvr>
+    <a:masterClrMapping/>
+  </p:clrMapOvr>
+</p:sld>
+</file>
+
 <file path=ppt/theme/theme1.xml><?xml version="1.0" encoding="utf-8"?>
 <a:theme xmlns:a="http://schemas.openxmlformats.org/drawingml/2006/main" name="Office 主题">
   <a:themeElements>
